--- a/presentation/Presentation.pptx
+++ b/presentation/Presentation.pptx
@@ -832,7 +832,7 @@
   <p:cSld>
     <p:spTree>
       <p:nvGrpSpPr>
-        <p:cNvPr id="116" name="Shape 116"/>
+        <p:cNvPr id="119" name="Shape 119"/>
         <p:cNvGrpSpPr/>
         <p:nvPr/>
       </p:nvGrpSpPr>
@@ -846,7 +846,7 @@
       </p:grpSpPr>
       <p:sp>
         <p:nvSpPr>
-          <p:cNvPr id="117" name="Google Shape;117;g5b5e059eb7_0_0:notes"/>
+          <p:cNvPr id="120" name="Google Shape;120;g5b5e059eb7_0_0:notes"/>
           <p:cNvSpPr/>
           <p:nvPr>
             <p:ph idx="2" type="sldImg"/>
@@ -881,7 +881,7 @@
       </p:sp>
       <p:sp>
         <p:nvSpPr>
-          <p:cNvPr id="118" name="Google Shape;118;g5b5e059eb7_0_0:notes"/>
+          <p:cNvPr id="121" name="Google Shape;121;g5b5e059eb7_0_0:notes"/>
           <p:cNvSpPr txBox="1"/>
           <p:nvPr>
             <p:ph idx="1" type="body"/>
@@ -931,7 +931,7 @@
   <p:cSld>
     <p:spTree>
       <p:nvGrpSpPr>
-        <p:cNvPr id="123" name="Shape 123"/>
+        <p:cNvPr id="126" name="Shape 126"/>
         <p:cNvGrpSpPr/>
         <p:nvPr/>
       </p:nvGrpSpPr>
@@ -945,7 +945,7 @@
       </p:grpSpPr>
       <p:sp>
         <p:nvSpPr>
-          <p:cNvPr id="124" name="Google Shape;124;g49a822ed84_1_78:notes"/>
+          <p:cNvPr id="127" name="Google Shape;127;g49a822ed84_1_78:notes"/>
           <p:cNvSpPr/>
           <p:nvPr>
             <p:ph idx="2" type="sldImg"/>
@@ -980,7 +980,7 @@
       </p:sp>
       <p:sp>
         <p:nvSpPr>
-          <p:cNvPr id="125" name="Google Shape;125;g49a822ed84_1_78:notes"/>
+          <p:cNvPr id="128" name="Google Shape;128;g49a822ed84_1_78:notes"/>
           <p:cNvSpPr txBox="1"/>
           <p:nvPr>
             <p:ph idx="1" type="body"/>
@@ -1030,7 +1030,7 @@
   <p:cSld>
     <p:spTree>
       <p:nvGrpSpPr>
-        <p:cNvPr id="129" name="Shape 129"/>
+        <p:cNvPr id="132" name="Shape 132"/>
         <p:cNvGrpSpPr/>
         <p:nvPr/>
       </p:nvGrpSpPr>
@@ -1044,7 +1044,7 @@
       </p:grpSpPr>
       <p:sp>
         <p:nvSpPr>
-          <p:cNvPr id="130" name="Google Shape;130;g49a822ed84_1_84:notes"/>
+          <p:cNvPr id="133" name="Google Shape;133;g49a822ed84_1_84:notes"/>
           <p:cNvSpPr/>
           <p:nvPr>
             <p:ph idx="2" type="sldImg"/>
@@ -1079,7 +1079,7 @@
       </p:sp>
       <p:sp>
         <p:nvSpPr>
-          <p:cNvPr id="131" name="Google Shape;131;g49a822ed84_1_84:notes"/>
+          <p:cNvPr id="134" name="Google Shape;134;g49a822ed84_1_84:notes"/>
           <p:cNvSpPr txBox="1"/>
           <p:nvPr>
             <p:ph idx="1" type="body"/>
@@ -1129,7 +1129,7 @@
   <p:cSld>
     <p:spTree>
       <p:nvGrpSpPr>
-        <p:cNvPr id="156" name="Shape 156"/>
+        <p:cNvPr id="159" name="Shape 159"/>
         <p:cNvGrpSpPr/>
         <p:nvPr/>
       </p:nvGrpSpPr>
@@ -1143,7 +1143,7 @@
       </p:grpSpPr>
       <p:sp>
         <p:nvSpPr>
-          <p:cNvPr id="157" name="Google Shape;157;g49a822ed84_1_89:notes"/>
+          <p:cNvPr id="160" name="Google Shape;160;g49a822ed84_1_89:notes"/>
           <p:cNvSpPr/>
           <p:nvPr>
             <p:ph idx="2" type="sldImg"/>
@@ -1178,7 +1178,7 @@
       </p:sp>
       <p:sp>
         <p:nvSpPr>
-          <p:cNvPr id="158" name="Google Shape;158;g49a822ed84_1_89:notes"/>
+          <p:cNvPr id="161" name="Google Shape;161;g49a822ed84_1_89:notes"/>
           <p:cNvSpPr txBox="1"/>
           <p:nvPr>
             <p:ph idx="1" type="body"/>
@@ -1228,7 +1228,7 @@
   <p:cSld>
     <p:spTree>
       <p:nvGrpSpPr>
-        <p:cNvPr id="162" name="Shape 162"/>
+        <p:cNvPr id="165" name="Shape 165"/>
         <p:cNvGrpSpPr/>
         <p:nvPr/>
       </p:nvGrpSpPr>
@@ -1242,7 +1242,7 @@
       </p:grpSpPr>
       <p:sp>
         <p:nvSpPr>
-          <p:cNvPr id="163" name="Google Shape;163;g4a1e1d6424_0_23:notes"/>
+          <p:cNvPr id="166" name="Google Shape;166;g4a1e1d6424_0_23:notes"/>
           <p:cNvSpPr/>
           <p:nvPr>
             <p:ph idx="2" type="sldImg"/>
@@ -1277,7 +1277,7 @@
       </p:sp>
       <p:sp>
         <p:nvSpPr>
-          <p:cNvPr id="164" name="Google Shape;164;g4a1e1d6424_0_23:notes"/>
+          <p:cNvPr id="167" name="Google Shape;167;g4a1e1d6424_0_23:notes"/>
           <p:cNvSpPr txBox="1"/>
           <p:nvPr>
             <p:ph idx="1" type="body"/>
@@ -1327,7 +1327,7 @@
   <p:cSld>
     <p:spTree>
       <p:nvGrpSpPr>
-        <p:cNvPr id="167" name="Shape 167"/>
+        <p:cNvPr id="170" name="Shape 170"/>
         <p:cNvGrpSpPr/>
         <p:nvPr/>
       </p:nvGrpSpPr>
@@ -1341,7 +1341,7 @@
       </p:grpSpPr>
       <p:sp>
         <p:nvSpPr>
-          <p:cNvPr id="168" name="Google Shape;168;g49a822ed84_1_99:notes"/>
+          <p:cNvPr id="171" name="Google Shape;171;g49a822ed84_1_99:notes"/>
           <p:cNvSpPr/>
           <p:nvPr>
             <p:ph idx="2" type="sldImg"/>
@@ -1376,7 +1376,7 @@
       </p:sp>
       <p:sp>
         <p:nvSpPr>
-          <p:cNvPr id="169" name="Google Shape;169;g49a822ed84_1_99:notes"/>
+          <p:cNvPr id="172" name="Google Shape;172;g49a822ed84_1_99:notes"/>
           <p:cNvSpPr txBox="1"/>
           <p:nvPr>
             <p:ph idx="1" type="body"/>
@@ -1426,7 +1426,7 @@
   <p:cSld>
     <p:spTree>
       <p:nvGrpSpPr>
-        <p:cNvPr id="173" name="Shape 173"/>
+        <p:cNvPr id="176" name="Shape 176"/>
         <p:cNvGrpSpPr/>
         <p:nvPr/>
       </p:nvGrpSpPr>
@@ -1440,7 +1440,7 @@
       </p:grpSpPr>
       <p:sp>
         <p:nvSpPr>
-          <p:cNvPr id="174" name="Google Shape;174;g4a1e1d6424_0_35:notes"/>
+          <p:cNvPr id="177" name="Google Shape;177;g4a1e1d6424_0_35:notes"/>
           <p:cNvSpPr/>
           <p:nvPr>
             <p:ph idx="2" type="sldImg"/>
@@ -1475,7 +1475,7 @@
       </p:sp>
       <p:sp>
         <p:nvSpPr>
-          <p:cNvPr id="175" name="Google Shape;175;g4a1e1d6424_0_35:notes"/>
+          <p:cNvPr id="178" name="Google Shape;178;g4a1e1d6424_0_35:notes"/>
           <p:cNvSpPr txBox="1"/>
           <p:nvPr>
             <p:ph idx="1" type="body"/>
@@ -1525,7 +1525,7 @@
   <p:cSld>
     <p:spTree>
       <p:nvGrpSpPr>
-        <p:cNvPr id="186" name="Shape 186"/>
+        <p:cNvPr id="189" name="Shape 189"/>
         <p:cNvGrpSpPr/>
         <p:nvPr/>
       </p:nvGrpSpPr>
@@ -1539,7 +1539,7 @@
       </p:grpSpPr>
       <p:sp>
         <p:nvSpPr>
-          <p:cNvPr id="187" name="Google Shape;187;g4b3d5b1232_0_24:notes"/>
+          <p:cNvPr id="190" name="Google Shape;190;g4b3d5b1232_0_24:notes"/>
           <p:cNvSpPr/>
           <p:nvPr>
             <p:ph idx="2" type="sldImg"/>
@@ -1574,7 +1574,7 @@
       </p:sp>
       <p:sp>
         <p:nvSpPr>
-          <p:cNvPr id="188" name="Google Shape;188;g4b3d5b1232_0_24:notes"/>
+          <p:cNvPr id="191" name="Google Shape;191;g4b3d5b1232_0_24:notes"/>
           <p:cNvSpPr txBox="1"/>
           <p:nvPr>
             <p:ph idx="1" type="body"/>
@@ -1624,7 +1624,7 @@
   <p:cSld>
     <p:spTree>
       <p:nvGrpSpPr>
-        <p:cNvPr id="198" name="Shape 198"/>
+        <p:cNvPr id="201" name="Shape 201"/>
         <p:cNvGrpSpPr/>
         <p:nvPr/>
       </p:nvGrpSpPr>
@@ -1638,7 +1638,7 @@
       </p:grpSpPr>
       <p:sp>
         <p:nvSpPr>
-          <p:cNvPr id="199" name="Google Shape;199;g4b3d5b1232_0_12:notes"/>
+          <p:cNvPr id="202" name="Google Shape;202;g4b3d5b1232_0_12:notes"/>
           <p:cNvSpPr/>
           <p:nvPr>
             <p:ph idx="2" type="sldImg"/>
@@ -1673,7 +1673,7 @@
       </p:sp>
       <p:sp>
         <p:nvSpPr>
-          <p:cNvPr id="200" name="Google Shape;200;g4b3d5b1232_0_12:notes"/>
+          <p:cNvPr id="203" name="Google Shape;203;g4b3d5b1232_0_12:notes"/>
           <p:cNvSpPr txBox="1"/>
           <p:nvPr>
             <p:ph idx="1" type="body"/>
@@ -1723,7 +1723,7 @@
   <p:cSld>
     <p:spTree>
       <p:nvGrpSpPr>
-        <p:cNvPr id="214" name="Shape 214"/>
+        <p:cNvPr id="217" name="Shape 217"/>
         <p:cNvGrpSpPr/>
         <p:nvPr/>
       </p:nvGrpSpPr>
@@ -1737,7 +1737,7 @@
       </p:grpSpPr>
       <p:sp>
         <p:nvSpPr>
-          <p:cNvPr id="215" name="Google Shape;215;g4b3d5b1232_0_44:notes"/>
+          <p:cNvPr id="218" name="Google Shape;218;g4b3d5b1232_0_44:notes"/>
           <p:cNvSpPr/>
           <p:nvPr>
             <p:ph idx="2" type="sldImg"/>
@@ -1772,7 +1772,7 @@
       </p:sp>
       <p:sp>
         <p:nvSpPr>
-          <p:cNvPr id="216" name="Google Shape;216;g4b3d5b1232_0_44:notes"/>
+          <p:cNvPr id="219" name="Google Shape;219;g4b3d5b1232_0_44:notes"/>
           <p:cNvSpPr txBox="1"/>
           <p:nvPr>
             <p:ph idx="1" type="body"/>
@@ -1921,7 +1921,7 @@
   <p:cSld>
     <p:spTree>
       <p:nvGrpSpPr>
-        <p:cNvPr id="231" name="Shape 231"/>
+        <p:cNvPr id="234" name="Shape 234"/>
         <p:cNvGrpSpPr/>
         <p:nvPr/>
       </p:nvGrpSpPr>
@@ -1935,7 +1935,7 @@
       </p:grpSpPr>
       <p:sp>
         <p:nvSpPr>
-          <p:cNvPr id="232" name="Google Shape;232;g49b7f5de0c_0_15:notes"/>
+          <p:cNvPr id="235" name="Google Shape;235;g49b7f5de0c_0_15:notes"/>
           <p:cNvSpPr/>
           <p:nvPr>
             <p:ph idx="2" type="sldImg"/>
@@ -1970,7 +1970,7 @@
       </p:sp>
       <p:sp>
         <p:nvSpPr>
-          <p:cNvPr id="233" name="Google Shape;233;g49b7f5de0c_0_15:notes"/>
+          <p:cNvPr id="236" name="Google Shape;236;g49b7f5de0c_0_15:notes"/>
           <p:cNvSpPr txBox="1"/>
           <p:nvPr>
             <p:ph idx="1" type="body"/>
@@ -2020,7 +2020,7 @@
   <p:cSld>
     <p:spTree>
       <p:nvGrpSpPr>
-        <p:cNvPr id="237" name="Shape 237"/>
+        <p:cNvPr id="240" name="Shape 240"/>
         <p:cNvGrpSpPr/>
         <p:nvPr/>
       </p:nvGrpSpPr>
@@ -2034,7 +2034,7 @@
       </p:grpSpPr>
       <p:sp>
         <p:nvSpPr>
-          <p:cNvPr id="238" name="Google Shape;238;g49b7f5de0c_0_25:notes"/>
+          <p:cNvPr id="241" name="Google Shape;241;g49b7f5de0c_0_25:notes"/>
           <p:cNvSpPr/>
           <p:nvPr>
             <p:ph idx="2" type="sldImg"/>
@@ -2069,7 +2069,7 @@
       </p:sp>
       <p:sp>
         <p:nvSpPr>
-          <p:cNvPr id="239" name="Google Shape;239;g49b7f5de0c_0_25:notes"/>
+          <p:cNvPr id="242" name="Google Shape;242;g49b7f5de0c_0_25:notes"/>
           <p:cNvSpPr txBox="1"/>
           <p:nvPr>
             <p:ph idx="1" type="body"/>
@@ -2119,7 +2119,7 @@
   <p:cSld>
     <p:spTree>
       <p:nvGrpSpPr>
-        <p:cNvPr id="243" name="Shape 243"/>
+        <p:cNvPr id="246" name="Shape 246"/>
         <p:cNvGrpSpPr/>
         <p:nvPr/>
       </p:nvGrpSpPr>
@@ -2133,7 +2133,7 @@
       </p:grpSpPr>
       <p:sp>
         <p:nvSpPr>
-          <p:cNvPr id="244" name="Google Shape;244;g49b7f5de0c_0_35:notes"/>
+          <p:cNvPr id="247" name="Google Shape;247;g49b7f5de0c_0_35:notes"/>
           <p:cNvSpPr/>
           <p:nvPr>
             <p:ph idx="2" type="sldImg"/>
@@ -2168,7 +2168,7 @@
       </p:sp>
       <p:sp>
         <p:nvSpPr>
-          <p:cNvPr id="245" name="Google Shape;245;g49b7f5de0c_0_35:notes"/>
+          <p:cNvPr id="248" name="Google Shape;248;g49b7f5de0c_0_35:notes"/>
           <p:cNvSpPr txBox="1"/>
           <p:nvPr>
             <p:ph idx="1" type="body"/>
@@ -2218,7 +2218,7 @@
   <p:cSld>
     <p:spTree>
       <p:nvGrpSpPr>
-        <p:cNvPr id="275" name="Shape 275"/>
+        <p:cNvPr id="278" name="Shape 278"/>
         <p:cNvGrpSpPr/>
         <p:nvPr/>
       </p:nvGrpSpPr>
@@ -2232,7 +2232,7 @@
       </p:grpSpPr>
       <p:sp>
         <p:nvSpPr>
-          <p:cNvPr id="276" name="Google Shape;276;g4b3a44c621_0_66:notes"/>
+          <p:cNvPr id="279" name="Google Shape;279;g4b3a44c621_0_66:notes"/>
           <p:cNvSpPr/>
           <p:nvPr>
             <p:ph idx="2" type="sldImg"/>
@@ -2267,7 +2267,7 @@
       </p:sp>
       <p:sp>
         <p:nvSpPr>
-          <p:cNvPr id="277" name="Google Shape;277;g4b3a44c621_0_66:notes"/>
+          <p:cNvPr id="280" name="Google Shape;280;g4b3a44c621_0_66:notes"/>
           <p:cNvSpPr txBox="1"/>
           <p:nvPr>
             <p:ph idx="1" type="body"/>
@@ -2317,7 +2317,7 @@
   <p:cSld>
     <p:spTree>
       <p:nvGrpSpPr>
-        <p:cNvPr id="293" name="Shape 293"/>
+        <p:cNvPr id="296" name="Shape 296"/>
         <p:cNvGrpSpPr/>
         <p:nvPr/>
       </p:nvGrpSpPr>
@@ -2331,7 +2331,7 @@
       </p:grpSpPr>
       <p:sp>
         <p:nvSpPr>
-          <p:cNvPr id="294" name="Google Shape;294;g49b7f5de0c_0_83:notes"/>
+          <p:cNvPr id="297" name="Google Shape;297;g49b7f5de0c_0_83:notes"/>
           <p:cNvSpPr/>
           <p:nvPr>
             <p:ph idx="2" type="sldImg"/>
@@ -2366,7 +2366,7 @@
       </p:sp>
       <p:sp>
         <p:nvSpPr>
-          <p:cNvPr id="295" name="Google Shape;295;g49b7f5de0c_0_83:notes"/>
+          <p:cNvPr id="298" name="Google Shape;298;g49b7f5de0c_0_83:notes"/>
           <p:cNvSpPr txBox="1"/>
           <p:nvPr>
             <p:ph idx="1" type="body"/>
@@ -2416,7 +2416,7 @@
   <p:cSld>
     <p:spTree>
       <p:nvGrpSpPr>
-        <p:cNvPr id="300" name="Shape 300"/>
+        <p:cNvPr id="303" name="Shape 303"/>
         <p:cNvGrpSpPr/>
         <p:nvPr/>
       </p:nvGrpSpPr>
@@ -2430,7 +2430,7 @@
       </p:grpSpPr>
       <p:sp>
         <p:nvSpPr>
-          <p:cNvPr id="301" name="Google Shape;301;g4a1e1d6424_0_57:notes"/>
+          <p:cNvPr id="304" name="Google Shape;304;g4a1e1d6424_0_57:notes"/>
           <p:cNvSpPr/>
           <p:nvPr>
             <p:ph idx="2" type="sldImg"/>
@@ -2465,7 +2465,7 @@
       </p:sp>
       <p:sp>
         <p:nvSpPr>
-          <p:cNvPr id="302" name="Google Shape;302;g4a1e1d6424_0_57:notes"/>
+          <p:cNvPr id="305" name="Google Shape;305;g4a1e1d6424_0_57:notes"/>
           <p:cNvSpPr txBox="1"/>
           <p:nvPr>
             <p:ph idx="1" type="body"/>
@@ -2515,7 +2515,7 @@
   <p:cSld>
     <p:spTree>
       <p:nvGrpSpPr>
-        <p:cNvPr id="307" name="Shape 307"/>
+        <p:cNvPr id="310" name="Shape 310"/>
         <p:cNvGrpSpPr/>
         <p:nvPr/>
       </p:nvGrpSpPr>
@@ -2529,7 +2529,7 @@
       </p:grpSpPr>
       <p:sp>
         <p:nvSpPr>
-          <p:cNvPr id="308" name="Google Shape;308;g57955e8e2c_1_1:notes"/>
+          <p:cNvPr id="311" name="Google Shape;311;g57955e8e2c_1_1:notes"/>
           <p:cNvSpPr/>
           <p:nvPr>
             <p:ph idx="2" type="sldImg"/>
@@ -2564,7 +2564,7 @@
       </p:sp>
       <p:sp>
         <p:nvSpPr>
-          <p:cNvPr id="309" name="Google Shape;309;g57955e8e2c_1_1:notes"/>
+          <p:cNvPr id="312" name="Google Shape;312;g57955e8e2c_1_1:notes"/>
           <p:cNvSpPr txBox="1"/>
           <p:nvPr>
             <p:ph idx="1" type="body"/>
@@ -2614,7 +2614,7 @@
   <p:cSld>
     <p:spTree>
       <p:nvGrpSpPr>
-        <p:cNvPr id="314" name="Shape 314"/>
+        <p:cNvPr id="317" name="Shape 317"/>
         <p:cNvGrpSpPr/>
         <p:nvPr/>
       </p:nvGrpSpPr>
@@ -2628,7 +2628,7 @@
       </p:grpSpPr>
       <p:sp>
         <p:nvSpPr>
-          <p:cNvPr id="315" name="Google Shape;315;g49bb4dce20_0_0:notes"/>
+          <p:cNvPr id="318" name="Google Shape;318;g49bb4dce20_0_0:notes"/>
           <p:cNvSpPr/>
           <p:nvPr>
             <p:ph idx="2" type="sldImg"/>
@@ -2663,7 +2663,7 @@
       </p:sp>
       <p:sp>
         <p:nvSpPr>
-          <p:cNvPr id="316" name="Google Shape;316;g49bb4dce20_0_0:notes"/>
+          <p:cNvPr id="319" name="Google Shape;319;g49bb4dce20_0_0:notes"/>
           <p:cNvSpPr txBox="1"/>
           <p:nvPr>
             <p:ph idx="1" type="body"/>
@@ -2713,7 +2713,7 @@
   <p:cSld>
     <p:spTree>
       <p:nvGrpSpPr>
-        <p:cNvPr id="321" name="Shape 321"/>
+        <p:cNvPr id="324" name="Shape 324"/>
         <p:cNvGrpSpPr/>
         <p:nvPr/>
       </p:nvGrpSpPr>
@@ -2727,7 +2727,7 @@
       </p:grpSpPr>
       <p:sp>
         <p:nvSpPr>
-          <p:cNvPr id="322" name="Google Shape;322;g57955e8e2c_1_10:notes"/>
+          <p:cNvPr id="325" name="Google Shape;325;g57955e8e2c_1_10:notes"/>
           <p:cNvSpPr/>
           <p:nvPr>
             <p:ph idx="2" type="sldImg"/>
@@ -2762,7 +2762,7 @@
       </p:sp>
       <p:sp>
         <p:nvSpPr>
-          <p:cNvPr id="323" name="Google Shape;323;g57955e8e2c_1_10:notes"/>
+          <p:cNvPr id="326" name="Google Shape;326;g57955e8e2c_1_10:notes"/>
           <p:cNvSpPr txBox="1"/>
           <p:nvPr>
             <p:ph idx="1" type="body"/>
@@ -2812,7 +2812,7 @@
   <p:cSld>
     <p:spTree>
       <p:nvGrpSpPr>
-        <p:cNvPr id="328" name="Shape 328"/>
+        <p:cNvPr id="331" name="Shape 331"/>
         <p:cNvGrpSpPr/>
         <p:nvPr/>
       </p:nvGrpSpPr>
@@ -2826,7 +2826,7 @@
       </p:grpSpPr>
       <p:sp>
         <p:nvSpPr>
-          <p:cNvPr id="329" name="Google Shape;329;g49bb4dce20_0_15:notes"/>
+          <p:cNvPr id="332" name="Google Shape;332;g49bb4dce20_0_15:notes"/>
           <p:cNvSpPr/>
           <p:nvPr>
             <p:ph idx="2" type="sldImg"/>
@@ -2861,7 +2861,7 @@
       </p:sp>
       <p:sp>
         <p:nvSpPr>
-          <p:cNvPr id="330" name="Google Shape;330;g49bb4dce20_0_15:notes"/>
+          <p:cNvPr id="333" name="Google Shape;333;g49bb4dce20_0_15:notes"/>
           <p:cNvSpPr txBox="1"/>
           <p:nvPr>
             <p:ph idx="1" type="body"/>
@@ -3010,7 +3010,7 @@
   <p:cSld>
     <p:spTree>
       <p:nvGrpSpPr>
-        <p:cNvPr id="355" name="Shape 355"/>
+        <p:cNvPr id="358" name="Shape 358"/>
         <p:cNvGrpSpPr/>
         <p:nvPr/>
       </p:nvGrpSpPr>
@@ -3024,7 +3024,7 @@
       </p:grpSpPr>
       <p:sp>
         <p:nvSpPr>
-          <p:cNvPr id="356" name="Google Shape;356;g49bb4dce20_0_6:notes"/>
+          <p:cNvPr id="359" name="Google Shape;359;g49bb4dce20_0_6:notes"/>
           <p:cNvSpPr/>
           <p:nvPr>
             <p:ph idx="2" type="sldImg"/>
@@ -3059,7 +3059,7 @@
       </p:sp>
       <p:sp>
         <p:nvSpPr>
-          <p:cNvPr id="357" name="Google Shape;357;g49bb4dce20_0_6:notes"/>
+          <p:cNvPr id="360" name="Google Shape;360;g49bb4dce20_0_6:notes"/>
           <p:cNvSpPr txBox="1"/>
           <p:nvPr>
             <p:ph idx="1" type="body"/>
@@ -3109,7 +3109,7 @@
   <p:cSld>
     <p:spTree>
       <p:nvGrpSpPr>
-        <p:cNvPr id="361" name="Shape 361"/>
+        <p:cNvPr id="364" name="Shape 364"/>
         <p:cNvGrpSpPr/>
         <p:nvPr/>
       </p:nvGrpSpPr>
@@ -3123,7 +3123,7 @@
       </p:grpSpPr>
       <p:sp>
         <p:nvSpPr>
-          <p:cNvPr id="362" name="Google Shape;362;g5b64a1610d_0_0:notes"/>
+          <p:cNvPr id="365" name="Google Shape;365;g5b64a1610d_0_0:notes"/>
           <p:cNvSpPr/>
           <p:nvPr>
             <p:ph idx="2" type="sldImg"/>
@@ -3158,7 +3158,7 @@
       </p:sp>
       <p:sp>
         <p:nvSpPr>
-          <p:cNvPr id="363" name="Google Shape;363;g5b64a1610d_0_0:notes"/>
+          <p:cNvPr id="366" name="Google Shape;366;g5b64a1610d_0_0:notes"/>
           <p:cNvSpPr txBox="1"/>
           <p:nvPr>
             <p:ph idx="1" type="body"/>
@@ -3208,7 +3208,7 @@
   <p:cSld>
     <p:spTree>
       <p:nvGrpSpPr>
-        <p:cNvPr id="367" name="Shape 367"/>
+        <p:cNvPr id="370" name="Shape 370"/>
         <p:cNvGrpSpPr/>
         <p:nvPr/>
       </p:nvGrpSpPr>
@@ -3222,7 +3222,7 @@
       </p:grpSpPr>
       <p:sp>
         <p:nvSpPr>
-          <p:cNvPr id="368" name="Google Shape;368;g4a2a97d84e_0_5:notes"/>
+          <p:cNvPr id="371" name="Google Shape;371;g4a2a97d84e_0_5:notes"/>
           <p:cNvSpPr/>
           <p:nvPr>
             <p:ph idx="2" type="sldImg"/>
@@ -3257,7 +3257,7 @@
       </p:sp>
       <p:sp>
         <p:nvSpPr>
-          <p:cNvPr id="369" name="Google Shape;369;g4a2a97d84e_0_5:notes"/>
+          <p:cNvPr id="372" name="Google Shape;372;g4a2a97d84e_0_5:notes"/>
           <p:cNvSpPr txBox="1"/>
           <p:nvPr>
             <p:ph idx="1" type="body"/>
@@ -3307,7 +3307,7 @@
   <p:cSld>
     <p:spTree>
       <p:nvGrpSpPr>
-        <p:cNvPr id="374" name="Shape 374"/>
+        <p:cNvPr id="377" name="Shape 377"/>
         <p:cNvGrpSpPr/>
         <p:nvPr/>
       </p:nvGrpSpPr>
@@ -3321,7 +3321,7 @@
       </p:grpSpPr>
       <p:sp>
         <p:nvSpPr>
-          <p:cNvPr id="375" name="Google Shape;375;g4a24c669db_1_2:notes"/>
+          <p:cNvPr id="378" name="Google Shape;378;g4a24c669db_1_2:notes"/>
           <p:cNvSpPr/>
           <p:nvPr>
             <p:ph idx="2" type="sldImg"/>
@@ -3356,7 +3356,7 @@
       </p:sp>
       <p:sp>
         <p:nvSpPr>
-          <p:cNvPr id="376" name="Google Shape;376;g4a24c669db_1_2:notes"/>
+          <p:cNvPr id="379" name="Google Shape;379;g4a24c669db_1_2:notes"/>
           <p:cNvSpPr txBox="1"/>
           <p:nvPr>
             <p:ph idx="1" type="body"/>
@@ -3406,7 +3406,7 @@
   <p:cSld>
     <p:spTree>
       <p:nvGrpSpPr>
-        <p:cNvPr id="380" name="Shape 380"/>
+        <p:cNvPr id="383" name="Shape 383"/>
         <p:cNvGrpSpPr/>
         <p:nvPr/>
       </p:nvGrpSpPr>
@@ -3420,7 +3420,7 @@
       </p:grpSpPr>
       <p:sp>
         <p:nvSpPr>
-          <p:cNvPr id="381" name="Google Shape;381;g49bb4dce20_0_20:notes"/>
+          <p:cNvPr id="384" name="Google Shape;384;g49bb4dce20_0_20:notes"/>
           <p:cNvSpPr/>
           <p:nvPr>
             <p:ph idx="2" type="sldImg"/>
@@ -3455,7 +3455,7 @@
       </p:sp>
       <p:sp>
         <p:nvSpPr>
-          <p:cNvPr id="382" name="Google Shape;382;g49bb4dce20_0_20:notes"/>
+          <p:cNvPr id="385" name="Google Shape;385;g49bb4dce20_0_20:notes"/>
           <p:cNvSpPr txBox="1"/>
           <p:nvPr>
             <p:ph idx="1" type="body"/>
@@ -3505,7 +3505,7 @@
   <p:cSld>
     <p:spTree>
       <p:nvGrpSpPr>
-        <p:cNvPr id="392" name="Shape 392"/>
+        <p:cNvPr id="395" name="Shape 395"/>
         <p:cNvGrpSpPr/>
         <p:nvPr/>
       </p:nvGrpSpPr>
@@ -3519,7 +3519,7 @@
       </p:grpSpPr>
       <p:sp>
         <p:nvSpPr>
-          <p:cNvPr id="393" name="Google Shape;393;g4a2709966b_0_0:notes"/>
+          <p:cNvPr id="396" name="Google Shape;396;g4a2709966b_0_0:notes"/>
           <p:cNvSpPr/>
           <p:nvPr>
             <p:ph idx="2" type="sldImg"/>
@@ -3554,7 +3554,7 @@
       </p:sp>
       <p:sp>
         <p:nvSpPr>
-          <p:cNvPr id="394" name="Google Shape;394;g4a2709966b_0_0:notes"/>
+          <p:cNvPr id="397" name="Google Shape;397;g4a2709966b_0_0:notes"/>
           <p:cNvSpPr txBox="1"/>
           <p:nvPr>
             <p:ph idx="1" type="body"/>
@@ -3604,7 +3604,7 @@
   <p:cSld>
     <p:spTree>
       <p:nvGrpSpPr>
-        <p:cNvPr id="399" name="Shape 399"/>
+        <p:cNvPr id="402" name="Shape 402"/>
         <p:cNvGrpSpPr/>
         <p:nvPr/>
       </p:nvGrpSpPr>
@@ -3618,7 +3618,7 @@
       </p:grpSpPr>
       <p:sp>
         <p:nvSpPr>
-          <p:cNvPr id="400" name="Google Shape;400;g49bb4dce20_0_28:notes"/>
+          <p:cNvPr id="403" name="Google Shape;403;g49bb4dce20_0_28:notes"/>
           <p:cNvSpPr/>
           <p:nvPr>
             <p:ph idx="2" type="sldImg"/>
@@ -3653,7 +3653,7 @@
       </p:sp>
       <p:sp>
         <p:nvSpPr>
-          <p:cNvPr id="401" name="Google Shape;401;g49bb4dce20_0_28:notes"/>
+          <p:cNvPr id="404" name="Google Shape;404;g49bb4dce20_0_28:notes"/>
           <p:cNvSpPr txBox="1"/>
           <p:nvPr>
             <p:ph idx="1" type="body"/>
@@ -3703,7 +3703,7 @@
   <p:cSld>
     <p:spTree>
       <p:nvGrpSpPr>
-        <p:cNvPr id="407" name="Shape 407"/>
+        <p:cNvPr id="410" name="Shape 410"/>
         <p:cNvGrpSpPr/>
         <p:nvPr/>
       </p:nvGrpSpPr>
@@ -3717,7 +3717,7 @@
       </p:grpSpPr>
       <p:sp>
         <p:nvSpPr>
-          <p:cNvPr id="408" name="Google Shape;408;g4a2a97d84e_0_0:notes"/>
+          <p:cNvPr id="411" name="Google Shape;411;g4a2a97d84e_0_0:notes"/>
           <p:cNvSpPr/>
           <p:nvPr>
             <p:ph idx="2" type="sldImg"/>
@@ -3752,7 +3752,7 @@
       </p:sp>
       <p:sp>
         <p:nvSpPr>
-          <p:cNvPr id="409" name="Google Shape;409;g4a2a97d84e_0_0:notes"/>
+          <p:cNvPr id="412" name="Google Shape;412;g4a2a97d84e_0_0:notes"/>
           <p:cNvSpPr txBox="1"/>
           <p:nvPr>
             <p:ph idx="1" type="body"/>
@@ -3802,7 +3802,7 @@
   <p:cSld>
     <p:spTree>
       <p:nvGrpSpPr>
-        <p:cNvPr id="414" name="Shape 414"/>
+        <p:cNvPr id="417" name="Shape 417"/>
         <p:cNvGrpSpPr/>
         <p:nvPr/>
       </p:nvGrpSpPr>
@@ -3816,7 +3816,7 @@
       </p:grpSpPr>
       <p:sp>
         <p:nvSpPr>
-          <p:cNvPr id="415" name="Google Shape;415;g5b64a1610d_0_15:notes"/>
+          <p:cNvPr id="418" name="Google Shape;418;g5b64a1610d_0_15:notes"/>
           <p:cNvSpPr/>
           <p:nvPr>
             <p:ph idx="2" type="sldImg"/>
@@ -3851,7 +3851,7 @@
       </p:sp>
       <p:sp>
         <p:nvSpPr>
-          <p:cNvPr id="416" name="Google Shape;416;g5b64a1610d_0_15:notes"/>
+          <p:cNvPr id="419" name="Google Shape;419;g5b64a1610d_0_15:notes"/>
           <p:cNvSpPr txBox="1"/>
           <p:nvPr>
             <p:ph idx="1" type="body"/>
@@ -3901,7 +3901,7 @@
   <p:cSld>
     <p:spTree>
       <p:nvGrpSpPr>
-        <p:cNvPr id="421" name="Shape 421"/>
+        <p:cNvPr id="424" name="Shape 424"/>
         <p:cNvGrpSpPr/>
         <p:nvPr/>
       </p:nvGrpSpPr>
@@ -3915,7 +3915,7 @@
       </p:grpSpPr>
       <p:sp>
         <p:nvSpPr>
-          <p:cNvPr id="422" name="Google Shape;422;g49c5767dae_0_0:notes"/>
+          <p:cNvPr id="425" name="Google Shape;425;g49c5767dae_0_0:notes"/>
           <p:cNvSpPr/>
           <p:nvPr>
             <p:ph idx="2" type="sldImg"/>
@@ -3950,7 +3950,7 @@
       </p:sp>
       <p:sp>
         <p:nvSpPr>
-          <p:cNvPr id="423" name="Google Shape;423;g49c5767dae_0_0:notes"/>
+          <p:cNvPr id="426" name="Google Shape;426;g49c5767dae_0_0:notes"/>
           <p:cNvSpPr txBox="1"/>
           <p:nvPr>
             <p:ph idx="1" type="body"/>
@@ -4000,7 +4000,7 @@
   <p:cSld>
     <p:spTree>
       <p:nvGrpSpPr>
-        <p:cNvPr id="70" name="Shape 70"/>
+        <p:cNvPr id="73" name="Shape 73"/>
         <p:cNvGrpSpPr/>
         <p:nvPr/>
       </p:nvGrpSpPr>
@@ -4014,7 +4014,7 @@
       </p:grpSpPr>
       <p:sp>
         <p:nvSpPr>
-          <p:cNvPr id="71" name="Google Shape;71;g4a1e1d6424_0_5:notes"/>
+          <p:cNvPr id="74" name="Google Shape;74;g4a1e1d6424_0_5:notes"/>
           <p:cNvSpPr/>
           <p:nvPr>
             <p:ph idx="2" type="sldImg"/>
@@ -4049,7 +4049,7 @@
       </p:sp>
       <p:sp>
         <p:nvSpPr>
-          <p:cNvPr id="72" name="Google Shape;72;g4a1e1d6424_0_5:notes"/>
+          <p:cNvPr id="75" name="Google Shape;75;g4a1e1d6424_0_5:notes"/>
           <p:cNvSpPr txBox="1"/>
           <p:nvPr>
             <p:ph idx="1" type="body"/>
@@ -4099,7 +4099,7 @@
   <p:cSld>
     <p:spTree>
       <p:nvGrpSpPr>
-        <p:cNvPr id="428" name="Shape 428"/>
+        <p:cNvPr id="431" name="Shape 431"/>
         <p:cNvGrpSpPr/>
         <p:nvPr/>
       </p:nvGrpSpPr>
@@ -4113,7 +4113,7 @@
       </p:grpSpPr>
       <p:sp>
         <p:nvSpPr>
-          <p:cNvPr id="429" name="Google Shape;429;g4a2709966b_0_8:notes"/>
+          <p:cNvPr id="432" name="Google Shape;432;g4a2709966b_0_8:notes"/>
           <p:cNvSpPr/>
           <p:nvPr>
             <p:ph idx="2" type="sldImg"/>
@@ -4148,7 +4148,7 @@
       </p:sp>
       <p:sp>
         <p:nvSpPr>
-          <p:cNvPr id="430" name="Google Shape;430;g4a2709966b_0_8:notes"/>
+          <p:cNvPr id="433" name="Google Shape;433;g4a2709966b_0_8:notes"/>
           <p:cNvSpPr txBox="1"/>
           <p:nvPr>
             <p:ph idx="1" type="body"/>
@@ -4198,7 +4198,7 @@
   <p:cSld>
     <p:spTree>
       <p:nvGrpSpPr>
-        <p:cNvPr id="435" name="Shape 435"/>
+        <p:cNvPr id="438" name="Shape 438"/>
         <p:cNvGrpSpPr/>
         <p:nvPr/>
       </p:nvGrpSpPr>
@@ -4212,7 +4212,7 @@
       </p:grpSpPr>
       <p:sp>
         <p:nvSpPr>
-          <p:cNvPr id="436" name="Google Shape;436;g4bb88b82c3_0_0:notes"/>
+          <p:cNvPr id="439" name="Google Shape;439;g4bb88b82c3_0_0:notes"/>
           <p:cNvSpPr/>
           <p:nvPr>
             <p:ph idx="2" type="sldImg"/>
@@ -4247,7 +4247,7 @@
       </p:sp>
       <p:sp>
         <p:nvSpPr>
-          <p:cNvPr id="437" name="Google Shape;437;g4bb88b82c3_0_0:notes"/>
+          <p:cNvPr id="440" name="Google Shape;440;g4bb88b82c3_0_0:notes"/>
           <p:cNvSpPr txBox="1"/>
           <p:nvPr>
             <p:ph idx="1" type="body"/>
@@ -4297,7 +4297,7 @@
   <p:cSld>
     <p:spTree>
       <p:nvGrpSpPr>
-        <p:cNvPr id="445" name="Shape 445"/>
+        <p:cNvPr id="448" name="Shape 448"/>
         <p:cNvGrpSpPr/>
         <p:nvPr/>
       </p:nvGrpSpPr>
@@ -4311,7 +4311,7 @@
       </p:grpSpPr>
       <p:sp>
         <p:nvSpPr>
-          <p:cNvPr id="446" name="Google Shape;446;g51b26677fe_0_47:notes"/>
+          <p:cNvPr id="449" name="Google Shape;449;g51b26677fe_0_47:notes"/>
           <p:cNvSpPr/>
           <p:nvPr>
             <p:ph idx="2" type="sldImg"/>
@@ -4346,7 +4346,7 @@
       </p:sp>
       <p:sp>
         <p:nvSpPr>
-          <p:cNvPr id="447" name="Google Shape;447;g51b26677fe_0_47:notes"/>
+          <p:cNvPr id="450" name="Google Shape;450;g51b26677fe_0_47:notes"/>
           <p:cNvSpPr txBox="1"/>
           <p:nvPr>
             <p:ph idx="1" type="body"/>
@@ -4396,7 +4396,7 @@
   <p:cSld>
     <p:spTree>
       <p:nvGrpSpPr>
-        <p:cNvPr id="455" name="Shape 455"/>
+        <p:cNvPr id="458" name="Shape 458"/>
         <p:cNvGrpSpPr/>
         <p:nvPr/>
       </p:nvGrpSpPr>
@@ -4410,7 +4410,7 @@
       </p:grpSpPr>
       <p:sp>
         <p:nvSpPr>
-          <p:cNvPr id="456" name="Google Shape;456;g51b26677fe_0_8:notes"/>
+          <p:cNvPr id="459" name="Google Shape;459;g51b26677fe_0_8:notes"/>
           <p:cNvSpPr/>
           <p:nvPr>
             <p:ph idx="2" type="sldImg"/>
@@ -4445,7 +4445,7 @@
       </p:sp>
       <p:sp>
         <p:nvSpPr>
-          <p:cNvPr id="457" name="Google Shape;457;g51b26677fe_0_8:notes"/>
+          <p:cNvPr id="460" name="Google Shape;460;g51b26677fe_0_8:notes"/>
           <p:cNvSpPr txBox="1"/>
           <p:nvPr>
             <p:ph idx="1" type="body"/>
@@ -4495,7 +4495,7 @@
   <p:cSld>
     <p:spTree>
       <p:nvGrpSpPr>
-        <p:cNvPr id="489" name="Shape 489"/>
+        <p:cNvPr id="492" name="Shape 492"/>
         <p:cNvGrpSpPr/>
         <p:nvPr/>
       </p:nvGrpSpPr>
@@ -4509,7 +4509,7 @@
       </p:grpSpPr>
       <p:sp>
         <p:nvSpPr>
-          <p:cNvPr id="490" name="Google Shape;490;g51b26677fe_0_61:notes"/>
+          <p:cNvPr id="493" name="Google Shape;493;g51b26677fe_0_61:notes"/>
           <p:cNvSpPr/>
           <p:nvPr>
             <p:ph idx="2" type="sldImg"/>
@@ -4544,7 +4544,7 @@
       </p:sp>
       <p:sp>
         <p:nvSpPr>
-          <p:cNvPr id="491" name="Google Shape;491;g51b26677fe_0_61:notes"/>
+          <p:cNvPr id="494" name="Google Shape;494;g51b26677fe_0_61:notes"/>
           <p:cNvSpPr txBox="1"/>
           <p:nvPr>
             <p:ph idx="1" type="body"/>
@@ -4594,7 +4594,7 @@
   <p:cSld>
     <p:spTree>
       <p:nvGrpSpPr>
-        <p:cNvPr id="496" name="Shape 496"/>
+        <p:cNvPr id="499" name="Shape 499"/>
         <p:cNvGrpSpPr/>
         <p:nvPr/>
       </p:nvGrpSpPr>
@@ -4608,7 +4608,7 @@
       </p:grpSpPr>
       <p:sp>
         <p:nvSpPr>
-          <p:cNvPr id="497" name="Google Shape;497;g4b3a44c621_0_8:notes"/>
+          <p:cNvPr id="500" name="Google Shape;500;g4b3a44c621_0_8:notes"/>
           <p:cNvSpPr/>
           <p:nvPr>
             <p:ph idx="2" type="sldImg"/>
@@ -4643,7 +4643,7 @@
       </p:sp>
       <p:sp>
         <p:nvSpPr>
-          <p:cNvPr id="498" name="Google Shape;498;g4b3a44c621_0_8:notes"/>
+          <p:cNvPr id="501" name="Google Shape;501;g4b3a44c621_0_8:notes"/>
           <p:cNvSpPr txBox="1"/>
           <p:nvPr>
             <p:ph idx="1" type="body"/>
@@ -4693,7 +4693,7 @@
   <p:cSld>
     <p:spTree>
       <p:nvGrpSpPr>
-        <p:cNvPr id="526" name="Shape 526"/>
+        <p:cNvPr id="529" name="Shape 529"/>
         <p:cNvGrpSpPr/>
         <p:nvPr/>
       </p:nvGrpSpPr>
@@ -4707,7 +4707,7 @@
       </p:grpSpPr>
       <p:sp>
         <p:nvSpPr>
-          <p:cNvPr id="527" name="Google Shape;527;g4a2709966b_0_15:notes"/>
+          <p:cNvPr id="530" name="Google Shape;530;g4a2709966b_0_15:notes"/>
           <p:cNvSpPr/>
           <p:nvPr>
             <p:ph idx="2" type="sldImg"/>
@@ -4742,7 +4742,7 @@
       </p:sp>
       <p:sp>
         <p:nvSpPr>
-          <p:cNvPr id="528" name="Google Shape;528;g4a2709966b_0_15:notes"/>
+          <p:cNvPr id="531" name="Google Shape;531;g4a2709966b_0_15:notes"/>
           <p:cNvSpPr txBox="1"/>
           <p:nvPr>
             <p:ph idx="1" type="body"/>
@@ -4792,7 +4792,7 @@
   <p:cSld>
     <p:spTree>
       <p:nvGrpSpPr>
-        <p:cNvPr id="533" name="Shape 533"/>
+        <p:cNvPr id="536" name="Shape 536"/>
         <p:cNvGrpSpPr/>
         <p:nvPr/>
       </p:nvGrpSpPr>
@@ -4806,7 +4806,7 @@
       </p:grpSpPr>
       <p:sp>
         <p:nvSpPr>
-          <p:cNvPr id="534" name="Google Shape;534;g49c5767dae_0_8:notes"/>
+          <p:cNvPr id="537" name="Google Shape;537;g49c5767dae_0_8:notes"/>
           <p:cNvSpPr/>
           <p:nvPr>
             <p:ph idx="2" type="sldImg"/>
@@ -4841,7 +4841,7 @@
       </p:sp>
       <p:sp>
         <p:nvSpPr>
-          <p:cNvPr id="535" name="Google Shape;535;g49c5767dae_0_8:notes"/>
+          <p:cNvPr id="538" name="Google Shape;538;g49c5767dae_0_8:notes"/>
           <p:cNvSpPr txBox="1"/>
           <p:nvPr>
             <p:ph idx="1" type="body"/>
@@ -4891,7 +4891,7 @@
   <p:cSld>
     <p:spTree>
       <p:nvGrpSpPr>
-        <p:cNvPr id="539" name="Shape 539"/>
+        <p:cNvPr id="542" name="Shape 542"/>
         <p:cNvGrpSpPr/>
         <p:nvPr/>
       </p:nvGrpSpPr>
@@ -4905,7 +4905,7 @@
       </p:grpSpPr>
       <p:sp>
         <p:nvSpPr>
-          <p:cNvPr id="540" name="Google Shape;540;g4b3d5b1232_0_63:notes"/>
+          <p:cNvPr id="543" name="Google Shape;543;g4b3d5b1232_0_63:notes"/>
           <p:cNvSpPr/>
           <p:nvPr>
             <p:ph idx="2" type="sldImg"/>
@@ -4940,7 +4940,7 @@
       </p:sp>
       <p:sp>
         <p:nvSpPr>
-          <p:cNvPr id="541" name="Google Shape;541;g4b3d5b1232_0_63:notes"/>
+          <p:cNvPr id="544" name="Google Shape;544;g4b3d5b1232_0_63:notes"/>
           <p:cNvSpPr txBox="1"/>
           <p:nvPr>
             <p:ph idx="1" type="body"/>
@@ -4990,7 +4990,7 @@
   <p:cSld>
     <p:spTree>
       <p:nvGrpSpPr>
-        <p:cNvPr id="546" name="Shape 546"/>
+        <p:cNvPr id="549" name="Shape 549"/>
         <p:cNvGrpSpPr/>
         <p:nvPr/>
       </p:nvGrpSpPr>
@@ -5004,7 +5004,7 @@
       </p:grpSpPr>
       <p:sp>
         <p:nvSpPr>
-          <p:cNvPr id="547" name="Google Shape;547;g49c5767dae_0_14:notes"/>
+          <p:cNvPr id="550" name="Google Shape;550;g49c5767dae_0_14:notes"/>
           <p:cNvSpPr/>
           <p:nvPr>
             <p:ph idx="2" type="sldImg"/>
@@ -5039,7 +5039,7 @@
       </p:sp>
       <p:sp>
         <p:nvSpPr>
-          <p:cNvPr id="548" name="Google Shape;548;g49c5767dae_0_14:notes"/>
+          <p:cNvPr id="551" name="Google Shape;551;g49c5767dae_0_14:notes"/>
           <p:cNvSpPr txBox="1"/>
           <p:nvPr>
             <p:ph idx="1" type="body"/>
@@ -5089,7 +5089,7 @@
   <p:cSld>
     <p:spTree>
       <p:nvGrpSpPr>
-        <p:cNvPr id="77" name="Shape 77"/>
+        <p:cNvPr id="80" name="Shape 80"/>
         <p:cNvGrpSpPr/>
         <p:nvPr/>
       </p:nvGrpSpPr>
@@ -5103,7 +5103,7 @@
       </p:grpSpPr>
       <p:sp>
         <p:nvSpPr>
-          <p:cNvPr id="78" name="Google Shape;78;g49a822ed84_1_45:notes"/>
+          <p:cNvPr id="81" name="Google Shape;81;g49a822ed84_1_45:notes"/>
           <p:cNvSpPr/>
           <p:nvPr>
             <p:ph idx="2" type="sldImg"/>
@@ -5138,7 +5138,7 @@
       </p:sp>
       <p:sp>
         <p:nvSpPr>
-          <p:cNvPr id="79" name="Google Shape;79;g49a822ed84_1_45:notes"/>
+          <p:cNvPr id="82" name="Google Shape;82;g49a822ed84_1_45:notes"/>
           <p:cNvSpPr txBox="1"/>
           <p:nvPr>
             <p:ph idx="1" type="body"/>
@@ -5188,7 +5188,7 @@
   <p:cSld>
     <p:spTree>
       <p:nvGrpSpPr>
-        <p:cNvPr id="553" name="Shape 553"/>
+        <p:cNvPr id="556" name="Shape 556"/>
         <p:cNvGrpSpPr/>
         <p:nvPr/>
       </p:nvGrpSpPr>
@@ -5202,7 +5202,7 @@
       </p:grpSpPr>
       <p:sp>
         <p:nvSpPr>
-          <p:cNvPr id="554" name="Google Shape;554;g49c5767dae_0_19:notes"/>
+          <p:cNvPr id="557" name="Google Shape;557;g49c5767dae_0_19:notes"/>
           <p:cNvSpPr/>
           <p:nvPr>
             <p:ph idx="2" type="sldImg"/>
@@ -5237,7 +5237,7 @@
       </p:sp>
       <p:sp>
         <p:nvSpPr>
-          <p:cNvPr id="555" name="Google Shape;555;g49c5767dae_0_19:notes"/>
+          <p:cNvPr id="558" name="Google Shape;558;g49c5767dae_0_19:notes"/>
           <p:cNvSpPr txBox="1"/>
           <p:nvPr>
             <p:ph idx="1" type="body"/>
@@ -5287,7 +5287,7 @@
   <p:cSld>
     <p:spTree>
       <p:nvGrpSpPr>
-        <p:cNvPr id="561" name="Shape 561"/>
+        <p:cNvPr id="564" name="Shape 564"/>
         <p:cNvGrpSpPr/>
         <p:nvPr/>
       </p:nvGrpSpPr>
@@ -5301,7 +5301,7 @@
       </p:grpSpPr>
       <p:sp>
         <p:nvSpPr>
-          <p:cNvPr id="562" name="Google Shape;562;g4b3d5b1232_0_84:notes"/>
+          <p:cNvPr id="565" name="Google Shape;565;g4b3d5b1232_0_84:notes"/>
           <p:cNvSpPr/>
           <p:nvPr>
             <p:ph idx="2" type="sldImg"/>
@@ -5336,7 +5336,7 @@
       </p:sp>
       <p:sp>
         <p:nvSpPr>
-          <p:cNvPr id="563" name="Google Shape;563;g4b3d5b1232_0_84:notes"/>
+          <p:cNvPr id="566" name="Google Shape;566;g4b3d5b1232_0_84:notes"/>
           <p:cNvSpPr txBox="1"/>
           <p:nvPr>
             <p:ph idx="1" type="body"/>
@@ -5386,7 +5386,7 @@
   <p:cSld>
     <p:spTree>
       <p:nvGrpSpPr>
-        <p:cNvPr id="568" name="Shape 568"/>
+        <p:cNvPr id="571" name="Shape 571"/>
         <p:cNvGrpSpPr/>
         <p:nvPr/>
       </p:nvGrpSpPr>
@@ -5400,7 +5400,7 @@
       </p:grpSpPr>
       <p:sp>
         <p:nvSpPr>
-          <p:cNvPr id="569" name="Google Shape;569;g4b3d5b1232_0_90:notes"/>
+          <p:cNvPr id="572" name="Google Shape;572;g4b3d5b1232_0_90:notes"/>
           <p:cNvSpPr/>
           <p:nvPr>
             <p:ph idx="2" type="sldImg"/>
@@ -5435,7 +5435,7 @@
       </p:sp>
       <p:sp>
         <p:nvSpPr>
-          <p:cNvPr id="570" name="Google Shape;570;g4b3d5b1232_0_90:notes"/>
+          <p:cNvPr id="573" name="Google Shape;573;g4b3d5b1232_0_90:notes"/>
           <p:cNvSpPr txBox="1"/>
           <p:nvPr>
             <p:ph idx="1" type="body"/>
@@ -5485,7 +5485,7 @@
   <p:cSld>
     <p:spTree>
       <p:nvGrpSpPr>
-        <p:cNvPr id="83" name="Shape 83"/>
+        <p:cNvPr id="86" name="Shape 86"/>
         <p:cNvGrpSpPr/>
         <p:nvPr/>
       </p:nvGrpSpPr>
@@ -5499,7 +5499,7 @@
       </p:grpSpPr>
       <p:sp>
         <p:nvSpPr>
-          <p:cNvPr id="84" name="Google Shape;84;g49a822ed84_1_51:notes"/>
+          <p:cNvPr id="87" name="Google Shape;87;g49a822ed84_1_51:notes"/>
           <p:cNvSpPr/>
           <p:nvPr>
             <p:ph idx="2" type="sldImg"/>
@@ -5534,7 +5534,7 @@
       </p:sp>
       <p:sp>
         <p:nvSpPr>
-          <p:cNvPr id="85" name="Google Shape;85;g49a822ed84_1_51:notes"/>
+          <p:cNvPr id="88" name="Google Shape;88;g49a822ed84_1_51:notes"/>
           <p:cNvSpPr txBox="1"/>
           <p:nvPr>
             <p:ph idx="1" type="body"/>
@@ -5584,7 +5584,7 @@
   <p:cSld>
     <p:spTree>
       <p:nvGrpSpPr>
-        <p:cNvPr id="89" name="Shape 89"/>
+        <p:cNvPr id="92" name="Shape 92"/>
         <p:cNvGrpSpPr/>
         <p:nvPr/>
       </p:nvGrpSpPr>
@@ -5598,7 +5598,7 @@
       </p:grpSpPr>
       <p:sp>
         <p:nvSpPr>
-          <p:cNvPr id="90" name="Google Shape;90;g49a822ed84_1_57:notes"/>
+          <p:cNvPr id="93" name="Google Shape;93;g49a822ed84_1_57:notes"/>
           <p:cNvSpPr/>
           <p:nvPr>
             <p:ph idx="2" type="sldImg"/>
@@ -5633,7 +5633,7 @@
       </p:sp>
       <p:sp>
         <p:nvSpPr>
-          <p:cNvPr id="91" name="Google Shape;91;g49a822ed84_1_57:notes"/>
+          <p:cNvPr id="94" name="Google Shape;94;g49a822ed84_1_57:notes"/>
           <p:cNvSpPr txBox="1"/>
           <p:nvPr>
             <p:ph idx="1" type="body"/>
@@ -5683,7 +5683,7 @@
   <p:cSld>
     <p:spTree>
       <p:nvGrpSpPr>
-        <p:cNvPr id="101" name="Shape 101"/>
+        <p:cNvPr id="104" name="Shape 104"/>
         <p:cNvGrpSpPr/>
         <p:nvPr/>
       </p:nvGrpSpPr>
@@ -5697,7 +5697,7 @@
       </p:grpSpPr>
       <p:sp>
         <p:nvSpPr>
-          <p:cNvPr id="102" name="Google Shape;102;g4b3d5b1232_0_1:notes"/>
+          <p:cNvPr id="105" name="Google Shape;105;g4b3d5b1232_0_1:notes"/>
           <p:cNvSpPr/>
           <p:nvPr>
             <p:ph idx="2" type="sldImg"/>
@@ -5732,7 +5732,7 @@
       </p:sp>
       <p:sp>
         <p:nvSpPr>
-          <p:cNvPr id="103" name="Google Shape;103;g4b3d5b1232_0_1:notes"/>
+          <p:cNvPr id="106" name="Google Shape;106;g4b3d5b1232_0_1:notes"/>
           <p:cNvSpPr txBox="1"/>
           <p:nvPr>
             <p:ph idx="1" type="body"/>
@@ -5782,7 +5782,7 @@
   <p:cSld>
     <p:spTree>
       <p:nvGrpSpPr>
-        <p:cNvPr id="109" name="Shape 109"/>
+        <p:cNvPr id="112" name="Shape 112"/>
         <p:cNvGrpSpPr/>
         <p:nvPr/>
       </p:nvGrpSpPr>
@@ -5796,7 +5796,7 @@
       </p:grpSpPr>
       <p:sp>
         <p:nvSpPr>
-          <p:cNvPr id="110" name="Google Shape;110;g49a822ed84_1_73:notes"/>
+          <p:cNvPr id="113" name="Google Shape;113;g49a822ed84_1_73:notes"/>
           <p:cNvSpPr/>
           <p:nvPr>
             <p:ph idx="2" type="sldImg"/>
@@ -5831,7 +5831,7 @@
       </p:sp>
       <p:sp>
         <p:nvSpPr>
-          <p:cNvPr id="111" name="Google Shape;111;g49a822ed84_1_73:notes"/>
+          <p:cNvPr id="114" name="Google Shape;114;g49a822ed84_1_73:notes"/>
           <p:cNvSpPr txBox="1"/>
           <p:nvPr>
             <p:ph idx="1" type="body"/>
@@ -10543,7 +10543,7 @@
   <p:cSld>
     <p:spTree>
       <p:nvGrpSpPr>
-        <p:cNvPr id="119" name="Shape 119"/>
+        <p:cNvPr id="122" name="Shape 122"/>
         <p:cNvGrpSpPr/>
         <p:nvPr/>
       </p:nvGrpSpPr>
@@ -10557,7 +10557,7 @@
       </p:grpSpPr>
       <p:sp>
         <p:nvSpPr>
-          <p:cNvPr id="120" name="Google Shape;120;p22"/>
+          <p:cNvPr id="123" name="Google Shape;123;p22"/>
           <p:cNvSpPr txBox="1"/>
           <p:nvPr>
             <p:ph type="title"/>
@@ -10607,7 +10607,7 @@
       </p:sp>
       <p:sp>
         <p:nvSpPr>
-          <p:cNvPr id="121" name="Google Shape;121;p22"/>
+          <p:cNvPr id="124" name="Google Shape;124;p22"/>
           <p:cNvSpPr txBox="1"/>
           <p:nvPr>
             <p:ph type="title"/>
@@ -10657,7 +10657,7 @@
       </p:sp>
       <p:sp>
         <p:nvSpPr>
-          <p:cNvPr id="122" name="Google Shape;122;p22"/>
+          <p:cNvPr id="125" name="Google Shape;125;p22"/>
           <p:cNvSpPr txBox="1"/>
           <p:nvPr>
             <p:ph type="title"/>
@@ -10747,7 +10747,7 @@
                                           </p:stCondLst>
                                         </p:cTn>
                                         <p:tgtEl>
-                                          <p:spTgt spid="120"/>
+                                          <p:spTgt spid="123"/>
                                         </p:tgtEl>
                                         <p:attrNameLst>
                                           <p:attrName>style.visibility</p:attrName>
@@ -10761,7 +10761,7 @@
                                       <p:cBhvr additive="base">
                                         <p:cTn dur="500"/>
                                         <p:tgtEl>
-                                          <p:spTgt spid="120"/>
+                                          <p:spTgt spid="123"/>
                                         </p:tgtEl>
                                         <p:attrNameLst>
                                           <p:attrName>ppt_x</p:attrName>
@@ -10806,7 +10806,7 @@
                                           </p:stCondLst>
                                         </p:cTn>
                                         <p:tgtEl>
-                                          <p:spTgt spid="121"/>
+                                          <p:spTgt spid="124"/>
                                         </p:tgtEl>
                                         <p:attrNameLst>
                                           <p:attrName>style.visibility</p:attrName>
@@ -10820,7 +10820,7 @@
                                       <p:cBhvr additive="base">
                                         <p:cTn dur="1000"/>
                                         <p:tgtEl>
-                                          <p:spTgt spid="121"/>
+                                          <p:spTgt spid="124"/>
                                         </p:tgtEl>
                                         <p:attrNameLst>
                                           <p:attrName>ppt_x</p:attrName>
@@ -10865,7 +10865,7 @@
                                           </p:stCondLst>
                                         </p:cTn>
                                         <p:tgtEl>
-                                          <p:spTgt spid="122"/>
+                                          <p:spTgt spid="125"/>
                                         </p:tgtEl>
                                         <p:attrNameLst>
                                           <p:attrName>style.visibility</p:attrName>
@@ -10879,7 +10879,7 @@
                                       <p:cBhvr additive="base">
                                         <p:cTn dur="1000"/>
                                         <p:tgtEl>
-                                          <p:spTgt spid="122"/>
+                                          <p:spTgt spid="125"/>
                                         </p:tgtEl>
                                         <p:attrNameLst>
                                           <p:attrName>ppt_x</p:attrName>
@@ -10937,7 +10937,7 @@
   <p:cSld>
     <p:spTree>
       <p:nvGrpSpPr>
-        <p:cNvPr id="126" name="Shape 126"/>
+        <p:cNvPr id="129" name="Shape 129"/>
         <p:cNvGrpSpPr/>
         <p:nvPr/>
       </p:nvGrpSpPr>
@@ -10951,7 +10951,7 @@
       </p:grpSpPr>
       <p:sp>
         <p:nvSpPr>
-          <p:cNvPr id="127" name="Google Shape;127;p23"/>
+          <p:cNvPr id="130" name="Google Shape;130;p23"/>
           <p:cNvSpPr txBox="1"/>
           <p:nvPr>
             <p:ph type="title"/>
@@ -11001,7 +11001,7 @@
       </p:sp>
       <p:sp>
         <p:nvSpPr>
-          <p:cNvPr id="128" name="Google Shape;128;p23"/>
+          <p:cNvPr id="131" name="Google Shape;131;p23"/>
           <p:cNvSpPr txBox="1"/>
           <p:nvPr>
             <p:ph idx="1" type="body"/>
@@ -11181,7 +11181,7 @@
   <p:cSld>
     <p:spTree>
       <p:nvGrpSpPr>
-        <p:cNvPr id="132" name="Shape 132"/>
+        <p:cNvPr id="135" name="Shape 135"/>
         <p:cNvGrpSpPr/>
         <p:nvPr/>
       </p:nvGrpSpPr>
@@ -11195,7 +11195,7 @@
       </p:grpSpPr>
       <p:sp>
         <p:nvSpPr>
-          <p:cNvPr id="133" name="Google Shape;133;p24"/>
+          <p:cNvPr id="136" name="Google Shape;136;p24"/>
           <p:cNvSpPr txBox="1"/>
           <p:nvPr>
             <p:ph type="title"/>
@@ -11245,7 +11245,7 @@
       </p:sp>
       <p:pic>
         <p:nvPicPr>
-          <p:cNvPr id="134" name="Google Shape;134;p24"/>
+          <p:cNvPr id="137" name="Google Shape;137;p24"/>
           <p:cNvPicPr preferRelativeResize="0"/>
           <p:nvPr/>
         </p:nvPicPr>
@@ -11273,7 +11273,7 @@
       </p:pic>
       <p:pic>
         <p:nvPicPr>
-          <p:cNvPr id="135" name="Google Shape;135;p24"/>
+          <p:cNvPr id="138" name="Google Shape;138;p24"/>
           <p:cNvPicPr preferRelativeResize="0"/>
           <p:nvPr/>
         </p:nvPicPr>
@@ -11301,7 +11301,7 @@
       </p:pic>
       <p:pic>
         <p:nvPicPr>
-          <p:cNvPr id="136" name="Google Shape;136;p24"/>
+          <p:cNvPr id="139" name="Google Shape;139;p24"/>
           <p:cNvPicPr preferRelativeResize="0"/>
           <p:nvPr/>
         </p:nvPicPr>
@@ -11329,7 +11329,7 @@
       </p:pic>
       <p:pic>
         <p:nvPicPr>
-          <p:cNvPr id="137" name="Google Shape;137;p24"/>
+          <p:cNvPr id="140" name="Google Shape;140;p24"/>
           <p:cNvPicPr preferRelativeResize="0"/>
           <p:nvPr/>
         </p:nvPicPr>
@@ -11357,7 +11357,7 @@
       </p:pic>
       <p:pic>
         <p:nvPicPr>
-          <p:cNvPr id="138" name="Google Shape;138;p24"/>
+          <p:cNvPr id="141" name="Google Shape;141;p24"/>
           <p:cNvPicPr preferRelativeResize="0"/>
           <p:nvPr/>
         </p:nvPicPr>
@@ -11385,7 +11385,7 @@
       </p:pic>
       <p:sp>
         <p:nvSpPr>
-          <p:cNvPr id="139" name="Google Shape;139;p24"/>
+          <p:cNvPr id="142" name="Google Shape;142;p24"/>
           <p:cNvSpPr txBox="1"/>
           <p:nvPr/>
         </p:nvSpPr>
@@ -11425,162 +11425,6 @@
                 <a:sym typeface="Ubuntu"/>
               </a:rPr>
               <a:t>User</a:t>
-            </a:r>
-            <a:endParaRPr b="1" sz="1800">
-              <a:latin typeface="Ubuntu"/>
-              <a:ea typeface="Ubuntu"/>
-              <a:cs typeface="Ubuntu"/>
-              <a:sym typeface="Ubuntu"/>
-            </a:endParaRPr>
-          </a:p>
-        </p:txBody>
-      </p:sp>
-      <p:sp>
-        <p:nvSpPr>
-          <p:cNvPr id="140" name="Google Shape;140;p24"/>
-          <p:cNvSpPr txBox="1"/>
-          <p:nvPr/>
-        </p:nvSpPr>
-        <p:spPr>
-          <a:xfrm>
-            <a:off x="1706400" y="3812900"/>
-            <a:ext cx="1164000" cy="260400"/>
-          </a:xfrm>
-          <a:prstGeom prst="rect">
-            <a:avLst/>
-          </a:prstGeom>
-          <a:noFill/>
-          <a:ln>
-            <a:noFill/>
-          </a:ln>
-        </p:spPr>
-        <p:txBody>
-          <a:bodyPr anchorCtr="0" anchor="ctr" bIns="91425" lIns="91425" spcFirstLastPara="1" rIns="91425" wrap="square" tIns="91425">
-            <a:noAutofit/>
-          </a:bodyPr>
-          <a:lstStyle/>
-          <a:p>
-            <a:pPr indent="0" lvl="0" marL="0" rtl="0" algn="ctr">
-              <a:spcBef>
-                <a:spcPts val="0"/>
-              </a:spcBef>
-              <a:spcAft>
-                <a:spcPts val="0"/>
-              </a:spcAft>
-              <a:buNone/>
-            </a:pPr>
-            <a:r>
-              <a:rPr b="1" lang="en" sz="1800">
-                <a:latin typeface="Ubuntu"/>
-                <a:ea typeface="Ubuntu"/>
-                <a:cs typeface="Ubuntu"/>
-                <a:sym typeface="Ubuntu"/>
-              </a:rPr>
-              <a:t>Browser</a:t>
-            </a:r>
-            <a:endParaRPr b="1" sz="1800">
-              <a:latin typeface="Ubuntu"/>
-              <a:ea typeface="Ubuntu"/>
-              <a:cs typeface="Ubuntu"/>
-              <a:sym typeface="Ubuntu"/>
-            </a:endParaRPr>
-          </a:p>
-        </p:txBody>
-      </p:sp>
-      <p:sp>
-        <p:nvSpPr>
-          <p:cNvPr id="141" name="Google Shape;141;p24"/>
-          <p:cNvSpPr txBox="1"/>
-          <p:nvPr/>
-        </p:nvSpPr>
-        <p:spPr>
-          <a:xfrm>
-            <a:off x="4242000" y="3812900"/>
-            <a:ext cx="1380900" cy="260400"/>
-          </a:xfrm>
-          <a:prstGeom prst="rect">
-            <a:avLst/>
-          </a:prstGeom>
-          <a:noFill/>
-          <a:ln>
-            <a:noFill/>
-          </a:ln>
-        </p:spPr>
-        <p:txBody>
-          <a:bodyPr anchorCtr="0" anchor="ctr" bIns="91425" lIns="91425" spcFirstLastPara="1" rIns="91425" wrap="square" tIns="91425">
-            <a:noAutofit/>
-          </a:bodyPr>
-          <a:lstStyle/>
-          <a:p>
-            <a:pPr indent="0" lvl="0" marL="0" rtl="0" algn="ctr">
-              <a:spcBef>
-                <a:spcPts val="0"/>
-              </a:spcBef>
-              <a:spcAft>
-                <a:spcPts val="0"/>
-              </a:spcAft>
-              <a:buNone/>
-            </a:pPr>
-            <a:r>
-              <a:rPr b="1" lang="en" sz="1800">
-                <a:latin typeface="Ubuntu"/>
-                <a:ea typeface="Ubuntu"/>
-                <a:cs typeface="Ubuntu"/>
-                <a:sym typeface="Ubuntu"/>
-              </a:rPr>
-              <a:t>Controller</a:t>
-            </a:r>
-            <a:endParaRPr b="1" sz="1800">
-              <a:latin typeface="Ubuntu"/>
-              <a:ea typeface="Ubuntu"/>
-              <a:cs typeface="Ubuntu"/>
-              <a:sym typeface="Ubuntu"/>
-            </a:endParaRPr>
-          </a:p>
-        </p:txBody>
-      </p:sp>
-      <p:sp>
-        <p:nvSpPr>
-          <p:cNvPr id="142" name="Google Shape;142;p24"/>
-          <p:cNvSpPr txBox="1"/>
-          <p:nvPr/>
-        </p:nvSpPr>
-        <p:spPr>
-          <a:xfrm>
-            <a:off x="8049300" y="4672125"/>
-            <a:ext cx="1164000" cy="260400"/>
-          </a:xfrm>
-          <a:prstGeom prst="rect">
-            <a:avLst/>
-          </a:prstGeom>
-          <a:noFill/>
-          <a:ln>
-            <a:noFill/>
-          </a:ln>
-        </p:spPr>
-        <p:txBody>
-          <a:bodyPr anchorCtr="0" anchor="ctr" bIns="91425" lIns="91425" spcFirstLastPara="1" rIns="91425" wrap="square" tIns="91425">
-            <a:noAutofit/>
-          </a:bodyPr>
-          <a:lstStyle/>
-          <a:p>
-            <a:pPr indent="0" lvl="0" marL="0" rtl="0" algn="ctr">
-              <a:spcBef>
-                <a:spcPts val="0"/>
-              </a:spcBef>
-              <a:spcAft>
-                <a:spcPts val="0"/>
-              </a:spcAft>
-              <a:buNone/>
-            </a:pPr>
-            <a:r>
-              <a:rPr b="1" lang="en" sz="1800">
-                <a:latin typeface="Ubuntu"/>
-                <a:ea typeface="Ubuntu"/>
-                <a:cs typeface="Ubuntu"/>
-                <a:sym typeface="Ubuntu"/>
-              </a:rPr>
-              <a:t>View</a:t>
             </a:r>
             <a:endParaRPr b="1" sz="1800">
               <a:latin typeface="Ubuntu"/>
@@ -11599,8 +11443,8 @@
         </p:nvSpPr>
         <p:spPr>
           <a:xfrm>
-            <a:off x="3078000" y="2240500"/>
-            <a:ext cx="1164000" cy="384900"/>
+            <a:off x="1706400" y="3812900"/>
+            <a:ext cx="1164000" cy="260400"/>
           </a:xfrm>
           <a:prstGeom prst="rect">
             <a:avLst/>
@@ -11626,15 +11470,15 @@
               <a:buNone/>
             </a:pPr>
             <a:r>
-              <a:rPr i="1" lang="en" sz="1200">
-                <a:latin typeface="Ubuntu"/>
-                <a:ea typeface="Ubuntu"/>
-                <a:cs typeface="Ubuntu"/>
-                <a:sym typeface="Ubuntu"/>
-              </a:rPr>
-              <a:t>HTTP Request</a:t>
-            </a:r>
-            <a:endParaRPr i="1" sz="1200">
+              <a:rPr b="1" lang="en" sz="1800">
+                <a:latin typeface="Ubuntu"/>
+                <a:ea typeface="Ubuntu"/>
+                <a:cs typeface="Ubuntu"/>
+                <a:sym typeface="Ubuntu"/>
+              </a:rPr>
+              <a:t>Browser</a:t>
+            </a:r>
+            <a:endParaRPr b="1" sz="1800">
               <a:latin typeface="Ubuntu"/>
               <a:ea typeface="Ubuntu"/>
               <a:cs typeface="Ubuntu"/>
@@ -11651,8 +11495,8 @@
         </p:nvSpPr>
         <p:spPr>
           <a:xfrm>
-            <a:off x="4431450" y="1402300"/>
-            <a:ext cx="2172900" cy="384900"/>
+            <a:off x="4242000" y="3812900"/>
+            <a:ext cx="1380900" cy="260400"/>
           </a:xfrm>
           <a:prstGeom prst="rect">
             <a:avLst/>
@@ -11678,15 +11522,15 @@
               <a:buNone/>
             </a:pPr>
             <a:r>
-              <a:rPr i="1" lang="en" sz="1200">
-                <a:latin typeface="Ubuntu"/>
-                <a:ea typeface="Ubuntu"/>
-                <a:cs typeface="Ubuntu"/>
-                <a:sym typeface="Ubuntu"/>
-              </a:rPr>
-              <a:t>Model execution Parameters</a:t>
-            </a:r>
-            <a:endParaRPr i="1" sz="1200">
+              <a:rPr b="1" lang="en" sz="1800">
+                <a:latin typeface="Ubuntu"/>
+                <a:ea typeface="Ubuntu"/>
+                <a:cs typeface="Ubuntu"/>
+                <a:sym typeface="Ubuntu"/>
+              </a:rPr>
+              <a:t>Controller</a:t>
+            </a:r>
+            <a:endParaRPr b="1" sz="1800">
               <a:latin typeface="Ubuntu"/>
               <a:ea typeface="Ubuntu"/>
               <a:cs typeface="Ubuntu"/>
@@ -11703,7 +11547,7 @@
         </p:nvSpPr>
         <p:spPr>
           <a:xfrm>
-            <a:off x="8049300" y="1783288"/>
+            <a:off x="8049300" y="4672125"/>
             <a:ext cx="1164000" cy="260400"/>
           </a:xfrm>
           <a:prstGeom prst="rect">
@@ -11736,7 +11580,7 @@
                 <a:cs typeface="Ubuntu"/>
                 <a:sym typeface="Ubuntu"/>
               </a:rPr>
-              <a:t>Model</a:t>
+              <a:t>View</a:t>
             </a:r>
             <a:endParaRPr b="1" sz="1800">
               <a:latin typeface="Ubuntu"/>
@@ -11750,6 +11594,162 @@
       <p:sp>
         <p:nvSpPr>
           <p:cNvPr id="146" name="Google Shape;146;p24"/>
+          <p:cNvSpPr txBox="1"/>
+          <p:nvPr/>
+        </p:nvSpPr>
+        <p:spPr>
+          <a:xfrm>
+            <a:off x="3078000" y="2240500"/>
+            <a:ext cx="1164000" cy="384900"/>
+          </a:xfrm>
+          <a:prstGeom prst="rect">
+            <a:avLst/>
+          </a:prstGeom>
+          <a:noFill/>
+          <a:ln>
+            <a:noFill/>
+          </a:ln>
+        </p:spPr>
+        <p:txBody>
+          <a:bodyPr anchorCtr="0" anchor="ctr" bIns="91425" lIns="91425" spcFirstLastPara="1" rIns="91425" wrap="square" tIns="91425">
+            <a:noAutofit/>
+          </a:bodyPr>
+          <a:lstStyle/>
+          <a:p>
+            <a:pPr indent="0" lvl="0" marL="0" rtl="0" algn="ctr">
+              <a:spcBef>
+                <a:spcPts val="0"/>
+              </a:spcBef>
+              <a:spcAft>
+                <a:spcPts val="0"/>
+              </a:spcAft>
+              <a:buNone/>
+            </a:pPr>
+            <a:r>
+              <a:rPr i="1" lang="en" sz="1200">
+                <a:latin typeface="Ubuntu"/>
+                <a:ea typeface="Ubuntu"/>
+                <a:cs typeface="Ubuntu"/>
+                <a:sym typeface="Ubuntu"/>
+              </a:rPr>
+              <a:t>HTTP Request</a:t>
+            </a:r>
+            <a:endParaRPr i="1" sz="1200">
+              <a:latin typeface="Ubuntu"/>
+              <a:ea typeface="Ubuntu"/>
+              <a:cs typeface="Ubuntu"/>
+              <a:sym typeface="Ubuntu"/>
+            </a:endParaRPr>
+          </a:p>
+        </p:txBody>
+      </p:sp>
+      <p:sp>
+        <p:nvSpPr>
+          <p:cNvPr id="147" name="Google Shape;147;p24"/>
+          <p:cNvSpPr txBox="1"/>
+          <p:nvPr/>
+        </p:nvSpPr>
+        <p:spPr>
+          <a:xfrm>
+            <a:off x="4431450" y="1402300"/>
+            <a:ext cx="2172900" cy="384900"/>
+          </a:xfrm>
+          <a:prstGeom prst="rect">
+            <a:avLst/>
+          </a:prstGeom>
+          <a:noFill/>
+          <a:ln>
+            <a:noFill/>
+          </a:ln>
+        </p:spPr>
+        <p:txBody>
+          <a:bodyPr anchorCtr="0" anchor="ctr" bIns="91425" lIns="91425" spcFirstLastPara="1" rIns="91425" wrap="square" tIns="91425">
+            <a:noAutofit/>
+          </a:bodyPr>
+          <a:lstStyle/>
+          <a:p>
+            <a:pPr indent="0" lvl="0" marL="0" rtl="0" algn="ctr">
+              <a:spcBef>
+                <a:spcPts val="0"/>
+              </a:spcBef>
+              <a:spcAft>
+                <a:spcPts val="0"/>
+              </a:spcAft>
+              <a:buNone/>
+            </a:pPr>
+            <a:r>
+              <a:rPr i="1" lang="en" sz="1200">
+                <a:latin typeface="Ubuntu"/>
+                <a:ea typeface="Ubuntu"/>
+                <a:cs typeface="Ubuntu"/>
+                <a:sym typeface="Ubuntu"/>
+              </a:rPr>
+              <a:t>Model execution Parameters</a:t>
+            </a:r>
+            <a:endParaRPr i="1" sz="1200">
+              <a:latin typeface="Ubuntu"/>
+              <a:ea typeface="Ubuntu"/>
+              <a:cs typeface="Ubuntu"/>
+              <a:sym typeface="Ubuntu"/>
+            </a:endParaRPr>
+          </a:p>
+        </p:txBody>
+      </p:sp>
+      <p:sp>
+        <p:nvSpPr>
+          <p:cNvPr id="148" name="Google Shape;148;p24"/>
+          <p:cNvSpPr txBox="1"/>
+          <p:nvPr/>
+        </p:nvSpPr>
+        <p:spPr>
+          <a:xfrm>
+            <a:off x="8049300" y="1783288"/>
+            <a:ext cx="1164000" cy="260400"/>
+          </a:xfrm>
+          <a:prstGeom prst="rect">
+            <a:avLst/>
+          </a:prstGeom>
+          <a:noFill/>
+          <a:ln>
+            <a:noFill/>
+          </a:ln>
+        </p:spPr>
+        <p:txBody>
+          <a:bodyPr anchorCtr="0" anchor="ctr" bIns="91425" lIns="91425" spcFirstLastPara="1" rIns="91425" wrap="square" tIns="91425">
+            <a:noAutofit/>
+          </a:bodyPr>
+          <a:lstStyle/>
+          <a:p>
+            <a:pPr indent="0" lvl="0" marL="0" rtl="0" algn="ctr">
+              <a:spcBef>
+                <a:spcPts val="0"/>
+              </a:spcBef>
+              <a:spcAft>
+                <a:spcPts val="0"/>
+              </a:spcAft>
+              <a:buNone/>
+            </a:pPr>
+            <a:r>
+              <a:rPr b="1" lang="en" sz="1800">
+                <a:latin typeface="Ubuntu"/>
+                <a:ea typeface="Ubuntu"/>
+                <a:cs typeface="Ubuntu"/>
+                <a:sym typeface="Ubuntu"/>
+              </a:rPr>
+              <a:t>Model</a:t>
+            </a:r>
+            <a:endParaRPr b="1" sz="1800">
+              <a:latin typeface="Ubuntu"/>
+              <a:ea typeface="Ubuntu"/>
+              <a:cs typeface="Ubuntu"/>
+              <a:sym typeface="Ubuntu"/>
+            </a:endParaRPr>
+          </a:p>
+        </p:txBody>
+      </p:sp>
+      <p:sp>
+        <p:nvSpPr>
+          <p:cNvPr id="149" name="Google Shape;149;p24"/>
           <p:cNvSpPr/>
           <p:nvPr/>
         </p:nvSpPr>
@@ -11803,7 +11803,7 @@
       </p:sp>
       <p:sp>
         <p:nvSpPr>
-          <p:cNvPr id="147" name="Google Shape;147;p24"/>
+          <p:cNvPr id="150" name="Google Shape;150;p24"/>
           <p:cNvSpPr txBox="1"/>
           <p:nvPr/>
         </p:nvSpPr>
@@ -11855,7 +11855,7 @@
       </p:sp>
       <p:sp>
         <p:nvSpPr>
-          <p:cNvPr id="148" name="Google Shape;148;p24"/>
+          <p:cNvPr id="151" name="Google Shape;151;p24"/>
           <p:cNvSpPr txBox="1"/>
           <p:nvPr/>
         </p:nvSpPr>
@@ -11907,7 +11907,7 @@
       </p:sp>
       <p:sp>
         <p:nvSpPr>
-          <p:cNvPr id="149" name="Google Shape;149;p24"/>
+          <p:cNvPr id="152" name="Google Shape;152;p24"/>
           <p:cNvSpPr txBox="1"/>
           <p:nvPr/>
         </p:nvSpPr>
@@ -11959,7 +11959,7 @@
       </p:sp>
       <p:sp>
         <p:nvSpPr>
-          <p:cNvPr id="150" name="Google Shape;150;p24"/>
+          <p:cNvPr id="153" name="Google Shape;153;p24"/>
           <p:cNvSpPr txBox="1"/>
           <p:nvPr/>
         </p:nvSpPr>
@@ -12011,7 +12011,7 @@
       </p:sp>
       <p:sp>
         <p:nvSpPr>
-          <p:cNvPr id="151" name="Google Shape;151;p24"/>
+          <p:cNvPr id="154" name="Google Shape;154;p24"/>
           <p:cNvSpPr/>
           <p:nvPr/>
         </p:nvSpPr>
@@ -12065,7 +12065,7 @@
       </p:sp>
       <p:sp>
         <p:nvSpPr>
-          <p:cNvPr id="152" name="Google Shape;152;p24"/>
+          <p:cNvPr id="155" name="Google Shape;155;p24"/>
           <p:cNvSpPr/>
           <p:nvPr/>
         </p:nvSpPr>
@@ -12119,7 +12119,7 @@
       </p:sp>
       <p:sp>
         <p:nvSpPr>
-          <p:cNvPr id="153" name="Google Shape;153;p24"/>
+          <p:cNvPr id="156" name="Google Shape;156;p24"/>
           <p:cNvSpPr/>
           <p:nvPr/>
         </p:nvSpPr>
@@ -12173,7 +12173,7 @@
       </p:sp>
       <p:sp>
         <p:nvSpPr>
-          <p:cNvPr id="154" name="Google Shape;154;p24"/>
+          <p:cNvPr id="157" name="Google Shape;157;p24"/>
           <p:cNvSpPr/>
           <p:nvPr/>
         </p:nvSpPr>
@@ -12227,7 +12227,7 @@
       </p:sp>
       <p:sp>
         <p:nvSpPr>
-          <p:cNvPr id="155" name="Google Shape;155;p24"/>
+          <p:cNvPr id="158" name="Google Shape;158;p24"/>
           <p:cNvSpPr/>
           <p:nvPr/>
         </p:nvSpPr>
@@ -12318,7 +12318,7 @@
                                           </p:stCondLst>
                                         </p:cTn>
                                         <p:tgtEl>
-                                          <p:spTgt spid="151"/>
+                                          <p:spTgt spid="154"/>
                                         </p:tgtEl>
                                         <p:attrNameLst>
                                           <p:attrName>style.visibility</p:attrName>
@@ -12332,7 +12332,7 @@
                                       <p:cBhvr>
                                         <p:cTn dur="1000"/>
                                         <p:tgtEl>
-                                          <p:spTgt spid="151"/>
+                                          <p:spTgt spid="154"/>
                                         </p:tgtEl>
                                       </p:cBhvr>
                                     </p:animEffect>
@@ -12353,7 +12353,7 @@
                                           </p:stCondLst>
                                         </p:cTn>
                                         <p:tgtEl>
-                                          <p:spTgt spid="143"/>
+                                          <p:spTgt spid="146"/>
                                         </p:tgtEl>
                                         <p:attrNameLst>
                                           <p:attrName>style.visibility</p:attrName>
@@ -12367,7 +12367,7 @@
                                       <p:cBhvr>
                                         <p:cTn dur="1000"/>
                                         <p:tgtEl>
-                                          <p:spTgt spid="143"/>
+                                          <p:spTgt spid="146"/>
                                         </p:tgtEl>
                                       </p:cBhvr>
                                     </p:animEffect>
@@ -12406,7 +12406,7 @@
                                           </p:stCondLst>
                                         </p:cTn>
                                         <p:tgtEl>
-                                          <p:spTgt spid="153"/>
+                                          <p:spTgt spid="156"/>
                                         </p:tgtEl>
                                         <p:attrNameLst>
                                           <p:attrName>style.visibility</p:attrName>
@@ -12420,95 +12420,7 @@
                                       <p:cBhvr>
                                         <p:cTn dur="1000"/>
                                         <p:tgtEl>
-                                          <p:spTgt spid="153"/>
-                                        </p:tgtEl>
-                                      </p:cBhvr>
-                                    </p:animEffect>
-                                  </p:childTnLst>
-                                </p:cTn>
-                              </p:par>
-                              <p:par>
-                                <p:cTn fill="hold" nodeType="withEffect" presetClass="entr" presetID="10" presetSubtype="0">
-                                  <p:stCondLst>
-                                    <p:cond delay="0"/>
-                                  </p:stCondLst>
-                                  <p:childTnLst>
-                                    <p:set>
-                                      <p:cBhvr>
-                                        <p:cTn dur="1" fill="hold">
-                                          <p:stCondLst>
-                                            <p:cond delay="0"/>
-                                          </p:stCondLst>
-                                        </p:cTn>
-                                        <p:tgtEl>
-                                          <p:spTgt spid="144"/>
-                                        </p:tgtEl>
-                                        <p:attrNameLst>
-                                          <p:attrName>style.visibility</p:attrName>
-                                        </p:attrNameLst>
-                                      </p:cBhvr>
-                                      <p:to>
-                                        <p:strVal val="visible"/>
-                                      </p:to>
-                                    </p:set>
-                                    <p:animEffect filter="fade" transition="in">
-                                      <p:cBhvr>
-                                        <p:cTn dur="1000"/>
-                                        <p:tgtEl>
-                                          <p:spTgt spid="144"/>
-                                        </p:tgtEl>
-                                      </p:cBhvr>
-                                    </p:animEffect>
-                                  </p:childTnLst>
-                                </p:cTn>
-                              </p:par>
-                            </p:childTnLst>
-                          </p:cTn>
-                        </p:par>
-                      </p:childTnLst>
-                    </p:cTn>
-                  </p:par>
-                  <p:par>
-                    <p:cTn fill="hold">
-                      <p:stCondLst>
-                        <p:cond delay="indefinite"/>
-                      </p:stCondLst>
-                      <p:childTnLst>
-                        <p:par>
-                          <p:cTn fill="hold">
-                            <p:stCondLst>
-                              <p:cond delay="0"/>
-                            </p:stCondLst>
-                            <p:childTnLst>
-                              <p:par>
-                                <p:cTn fill="hold" nodeType="clickEffect" presetClass="entr" presetID="10" presetSubtype="0">
-                                  <p:stCondLst>
-                                    <p:cond delay="0"/>
-                                  </p:stCondLst>
-                                  <p:childTnLst>
-                                    <p:set>
-                                      <p:cBhvr>
-                                        <p:cTn dur="1" fill="hold">
-                                          <p:stCondLst>
-                                            <p:cond delay="0"/>
-                                          </p:stCondLst>
-                                        </p:cTn>
-                                        <p:tgtEl>
-                                          <p:spTgt spid="152"/>
-                                        </p:tgtEl>
-                                        <p:attrNameLst>
-                                          <p:attrName>style.visibility</p:attrName>
-                                        </p:attrNameLst>
-                                      </p:cBhvr>
-                                      <p:to>
-                                        <p:strVal val="visible"/>
-                                      </p:to>
-                                    </p:set>
-                                    <p:animEffect filter="fade" transition="in">
-                                      <p:cBhvr>
-                                        <p:cTn dur="1000"/>
-                                        <p:tgtEl>
-                                          <p:spTgt spid="152"/>
+                                          <p:spTgt spid="156"/>
                                         </p:tgtEl>
                                       </p:cBhvr>
                                     </p:animEffect>
@@ -12617,7 +12529,7 @@
                                           </p:stCondLst>
                                         </p:cTn>
                                         <p:tgtEl>
-                                          <p:spTgt spid="149"/>
+                                          <p:spTgt spid="150"/>
                                         </p:tgtEl>
                                         <p:attrNameLst>
                                           <p:attrName>style.visibility</p:attrName>
@@ -12631,7 +12543,7 @@
                                       <p:cBhvr>
                                         <p:cTn dur="1000"/>
                                         <p:tgtEl>
-                                          <p:spTgt spid="149"/>
+                                          <p:spTgt spid="150"/>
                                         </p:tgtEl>
                                       </p:cBhvr>
                                     </p:animEffect>
@@ -12670,7 +12582,7 @@
                                           </p:stCondLst>
                                         </p:cTn>
                                         <p:tgtEl>
-                                          <p:spTgt spid="154"/>
+                                          <p:spTgt spid="158"/>
                                         </p:tgtEl>
                                         <p:attrNameLst>
                                           <p:attrName>style.visibility</p:attrName>
@@ -12684,7 +12596,7 @@
                                       <p:cBhvr>
                                         <p:cTn dur="1000"/>
                                         <p:tgtEl>
-                                          <p:spTgt spid="154"/>
+                                          <p:spTgt spid="158"/>
                                         </p:tgtEl>
                                       </p:cBhvr>
                                     </p:animEffect>
@@ -12705,7 +12617,7 @@
                                           </p:stCondLst>
                                         </p:cTn>
                                         <p:tgtEl>
-                                          <p:spTgt spid="148"/>
+                                          <p:spTgt spid="152"/>
                                         </p:tgtEl>
                                         <p:attrNameLst>
                                           <p:attrName>style.visibility</p:attrName>
@@ -12719,7 +12631,7 @@
                                       <p:cBhvr>
                                         <p:cTn dur="1000"/>
                                         <p:tgtEl>
-                                          <p:spTgt spid="148"/>
+                                          <p:spTgt spid="152"/>
                                         </p:tgtEl>
                                       </p:cBhvr>
                                     </p:animEffect>
@@ -12758,7 +12670,7 @@
                                           </p:stCondLst>
                                         </p:cTn>
                                         <p:tgtEl>
-                                          <p:spTgt spid="146"/>
+                                          <p:spTgt spid="157"/>
                                         </p:tgtEl>
                                         <p:attrNameLst>
                                           <p:attrName>style.visibility</p:attrName>
@@ -12772,7 +12684,7 @@
                                       <p:cBhvr>
                                         <p:cTn dur="1000"/>
                                         <p:tgtEl>
-                                          <p:spTgt spid="146"/>
+                                          <p:spTgt spid="157"/>
                                         </p:tgtEl>
                                       </p:cBhvr>
                                     </p:animEffect>
@@ -12793,7 +12705,7 @@
                                           </p:stCondLst>
                                         </p:cTn>
                                         <p:tgtEl>
-                                          <p:spTgt spid="150"/>
+                                          <p:spTgt spid="151"/>
                                         </p:tgtEl>
                                         <p:attrNameLst>
                                           <p:attrName>style.visibility</p:attrName>
@@ -12807,7 +12719,95 @@
                                       <p:cBhvr>
                                         <p:cTn dur="1000"/>
                                         <p:tgtEl>
-                                          <p:spTgt spid="150"/>
+                                          <p:spTgt spid="151"/>
+                                        </p:tgtEl>
+                                      </p:cBhvr>
+                                    </p:animEffect>
+                                  </p:childTnLst>
+                                </p:cTn>
+                              </p:par>
+                            </p:childTnLst>
+                          </p:cTn>
+                        </p:par>
+                      </p:childTnLst>
+                    </p:cTn>
+                  </p:par>
+                  <p:par>
+                    <p:cTn fill="hold">
+                      <p:stCondLst>
+                        <p:cond delay="indefinite"/>
+                      </p:stCondLst>
+                      <p:childTnLst>
+                        <p:par>
+                          <p:cTn fill="hold">
+                            <p:stCondLst>
+                              <p:cond delay="0"/>
+                            </p:stCondLst>
+                            <p:childTnLst>
+                              <p:par>
+                                <p:cTn fill="hold" nodeType="clickEffect" presetClass="entr" presetID="10" presetSubtype="0">
+                                  <p:stCondLst>
+                                    <p:cond delay="0"/>
+                                  </p:stCondLst>
+                                  <p:childTnLst>
+                                    <p:set>
+                                      <p:cBhvr>
+                                        <p:cTn dur="1" fill="hold">
+                                          <p:stCondLst>
+                                            <p:cond delay="0"/>
+                                          </p:stCondLst>
+                                        </p:cTn>
+                                        <p:tgtEl>
+                                          <p:spTgt spid="149"/>
+                                        </p:tgtEl>
+                                        <p:attrNameLst>
+                                          <p:attrName>style.visibility</p:attrName>
+                                        </p:attrNameLst>
+                                      </p:cBhvr>
+                                      <p:to>
+                                        <p:strVal val="visible"/>
+                                      </p:to>
+                                    </p:set>
+                                    <p:animEffect filter="fade" transition="in">
+                                      <p:cBhvr>
+                                        <p:cTn dur="1000"/>
+                                        <p:tgtEl>
+                                          <p:spTgt spid="149"/>
+                                        </p:tgtEl>
+                                      </p:cBhvr>
+                                    </p:animEffect>
+                                  </p:childTnLst>
+                                </p:cTn>
+                              </p:par>
+                              <p:par>
+                                <p:cTn fill="hold" nodeType="withEffect" presetClass="entr" presetID="10" presetSubtype="0">
+                                  <p:stCondLst>
+                                    <p:cond delay="0"/>
+                                  </p:stCondLst>
+                                  <p:childTnLst>
+                                    <p:set>
+                                      <p:cBhvr>
+                                        <p:cTn dur="1" fill="hold">
+                                          <p:stCondLst>
+                                            <p:cond delay="0"/>
+                                          </p:stCondLst>
+                                        </p:cTn>
+                                        <p:tgtEl>
+                                          <p:spTgt spid="153"/>
+                                        </p:tgtEl>
+                                        <p:attrNameLst>
+                                          <p:attrName>style.visibility</p:attrName>
+                                        </p:attrNameLst>
+                                      </p:cBhvr>
+                                      <p:to>
+                                        <p:strVal val="visible"/>
+                                      </p:to>
+                                    </p:set>
+                                    <p:animEffect filter="fade" transition="in">
+                                      <p:cBhvr>
+                                        <p:cTn dur="1000"/>
+                                        <p:tgtEl>
+                                          <p:spTgt spid="153"/>
                                         </p:tgtEl>
                                       </p:cBhvr>
                                     </p:animEffect>
@@ -12850,7 +12850,7 @@
   <p:cSld>
     <p:spTree>
       <p:nvGrpSpPr>
-        <p:cNvPr id="159" name="Shape 159"/>
+        <p:cNvPr id="162" name="Shape 162"/>
         <p:cNvGrpSpPr/>
         <p:nvPr/>
       </p:nvGrpSpPr>
@@ -12864,7 +12864,7 @@
       </p:grpSpPr>
       <p:sp>
         <p:nvSpPr>
-          <p:cNvPr id="160" name="Google Shape;160;p25"/>
+          <p:cNvPr id="163" name="Google Shape;163;p25"/>
           <p:cNvSpPr txBox="1"/>
           <p:nvPr>
             <p:ph type="title"/>
@@ -12914,7 +12914,7 @@
       </p:sp>
       <p:sp>
         <p:nvSpPr>
-          <p:cNvPr id="161" name="Google Shape;161;p25"/>
+          <p:cNvPr id="164" name="Google Shape;164;p25"/>
           <p:cNvSpPr txBox="1"/>
           <p:nvPr>
             <p:ph idx="1" type="body"/>
@@ -13088,7 +13088,7 @@
   <p:cSld>
     <p:spTree>
       <p:nvGrpSpPr>
-        <p:cNvPr id="165" name="Shape 165"/>
+        <p:cNvPr id="168" name="Shape 168"/>
         <p:cNvGrpSpPr/>
         <p:nvPr/>
       </p:nvGrpSpPr>
@@ -13102,7 +13102,7 @@
       </p:grpSpPr>
       <p:sp>
         <p:nvSpPr>
-          <p:cNvPr id="166" name="Google Shape;166;p26"/>
+          <p:cNvPr id="169" name="Google Shape;169;p26"/>
           <p:cNvSpPr txBox="1"/>
           <p:nvPr>
             <p:ph type="title"/>
@@ -13181,7 +13181,7 @@
   <p:cSld>
     <p:spTree>
       <p:nvGrpSpPr>
-        <p:cNvPr id="170" name="Shape 170"/>
+        <p:cNvPr id="173" name="Shape 173"/>
         <p:cNvGrpSpPr/>
         <p:nvPr/>
       </p:nvGrpSpPr>
@@ -13195,7 +13195,7 @@
       </p:grpSpPr>
       <p:sp>
         <p:nvSpPr>
-          <p:cNvPr id="171" name="Google Shape;171;p27"/>
+          <p:cNvPr id="174" name="Google Shape;174;p27"/>
           <p:cNvSpPr txBox="1"/>
           <p:nvPr>
             <p:ph type="title"/>
@@ -13245,7 +13245,7 @@
       </p:sp>
       <p:sp>
         <p:nvSpPr>
-          <p:cNvPr id="172" name="Google Shape;172;p27"/>
+          <p:cNvPr id="175" name="Google Shape;175;p27"/>
           <p:cNvSpPr txBox="1"/>
           <p:nvPr>
             <p:ph idx="1" type="body"/>
@@ -13434,7 +13434,7 @@
   <p:cSld>
     <p:spTree>
       <p:nvGrpSpPr>
-        <p:cNvPr id="176" name="Shape 176"/>
+        <p:cNvPr id="179" name="Shape 179"/>
         <p:cNvGrpSpPr/>
         <p:nvPr/>
       </p:nvGrpSpPr>
@@ -13448,7 +13448,7 @@
       </p:grpSpPr>
       <p:sp>
         <p:nvSpPr>
-          <p:cNvPr id="177" name="Google Shape;177;p28"/>
+          <p:cNvPr id="180" name="Google Shape;180;p28"/>
           <p:cNvSpPr txBox="1"/>
           <p:nvPr>
             <p:ph type="title"/>
@@ -13498,7 +13498,7 @@
       </p:sp>
       <p:sp>
         <p:nvSpPr>
-          <p:cNvPr id="178" name="Google Shape;178;p28"/>
+          <p:cNvPr id="181" name="Google Shape;181;p28"/>
           <p:cNvSpPr txBox="1"/>
           <p:nvPr>
             <p:ph idx="1" type="body"/>
@@ -13891,7 +13891,7 @@
       </p:sp>
       <p:sp>
         <p:nvSpPr>
-          <p:cNvPr id="179" name="Google Shape;179;p28"/>
+          <p:cNvPr id="182" name="Google Shape;182;p28"/>
           <p:cNvSpPr txBox="1"/>
           <p:nvPr/>
         </p:nvSpPr>
@@ -13943,7 +13943,7 @@
       </p:sp>
       <p:sp>
         <p:nvSpPr>
-          <p:cNvPr id="180" name="Google Shape;180;p28"/>
+          <p:cNvPr id="183" name="Google Shape;183;p28"/>
           <p:cNvSpPr txBox="1"/>
           <p:nvPr/>
         </p:nvSpPr>
@@ -13995,7 +13995,7 @@
       </p:sp>
       <p:graphicFrame>
         <p:nvGraphicFramePr>
-          <p:cNvPr id="181" name="Google Shape;181;p28"/>
+          <p:cNvPr id="184" name="Google Shape;184;p28"/>
           <p:cNvGraphicFramePr/>
           <p:nvPr/>
         </p:nvGraphicFramePr>
@@ -14008,7 +14008,7 @@
             <a:tbl>
               <a:tblPr>
                 <a:noFill/>
-                <a:tableStyleId>{DB6799FB-B722-47DA-A1B7-2BFF8FF182A5}</a:tableStyleId>
+                <a:tableStyleId>{1C32A3E9-CF1B-4DB1-A6FC-8BD4CD913197}</a:tableStyleId>
               </a:tblPr>
               <a:tblGrid>
                 <a:gridCol w="1092525"/>
@@ -14565,7 +14565,7 @@
       </p:graphicFrame>
       <p:sp>
         <p:nvSpPr>
-          <p:cNvPr id="182" name="Google Shape;182;p28"/>
+          <p:cNvPr id="185" name="Google Shape;185;p28"/>
           <p:cNvSpPr/>
           <p:nvPr/>
         </p:nvSpPr>
@@ -14627,7 +14627,7 @@
       </p:sp>
       <p:sp>
         <p:nvSpPr>
-          <p:cNvPr id="183" name="Google Shape;183;p28"/>
+          <p:cNvPr id="186" name="Google Shape;186;p28"/>
           <p:cNvSpPr/>
           <p:nvPr/>
         </p:nvSpPr>
@@ -14679,7 +14679,7 @@
       </p:sp>
       <p:sp>
         <p:nvSpPr>
-          <p:cNvPr id="184" name="Google Shape;184;p28"/>
+          <p:cNvPr id="187" name="Google Shape;187;p28"/>
           <p:cNvSpPr/>
           <p:nvPr/>
         </p:nvSpPr>
@@ -14731,7 +14731,7 @@
       </p:sp>
       <p:sp>
         <p:nvSpPr>
-          <p:cNvPr id="185" name="Google Shape;185;p28"/>
+          <p:cNvPr id="188" name="Google Shape;188;p28"/>
           <p:cNvSpPr txBox="1"/>
           <p:nvPr/>
         </p:nvSpPr>
@@ -14846,7 +14846,7 @@
                                           </p:stCondLst>
                                         </p:cTn>
                                         <p:tgtEl>
-                                          <p:spTgt spid="185"/>
+                                          <p:spTgt spid="188"/>
                                         </p:tgtEl>
                                         <p:attrNameLst>
                                           <p:attrName>style.visibility</p:attrName>
@@ -14860,7 +14860,7 @@
                                       <p:cBhvr>
                                         <p:cTn dur="1"/>
                                         <p:tgtEl>
-                                          <p:spTgt spid="185"/>
+                                          <p:spTgt spid="188"/>
                                         </p:tgtEl>
                                       </p:cBhvr>
                                     </p:animEffect>
@@ -14903,7 +14903,7 @@
   <p:cSld>
     <p:spTree>
       <p:nvGrpSpPr>
-        <p:cNvPr id="189" name="Shape 189"/>
+        <p:cNvPr id="192" name="Shape 192"/>
         <p:cNvGrpSpPr/>
         <p:nvPr/>
       </p:nvGrpSpPr>
@@ -14917,7 +14917,7 @@
       </p:grpSpPr>
       <p:sp>
         <p:nvSpPr>
-          <p:cNvPr id="190" name="Google Shape;190;p29"/>
+          <p:cNvPr id="193" name="Google Shape;193;p29"/>
           <p:cNvSpPr txBox="1"/>
           <p:nvPr>
             <p:ph type="title"/>
@@ -14967,7 +14967,7 @@
       </p:sp>
       <p:sp>
         <p:nvSpPr>
-          <p:cNvPr id="191" name="Google Shape;191;p29"/>
+          <p:cNvPr id="194" name="Google Shape;194;p29"/>
           <p:cNvSpPr txBox="1"/>
           <p:nvPr/>
         </p:nvSpPr>
@@ -15019,7 +15019,7 @@
       </p:sp>
       <p:sp>
         <p:nvSpPr>
-          <p:cNvPr id="192" name="Google Shape;192;p29"/>
+          <p:cNvPr id="195" name="Google Shape;195;p29"/>
           <p:cNvSpPr txBox="1"/>
           <p:nvPr/>
         </p:nvSpPr>
@@ -15071,7 +15071,7 @@
       </p:sp>
       <p:sp>
         <p:nvSpPr>
-          <p:cNvPr id="193" name="Google Shape;193;p29"/>
+          <p:cNvPr id="196" name="Google Shape;196;p29"/>
           <p:cNvSpPr txBox="1"/>
           <p:nvPr>
             <p:ph idx="1" type="body"/>
@@ -15820,7 +15820,7 @@
       </p:sp>
       <p:sp>
         <p:nvSpPr>
-          <p:cNvPr id="194" name="Google Shape;194;p29"/>
+          <p:cNvPr id="197" name="Google Shape;197;p29"/>
           <p:cNvSpPr txBox="1"/>
           <p:nvPr>
             <p:ph idx="1" type="body"/>
@@ -16201,7 +16201,7 @@
       </p:sp>
       <p:sp>
         <p:nvSpPr>
-          <p:cNvPr id="195" name="Google Shape;195;p29"/>
+          <p:cNvPr id="198" name="Google Shape;198;p29"/>
           <p:cNvSpPr/>
           <p:nvPr/>
         </p:nvSpPr>
@@ -16263,7 +16263,7 @@
       </p:sp>
       <p:sp>
         <p:nvSpPr>
-          <p:cNvPr id="196" name="Google Shape;196;p29"/>
+          <p:cNvPr id="199" name="Google Shape;199;p29"/>
           <p:cNvSpPr/>
           <p:nvPr/>
         </p:nvSpPr>
@@ -16320,7 +16320,7 @@
       </p:sp>
       <p:sp>
         <p:nvSpPr>
-          <p:cNvPr id="197" name="Google Shape;197;p29"/>
+          <p:cNvPr id="200" name="Google Shape;200;p29"/>
           <p:cNvSpPr/>
           <p:nvPr/>
         </p:nvSpPr>
@@ -16388,7 +16388,7 @@
   <p:cSld>
     <p:spTree>
       <p:nvGrpSpPr>
-        <p:cNvPr id="201" name="Shape 201"/>
+        <p:cNvPr id="204" name="Shape 204"/>
         <p:cNvGrpSpPr/>
         <p:nvPr/>
       </p:nvGrpSpPr>
@@ -16402,7 +16402,7 @@
       </p:grpSpPr>
       <p:sp>
         <p:nvSpPr>
-          <p:cNvPr id="202" name="Google Shape;202;p30"/>
+          <p:cNvPr id="205" name="Google Shape;205;p30"/>
           <p:cNvSpPr txBox="1"/>
           <p:nvPr>
             <p:ph type="title"/>
@@ -16452,7 +16452,7 @@
       </p:sp>
       <p:sp>
         <p:nvSpPr>
-          <p:cNvPr id="203" name="Google Shape;203;p30"/>
+          <p:cNvPr id="206" name="Google Shape;206;p30"/>
           <p:cNvSpPr txBox="1"/>
           <p:nvPr>
             <p:ph idx="1" type="body"/>
@@ -16693,7 +16693,7 @@
       </p:sp>
       <p:sp>
         <p:nvSpPr>
-          <p:cNvPr id="204" name="Google Shape;204;p30"/>
+          <p:cNvPr id="207" name="Google Shape;207;p30"/>
           <p:cNvSpPr txBox="1"/>
           <p:nvPr/>
         </p:nvSpPr>
@@ -16745,7 +16745,7 @@
       </p:sp>
       <p:sp>
         <p:nvSpPr>
-          <p:cNvPr id="205" name="Google Shape;205;p30"/>
+          <p:cNvPr id="208" name="Google Shape;208;p30"/>
           <p:cNvSpPr txBox="1"/>
           <p:nvPr/>
         </p:nvSpPr>
@@ -16797,7 +16797,7 @@
       </p:sp>
       <p:sp>
         <p:nvSpPr>
-          <p:cNvPr id="206" name="Google Shape;206;p30"/>
+          <p:cNvPr id="209" name="Google Shape;209;p30"/>
           <p:cNvSpPr/>
           <p:nvPr/>
         </p:nvSpPr>
@@ -16849,7 +16849,7 @@
       </p:sp>
       <p:sp>
         <p:nvSpPr>
-          <p:cNvPr id="207" name="Google Shape;207;p30"/>
+          <p:cNvPr id="210" name="Google Shape;210;p30"/>
           <p:cNvSpPr/>
           <p:nvPr/>
         </p:nvSpPr>
@@ -16918,7 +16918,7 @@
       </p:sp>
       <p:sp>
         <p:nvSpPr>
-          <p:cNvPr id="208" name="Google Shape;208;p30"/>
+          <p:cNvPr id="211" name="Google Shape;211;p30"/>
           <p:cNvSpPr/>
           <p:nvPr/>
         </p:nvSpPr>
@@ -16970,7 +16970,7 @@
       </p:sp>
       <p:sp>
         <p:nvSpPr>
-          <p:cNvPr id="209" name="Google Shape;209;p30"/>
+          <p:cNvPr id="212" name="Google Shape;212;p30"/>
           <p:cNvSpPr/>
           <p:nvPr/>
         </p:nvSpPr>
@@ -17034,7 +17034,7 @@
       </p:sp>
       <p:sp>
         <p:nvSpPr>
-          <p:cNvPr id="210" name="Google Shape;210;p30"/>
+          <p:cNvPr id="213" name="Google Shape;213;p30"/>
           <p:cNvSpPr/>
           <p:nvPr/>
         </p:nvSpPr>
@@ -17086,7 +17086,7 @@
       </p:sp>
       <p:sp>
         <p:nvSpPr>
-          <p:cNvPr id="211" name="Google Shape;211;p30"/>
+          <p:cNvPr id="214" name="Google Shape;214;p30"/>
           <p:cNvSpPr/>
           <p:nvPr/>
         </p:nvSpPr>
@@ -17155,7 +17155,7 @@
       </p:sp>
       <p:sp>
         <p:nvSpPr>
-          <p:cNvPr id="212" name="Google Shape;212;p30"/>
+          <p:cNvPr id="215" name="Google Shape;215;p30"/>
           <p:cNvSpPr/>
           <p:nvPr/>
         </p:nvSpPr>
@@ -17217,7 +17217,7 @@
       </p:sp>
       <p:sp>
         <p:nvSpPr>
-          <p:cNvPr id="213" name="Google Shape;213;p30"/>
+          <p:cNvPr id="216" name="Google Shape;216;p30"/>
           <p:cNvSpPr/>
           <p:nvPr/>
         </p:nvSpPr>
@@ -17311,7 +17311,7 @@
                                           </p:stCondLst>
                                         </p:cTn>
                                         <p:tgtEl>
-                                          <p:spTgt spid="206"/>
+                                          <p:spTgt spid="209"/>
                                         </p:tgtEl>
                                         <p:attrNameLst>
                                           <p:attrName>style.visibility</p:attrName>
@@ -17325,7 +17325,7 @@
                                       <p:cBhvr>
                                         <p:cTn dur="1"/>
                                         <p:tgtEl>
-                                          <p:spTgt spid="206"/>
+                                          <p:spTgt spid="209"/>
                                         </p:tgtEl>
                                       </p:cBhvr>
                                     </p:animEffect>
@@ -17346,7 +17346,7 @@
                                           </p:stCondLst>
                                         </p:cTn>
                                         <p:tgtEl>
-                                          <p:spTgt spid="207"/>
+                                          <p:spTgt spid="210"/>
                                         </p:tgtEl>
                                         <p:attrNameLst>
                                           <p:attrName>style.visibility</p:attrName>
@@ -17360,7 +17360,7 @@
                                       <p:cBhvr>
                                         <p:cTn dur="1"/>
                                         <p:tgtEl>
-                                          <p:spTgt spid="207"/>
+                                          <p:spTgt spid="210"/>
                                         </p:tgtEl>
                                       </p:cBhvr>
                                     </p:animEffect>
@@ -17399,7 +17399,7 @@
                                           </p:stCondLst>
                                         </p:cTn>
                                         <p:tgtEl>
-                                          <p:spTgt spid="208"/>
+                                          <p:spTgt spid="211"/>
                                         </p:tgtEl>
                                         <p:attrNameLst>
                                           <p:attrName>style.visibility</p:attrName>
@@ -17413,7 +17413,7 @@
                                       <p:cBhvr>
                                         <p:cTn dur="1"/>
                                         <p:tgtEl>
-                                          <p:spTgt spid="208"/>
+                                          <p:spTgt spid="211"/>
                                         </p:tgtEl>
                                       </p:cBhvr>
                                     </p:animEffect>
@@ -17434,7 +17434,7 @@
                                           </p:stCondLst>
                                         </p:cTn>
                                         <p:tgtEl>
-                                          <p:spTgt spid="209"/>
+                                          <p:spTgt spid="212"/>
                                         </p:tgtEl>
                                         <p:attrNameLst>
                                           <p:attrName>style.visibility</p:attrName>
@@ -17448,7 +17448,7 @@
                                       <p:cBhvr>
                                         <p:cTn dur="1"/>
                                         <p:tgtEl>
-                                          <p:spTgt spid="209"/>
+                                          <p:spTgt spid="212"/>
                                         </p:tgtEl>
                                       </p:cBhvr>
                                     </p:animEffect>
@@ -17487,7 +17487,7 @@
                                           </p:stCondLst>
                                         </p:cTn>
                                         <p:tgtEl>
-                                          <p:spTgt spid="210"/>
+                                          <p:spTgt spid="213"/>
                                         </p:tgtEl>
                                         <p:attrNameLst>
                                           <p:attrName>style.visibility</p:attrName>
@@ -17501,7 +17501,7 @@
                                       <p:cBhvr>
                                         <p:cTn dur="1"/>
                                         <p:tgtEl>
-                                          <p:spTgt spid="210"/>
+                                          <p:spTgt spid="213"/>
                                         </p:tgtEl>
                                       </p:cBhvr>
                                     </p:animEffect>
@@ -17522,7 +17522,7 @@
                                           </p:stCondLst>
                                         </p:cTn>
                                         <p:tgtEl>
-                                          <p:spTgt spid="211"/>
+                                          <p:spTgt spid="214"/>
                                         </p:tgtEl>
                                         <p:attrNameLst>
                                           <p:attrName>style.visibility</p:attrName>
@@ -17536,7 +17536,7 @@
                                       <p:cBhvr>
                                         <p:cTn dur="1"/>
                                         <p:tgtEl>
-                                          <p:spTgt spid="211"/>
+                                          <p:spTgt spid="214"/>
                                         </p:tgtEl>
                                       </p:cBhvr>
                                     </p:animEffect>
@@ -17579,7 +17579,7 @@
   <p:cSld>
     <p:spTree>
       <p:nvGrpSpPr>
-        <p:cNvPr id="217" name="Shape 217"/>
+        <p:cNvPr id="220" name="Shape 220"/>
         <p:cNvGrpSpPr/>
         <p:nvPr/>
       </p:nvGrpSpPr>
@@ -17593,7 +17593,7 @@
       </p:grpSpPr>
       <p:sp>
         <p:nvSpPr>
-          <p:cNvPr id="218" name="Google Shape;218;p31"/>
+          <p:cNvPr id="221" name="Google Shape;221;p31"/>
           <p:cNvSpPr txBox="1"/>
           <p:nvPr>
             <p:ph idx="1" type="body"/>
@@ -17834,7 +17834,7 @@
       </p:sp>
       <p:sp>
         <p:nvSpPr>
-          <p:cNvPr id="219" name="Google Shape;219;p31"/>
+          <p:cNvPr id="222" name="Google Shape;222;p31"/>
           <p:cNvSpPr txBox="1"/>
           <p:nvPr>
             <p:ph type="title"/>
@@ -17893,7 +17893,7 @@
       </p:sp>
       <p:sp>
         <p:nvSpPr>
-          <p:cNvPr id="220" name="Google Shape;220;p31"/>
+          <p:cNvPr id="223" name="Google Shape;223;p31"/>
           <p:cNvSpPr txBox="1"/>
           <p:nvPr/>
         </p:nvSpPr>
@@ -17945,7 +17945,7 @@
       </p:sp>
       <p:sp>
         <p:nvSpPr>
-          <p:cNvPr id="221" name="Google Shape;221;p31"/>
+          <p:cNvPr id="224" name="Google Shape;224;p31"/>
           <p:cNvSpPr txBox="1"/>
           <p:nvPr/>
         </p:nvSpPr>
@@ -17997,7 +17997,7 @@
       </p:sp>
       <p:sp>
         <p:nvSpPr>
-          <p:cNvPr id="222" name="Google Shape;222;p31"/>
+          <p:cNvPr id="225" name="Google Shape;225;p31"/>
           <p:cNvSpPr/>
           <p:nvPr/>
         </p:nvSpPr>
@@ -18107,7 +18107,7 @@
       </p:sp>
       <p:sp>
         <p:nvSpPr>
-          <p:cNvPr id="223" name="Google Shape;223;p31"/>
+          <p:cNvPr id="226" name="Google Shape;226;p31"/>
           <p:cNvSpPr/>
           <p:nvPr/>
         </p:nvSpPr>
@@ -18265,7 +18265,7 @@
       </p:sp>
       <p:sp>
         <p:nvSpPr>
-          <p:cNvPr id="224" name="Google Shape;224;p31"/>
+          <p:cNvPr id="227" name="Google Shape;227;p31"/>
           <p:cNvSpPr/>
           <p:nvPr/>
         </p:nvSpPr>
@@ -18375,7 +18375,7 @@
       </p:sp>
       <p:sp>
         <p:nvSpPr>
-          <p:cNvPr id="225" name="Google Shape;225;p31"/>
+          <p:cNvPr id="228" name="Google Shape;228;p31"/>
           <p:cNvSpPr/>
           <p:nvPr/>
         </p:nvSpPr>
@@ -18437,7 +18437,7 @@
       </p:sp>
       <p:sp>
         <p:nvSpPr>
-          <p:cNvPr id="226" name="Google Shape;226;p31"/>
+          <p:cNvPr id="229" name="Google Shape;229;p31"/>
           <p:cNvSpPr/>
           <p:nvPr/>
         </p:nvSpPr>
@@ -18494,7 +18494,7 @@
       </p:sp>
       <p:sp>
         <p:nvSpPr>
-          <p:cNvPr id="227" name="Google Shape;227;p31"/>
+          <p:cNvPr id="230" name="Google Shape;230;p31"/>
           <p:cNvSpPr/>
           <p:nvPr/>
         </p:nvSpPr>
@@ -18546,7 +18546,7 @@
       </p:sp>
       <p:sp>
         <p:nvSpPr>
-          <p:cNvPr id="228" name="Google Shape;228;p31"/>
+          <p:cNvPr id="231" name="Google Shape;231;p31"/>
           <p:cNvSpPr/>
           <p:nvPr/>
         </p:nvSpPr>
@@ -18598,7 +18598,7 @@
       </p:sp>
       <p:sp>
         <p:nvSpPr>
-          <p:cNvPr id="229" name="Google Shape;229;p31"/>
+          <p:cNvPr id="232" name="Google Shape;232;p31"/>
           <p:cNvSpPr/>
           <p:nvPr/>
         </p:nvSpPr>
@@ -18650,7 +18650,7 @@
       </p:sp>
       <p:sp>
         <p:nvSpPr>
-          <p:cNvPr id="230" name="Google Shape;230;p31"/>
+          <p:cNvPr id="233" name="Google Shape;233;p31"/>
           <p:cNvSpPr txBox="1"/>
           <p:nvPr/>
         </p:nvSpPr>
@@ -18739,7 +18739,7 @@
                                           </p:stCondLst>
                                         </p:cTn>
                                         <p:tgtEl>
-                                          <p:spTgt spid="227"/>
+                                          <p:spTgt spid="230"/>
                                         </p:tgtEl>
                                         <p:attrNameLst>
                                           <p:attrName>style.visibility</p:attrName>
@@ -18753,7 +18753,7 @@
                                       <p:cBhvr>
                                         <p:cTn dur="1"/>
                                         <p:tgtEl>
-                                          <p:spTgt spid="227"/>
+                                          <p:spTgt spid="230"/>
                                         </p:tgtEl>
                                       </p:cBhvr>
                                     </p:animEffect>
@@ -18774,7 +18774,7 @@
                                           </p:stCondLst>
                                         </p:cTn>
                                         <p:tgtEl>
-                                          <p:spTgt spid="222"/>
+                                          <p:spTgt spid="225"/>
                                         </p:tgtEl>
                                         <p:attrNameLst>
                                           <p:attrName>style.visibility</p:attrName>
@@ -18788,7 +18788,7 @@
                                       <p:cBhvr>
                                         <p:cTn dur="1"/>
                                         <p:tgtEl>
-                                          <p:spTgt spid="222"/>
+                                          <p:spTgt spid="225"/>
                                         </p:tgtEl>
                                       </p:cBhvr>
                                     </p:animEffect>
@@ -18827,7 +18827,7 @@
                                           </p:stCondLst>
                                         </p:cTn>
                                         <p:tgtEl>
-                                          <p:spTgt spid="228"/>
+                                          <p:spTgt spid="231"/>
                                         </p:tgtEl>
                                         <p:attrNameLst>
                                           <p:attrName>style.visibility</p:attrName>
@@ -18841,7 +18841,7 @@
                                       <p:cBhvr>
                                         <p:cTn dur="1"/>
                                         <p:tgtEl>
-                                          <p:spTgt spid="228"/>
+                                          <p:spTgt spid="231"/>
                                         </p:tgtEl>
                                       </p:cBhvr>
                                     </p:animEffect>
@@ -18862,7 +18862,7 @@
                                           </p:stCondLst>
                                         </p:cTn>
                                         <p:tgtEl>
-                                          <p:spTgt spid="223"/>
+                                          <p:spTgt spid="226"/>
                                         </p:tgtEl>
                                         <p:attrNameLst>
                                           <p:attrName>style.visibility</p:attrName>
@@ -18876,7 +18876,7 @@
                                       <p:cBhvr>
                                         <p:cTn dur="1"/>
                                         <p:tgtEl>
-                                          <p:spTgt spid="223"/>
+                                          <p:spTgt spid="226"/>
                                         </p:tgtEl>
                                       </p:cBhvr>
                                     </p:animEffect>
@@ -18915,7 +18915,7 @@
                                           </p:stCondLst>
                                         </p:cTn>
                                         <p:tgtEl>
-                                          <p:spTgt spid="229"/>
+                                          <p:spTgt spid="232"/>
                                         </p:tgtEl>
                                         <p:attrNameLst>
                                           <p:attrName>style.visibility</p:attrName>
@@ -18929,7 +18929,7 @@
                                       <p:cBhvr>
                                         <p:cTn dur="1"/>
                                         <p:tgtEl>
-                                          <p:spTgt spid="229"/>
+                                          <p:spTgt spid="232"/>
                                         </p:tgtEl>
                                       </p:cBhvr>
                                     </p:animEffect>
@@ -18950,7 +18950,7 @@
                                           </p:stCondLst>
                                         </p:cTn>
                                         <p:tgtEl>
-                                          <p:spTgt spid="224"/>
+                                          <p:spTgt spid="227"/>
                                         </p:tgtEl>
                                         <p:attrNameLst>
                                           <p:attrName>style.visibility</p:attrName>
@@ -18964,7 +18964,7 @@
                                       <p:cBhvr>
                                         <p:cTn dur="1"/>
                                         <p:tgtEl>
-                                          <p:spTgt spid="224"/>
+                                          <p:spTgt spid="227"/>
                                         </p:tgtEl>
                                       </p:cBhvr>
                                     </p:animEffect>
@@ -19003,7 +19003,7 @@
                                           </p:stCondLst>
                                         </p:cTn>
                                         <p:tgtEl>
-                                          <p:spTgt spid="230"/>
+                                          <p:spTgt spid="233"/>
                                         </p:tgtEl>
                                         <p:attrNameLst>
                                           <p:attrName>style.visibility</p:attrName>
@@ -19017,7 +19017,7 @@
                                       <p:cBhvr>
                                         <p:cTn dur="1000"/>
                                         <p:tgtEl>
-                                          <p:spTgt spid="230"/>
+                                          <p:spTgt spid="233"/>
                                         </p:tgtEl>
                                       </p:cBhvr>
                                     </p:animEffect>
@@ -19644,7 +19644,7 @@
   <p:cSld>
     <p:spTree>
       <p:nvGrpSpPr>
-        <p:cNvPr id="234" name="Shape 234"/>
+        <p:cNvPr id="237" name="Shape 237"/>
         <p:cNvGrpSpPr/>
         <p:nvPr/>
       </p:nvGrpSpPr>
@@ -19658,7 +19658,7 @@
       </p:grpSpPr>
       <p:sp>
         <p:nvSpPr>
-          <p:cNvPr id="235" name="Google Shape;235;p32"/>
+          <p:cNvPr id="238" name="Google Shape;238;p32"/>
           <p:cNvSpPr txBox="1"/>
           <p:nvPr>
             <p:ph type="title"/>
@@ -19708,7 +19708,7 @@
       </p:sp>
       <p:sp>
         <p:nvSpPr>
-          <p:cNvPr id="236" name="Google Shape;236;p32"/>
+          <p:cNvPr id="239" name="Google Shape;239;p32"/>
           <p:cNvSpPr txBox="1"/>
           <p:nvPr>
             <p:ph idx="1" type="body"/>
@@ -19894,7 +19894,7 @@
   <p:cSld>
     <p:spTree>
       <p:nvGrpSpPr>
-        <p:cNvPr id="240" name="Shape 240"/>
+        <p:cNvPr id="243" name="Shape 243"/>
         <p:cNvGrpSpPr/>
         <p:nvPr/>
       </p:nvGrpSpPr>
@@ -19908,7 +19908,7 @@
       </p:grpSpPr>
       <p:sp>
         <p:nvSpPr>
-          <p:cNvPr id="241" name="Google Shape;241;p33"/>
+          <p:cNvPr id="244" name="Google Shape;244;p33"/>
           <p:cNvSpPr txBox="1"/>
           <p:nvPr>
             <p:ph type="title"/>
@@ -19958,7 +19958,7 @@
       </p:sp>
       <p:sp>
         <p:nvSpPr>
-          <p:cNvPr id="242" name="Google Shape;242;p33"/>
+          <p:cNvPr id="245" name="Google Shape;245;p33"/>
           <p:cNvSpPr txBox="1"/>
           <p:nvPr>
             <p:ph idx="1" type="body"/>
@@ -20126,7 +20126,7 @@
   <p:cSld>
     <p:spTree>
       <p:nvGrpSpPr>
-        <p:cNvPr id="246" name="Shape 246"/>
+        <p:cNvPr id="249" name="Shape 249"/>
         <p:cNvGrpSpPr/>
         <p:nvPr/>
       </p:nvGrpSpPr>
@@ -20140,7 +20140,7 @@
       </p:grpSpPr>
       <p:sp>
         <p:nvSpPr>
-          <p:cNvPr id="247" name="Google Shape;247;p34"/>
+          <p:cNvPr id="250" name="Google Shape;250;p34"/>
           <p:cNvSpPr txBox="1"/>
           <p:nvPr>
             <p:ph type="title"/>
@@ -20180,7 +20180,7 @@
       </p:sp>
       <p:sp>
         <p:nvSpPr>
-          <p:cNvPr id="248" name="Google Shape;248;p34"/>
+          <p:cNvPr id="251" name="Google Shape;251;p34"/>
           <p:cNvSpPr txBox="1"/>
           <p:nvPr>
             <p:ph idx="1" type="body"/>
@@ -20219,7 +20219,7 @@
       </p:sp>
       <p:sp>
         <p:nvSpPr>
-          <p:cNvPr id="249" name="Google Shape;249;p34"/>
+          <p:cNvPr id="252" name="Google Shape;252;p34"/>
           <p:cNvSpPr/>
           <p:nvPr/>
         </p:nvSpPr>
@@ -20269,7 +20269,7 @@
       </p:sp>
       <p:sp>
         <p:nvSpPr>
-          <p:cNvPr id="250" name="Google Shape;250;p34"/>
+          <p:cNvPr id="253" name="Google Shape;253;p34"/>
           <p:cNvSpPr/>
           <p:nvPr/>
         </p:nvSpPr>
@@ -20318,7 +20318,7 @@
       </p:sp>
       <p:sp>
         <p:nvSpPr>
-          <p:cNvPr id="251" name="Google Shape;251;p34"/>
+          <p:cNvPr id="254" name="Google Shape;254;p34"/>
           <p:cNvSpPr/>
           <p:nvPr/>
         </p:nvSpPr>
@@ -20371,7 +20371,7 @@
       </p:sp>
       <p:sp>
         <p:nvSpPr>
-          <p:cNvPr id="252" name="Google Shape;252;p34"/>
+          <p:cNvPr id="255" name="Google Shape;255;p34"/>
           <p:cNvSpPr/>
           <p:nvPr/>
         </p:nvSpPr>
@@ -20424,7 +20424,7 @@
       </p:sp>
       <p:sp>
         <p:nvSpPr>
-          <p:cNvPr id="253" name="Google Shape;253;p34"/>
+          <p:cNvPr id="256" name="Google Shape;256;p34"/>
           <p:cNvSpPr/>
           <p:nvPr/>
         </p:nvSpPr>
@@ -20477,7 +20477,7 @@
       </p:sp>
       <p:sp>
         <p:nvSpPr>
-          <p:cNvPr id="254" name="Google Shape;254;p34"/>
+          <p:cNvPr id="257" name="Google Shape;257;p34"/>
           <p:cNvSpPr txBox="1"/>
           <p:nvPr/>
         </p:nvSpPr>
@@ -20519,7 +20519,7 @@
       </p:sp>
       <p:sp>
         <p:nvSpPr>
-          <p:cNvPr id="255" name="Google Shape;255;p34"/>
+          <p:cNvPr id="258" name="Google Shape;258;p34"/>
           <p:cNvSpPr/>
           <p:nvPr/>
         </p:nvSpPr>
@@ -20571,7 +20571,7 @@
       </p:sp>
       <p:sp>
         <p:nvSpPr>
-          <p:cNvPr id="256" name="Google Shape;256;p34"/>
+          <p:cNvPr id="259" name="Google Shape;259;p34"/>
           <p:cNvSpPr/>
           <p:nvPr/>
         </p:nvSpPr>
@@ -20623,7 +20623,7 @@
       </p:sp>
       <p:sp>
         <p:nvSpPr>
-          <p:cNvPr id="257" name="Google Shape;257;p34"/>
+          <p:cNvPr id="260" name="Google Shape;260;p34"/>
           <p:cNvSpPr/>
           <p:nvPr/>
         </p:nvSpPr>
@@ -20675,7 +20675,7 @@
       </p:sp>
       <p:sp>
         <p:nvSpPr>
-          <p:cNvPr id="258" name="Google Shape;258;p34"/>
+          <p:cNvPr id="261" name="Google Shape;261;p34"/>
           <p:cNvSpPr/>
           <p:nvPr/>
         </p:nvSpPr>
@@ -20724,7 +20724,7 @@
       </p:sp>
       <p:sp>
         <p:nvSpPr>
-          <p:cNvPr id="259" name="Google Shape;259;p34"/>
+          <p:cNvPr id="262" name="Google Shape;262;p34"/>
           <p:cNvSpPr/>
           <p:nvPr/>
         </p:nvSpPr>
@@ -20776,7 +20776,7 @@
       </p:sp>
       <p:sp>
         <p:nvSpPr>
-          <p:cNvPr id="260" name="Google Shape;260;p34"/>
+          <p:cNvPr id="263" name="Google Shape;263;p34"/>
           <p:cNvSpPr/>
           <p:nvPr/>
         </p:nvSpPr>
@@ -20828,7 +20828,7 @@
       </p:sp>
       <p:sp>
         <p:nvSpPr>
-          <p:cNvPr id="261" name="Google Shape;261;p34"/>
+          <p:cNvPr id="264" name="Google Shape;264;p34"/>
           <p:cNvSpPr/>
           <p:nvPr/>
         </p:nvSpPr>
@@ -20880,7 +20880,7 @@
       </p:sp>
       <p:sp>
         <p:nvSpPr>
-          <p:cNvPr id="262" name="Google Shape;262;p34"/>
+          <p:cNvPr id="265" name="Google Shape;265;p34"/>
           <p:cNvSpPr/>
           <p:nvPr/>
         </p:nvSpPr>
@@ -20932,7 +20932,7 @@
       </p:sp>
       <p:sp>
         <p:nvSpPr>
-          <p:cNvPr id="263" name="Google Shape;263;p34"/>
+          <p:cNvPr id="266" name="Google Shape;266;p34"/>
           <p:cNvSpPr/>
           <p:nvPr/>
         </p:nvSpPr>
@@ -20982,7 +20982,7 @@
       </p:sp>
       <p:cxnSp>
         <p:nvCxnSpPr>
-          <p:cNvPr id="264" name="Google Shape;264;p34"/>
+          <p:cNvPr id="267" name="Google Shape;267;p34"/>
           <p:cNvCxnSpPr/>
           <p:nvPr/>
         </p:nvCxnSpPr>
@@ -21008,7 +21008,7 @@
       </p:cxnSp>
       <p:cxnSp>
         <p:nvCxnSpPr>
-          <p:cNvPr id="265" name="Google Shape;265;p34"/>
+          <p:cNvPr id="268" name="Google Shape;268;p34"/>
           <p:cNvCxnSpPr/>
           <p:nvPr/>
         </p:nvCxnSpPr>
@@ -21034,7 +21034,7 @@
       </p:cxnSp>
       <p:cxnSp>
         <p:nvCxnSpPr>
-          <p:cNvPr id="266" name="Google Shape;266;p34"/>
+          <p:cNvPr id="269" name="Google Shape;269;p34"/>
           <p:cNvCxnSpPr/>
           <p:nvPr/>
         </p:nvCxnSpPr>
@@ -21060,7 +21060,7 @@
       </p:cxnSp>
       <p:cxnSp>
         <p:nvCxnSpPr>
-          <p:cNvPr id="267" name="Google Shape;267;p34"/>
+          <p:cNvPr id="270" name="Google Shape;270;p34"/>
           <p:cNvCxnSpPr/>
           <p:nvPr/>
         </p:nvCxnSpPr>
@@ -21086,7 +21086,7 @@
       </p:cxnSp>
       <p:cxnSp>
         <p:nvCxnSpPr>
-          <p:cNvPr id="268" name="Google Shape;268;p34"/>
+          <p:cNvPr id="271" name="Google Shape;271;p34"/>
           <p:cNvCxnSpPr/>
           <p:nvPr/>
         </p:nvCxnSpPr>
@@ -21112,7 +21112,7 @@
       </p:cxnSp>
       <p:cxnSp>
         <p:nvCxnSpPr>
-          <p:cNvPr id="269" name="Google Shape;269;p34"/>
+          <p:cNvPr id="272" name="Google Shape;272;p34"/>
           <p:cNvCxnSpPr/>
           <p:nvPr/>
         </p:nvCxnSpPr>
@@ -21138,7 +21138,7 @@
       </p:cxnSp>
       <p:sp>
         <p:nvSpPr>
-          <p:cNvPr id="270" name="Google Shape;270;p34"/>
+          <p:cNvPr id="273" name="Google Shape;273;p34"/>
           <p:cNvSpPr/>
           <p:nvPr/>
         </p:nvSpPr>
@@ -21190,7 +21190,7 @@
       </p:sp>
       <p:sp>
         <p:nvSpPr>
-          <p:cNvPr id="271" name="Google Shape;271;p34"/>
+          <p:cNvPr id="274" name="Google Shape;274;p34"/>
           <p:cNvSpPr/>
           <p:nvPr/>
         </p:nvSpPr>
@@ -21242,7 +21242,7 @@
       </p:sp>
       <p:sp>
         <p:nvSpPr>
-          <p:cNvPr id="272" name="Google Shape;272;p34"/>
+          <p:cNvPr id="275" name="Google Shape;275;p34"/>
           <p:cNvSpPr/>
           <p:nvPr/>
         </p:nvSpPr>
@@ -21294,7 +21294,7 @@
       </p:sp>
       <p:sp>
         <p:nvSpPr>
-          <p:cNvPr id="273" name="Google Shape;273;p34"/>
+          <p:cNvPr id="276" name="Google Shape;276;p34"/>
           <p:cNvSpPr txBox="1"/>
           <p:nvPr/>
         </p:nvSpPr>
@@ -21336,7 +21336,7 @@
       </p:sp>
       <p:sp>
         <p:nvSpPr>
-          <p:cNvPr id="274" name="Google Shape;274;p34"/>
+          <p:cNvPr id="277" name="Google Shape;277;p34"/>
           <p:cNvSpPr txBox="1"/>
           <p:nvPr/>
         </p:nvSpPr>
@@ -21415,7 +21415,7 @@
                                           </p:stCondLst>
                                         </p:cTn>
                                         <p:tgtEl>
-                                          <p:spTgt spid="271"/>
+                                          <p:spTgt spid="274"/>
                                         </p:tgtEl>
                                         <p:attrNameLst>
                                           <p:attrName>style.visibility</p:attrName>
@@ -21429,7 +21429,7 @@
                                       <p:cBhvr>
                                         <p:cTn dur="1"/>
                                         <p:tgtEl>
-                                          <p:spTgt spid="271"/>
+                                          <p:spTgt spid="274"/>
                                         </p:tgtEl>
                                       </p:cBhvr>
                                     </p:animEffect>
@@ -21468,7 +21468,7 @@
                                           </p:stCondLst>
                                         </p:cTn>
                                         <p:tgtEl>
-                                          <p:spTgt spid="257"/>
+                                          <p:spTgt spid="260"/>
                                         </p:tgtEl>
                                         <p:attrNameLst>
                                           <p:attrName>style.visibility</p:attrName>
@@ -21482,7 +21482,7 @@
                                       <p:cBhvr>
                                         <p:cTn dur="1000"/>
                                         <p:tgtEl>
-                                          <p:spTgt spid="257"/>
+                                          <p:spTgt spid="260"/>
                                         </p:tgtEl>
                                       </p:cBhvr>
                                     </p:animEffect>
@@ -21521,7 +21521,7 @@
                                           </p:stCondLst>
                                         </p:cTn>
                                         <p:tgtEl>
-                                          <p:spTgt spid="257"/>
+                                          <p:spTgt spid="260"/>
                                         </p:tgtEl>
                                         <p:attrNameLst>
                                           <p:attrName>style.visibility</p:attrName>
@@ -21566,7 +21566,7 @@
                                           </p:stCondLst>
                                         </p:cTn>
                                         <p:tgtEl>
-                                          <p:spTgt spid="256"/>
+                                          <p:spTgt spid="259"/>
                                         </p:tgtEl>
                                         <p:attrNameLst>
                                           <p:attrName>style.visibility</p:attrName>
@@ -21580,7 +21580,7 @@
                                       <p:cBhvr>
                                         <p:cTn dur="1200"/>
                                         <p:tgtEl>
-                                          <p:spTgt spid="256"/>
+                                          <p:spTgt spid="259"/>
                                         </p:tgtEl>
                                       </p:cBhvr>
                                     </p:animEffect>
@@ -21619,7 +21619,7 @@
                                           </p:stCondLst>
                                         </p:cTn>
                                         <p:tgtEl>
-                                          <p:spTgt spid="263"/>
+                                          <p:spTgt spid="266"/>
                                         </p:tgtEl>
                                         <p:attrNameLst>
                                           <p:attrName>style.visibility</p:attrName>
@@ -21633,7 +21633,7 @@
                                       <p:cBhvr>
                                         <p:cTn dur="1200"/>
                                         <p:tgtEl>
-                                          <p:spTgt spid="263"/>
+                                          <p:spTgt spid="266"/>
                                         </p:tgtEl>
                                       </p:cBhvr>
                                     </p:animEffect>
@@ -21672,7 +21672,7 @@
                                           </p:stCondLst>
                                         </p:cTn>
                                         <p:tgtEl>
-                                          <p:spTgt spid="270"/>
+                                          <p:spTgt spid="273"/>
                                         </p:tgtEl>
                                         <p:attrNameLst>
                                           <p:attrName>style.visibility</p:attrName>
@@ -21686,7 +21686,7 @@
                                       <p:cBhvr>
                                         <p:cTn dur="1000"/>
                                         <p:tgtEl>
-                                          <p:spTgt spid="270"/>
+                                          <p:spTgt spid="273"/>
                                         </p:tgtEl>
                                       </p:cBhvr>
                                     </p:animEffect>
@@ -21725,7 +21725,7 @@
                                           </p:stCondLst>
                                         </p:cTn>
                                         <p:tgtEl>
-                                          <p:spTgt spid="256"/>
+                                          <p:spTgt spid="259"/>
                                         </p:tgtEl>
                                         <p:attrNameLst>
                                           <p:attrName>style.visibility</p:attrName>
@@ -21770,7 +21770,7 @@
                                           </p:stCondLst>
                                         </p:cTn>
                                         <p:tgtEl>
-                                          <p:spTgt spid="255"/>
+                                          <p:spTgt spid="258"/>
                                         </p:tgtEl>
                                         <p:attrNameLst>
                                           <p:attrName>style.visibility</p:attrName>
@@ -21784,7 +21784,7 @@
                                       <p:cBhvr>
                                         <p:cTn dur="1000"/>
                                         <p:tgtEl>
-                                          <p:spTgt spid="255"/>
+                                          <p:spTgt spid="258"/>
                                         </p:tgtEl>
                                       </p:cBhvr>
                                     </p:animEffect>
@@ -21823,7 +21823,7 @@
                                           </p:stCondLst>
                                         </p:cTn>
                                         <p:tgtEl>
-                                          <p:spTgt spid="272"/>
+                                          <p:spTgt spid="275"/>
                                         </p:tgtEl>
                                         <p:attrNameLst>
                                           <p:attrName>style.visibility</p:attrName>
@@ -21837,7 +21837,7 @@
                                       <p:cBhvr>
                                         <p:cTn dur="1000"/>
                                         <p:tgtEl>
-                                          <p:spTgt spid="272"/>
+                                          <p:spTgt spid="275"/>
                                         </p:tgtEl>
                                       </p:cBhvr>
                                     </p:animEffect>
@@ -21880,7 +21880,7 @@
   <p:cSld>
     <p:spTree>
       <p:nvGrpSpPr>
-        <p:cNvPr id="278" name="Shape 278"/>
+        <p:cNvPr id="281" name="Shape 281"/>
         <p:cNvGrpSpPr/>
         <p:nvPr/>
       </p:nvGrpSpPr>
@@ -21894,7 +21894,7 @@
       </p:grpSpPr>
       <p:sp>
         <p:nvSpPr>
-          <p:cNvPr id="279" name="Google Shape;279;p35"/>
+          <p:cNvPr id="282" name="Google Shape;282;p35"/>
           <p:cNvSpPr txBox="1"/>
           <p:nvPr>
             <p:ph type="title"/>
@@ -21953,7 +21953,7 @@
       </p:sp>
       <p:sp>
         <p:nvSpPr>
-          <p:cNvPr id="280" name="Google Shape;280;p35"/>
+          <p:cNvPr id="283" name="Google Shape;283;p35"/>
           <p:cNvSpPr/>
           <p:nvPr/>
         </p:nvSpPr>
@@ -22013,7 +22013,7 @@
       </p:sp>
       <p:sp>
         <p:nvSpPr>
-          <p:cNvPr id="281" name="Google Shape;281;p35"/>
+          <p:cNvPr id="284" name="Google Shape;284;p35"/>
           <p:cNvSpPr/>
           <p:nvPr/>
         </p:nvSpPr>
@@ -22073,7 +22073,7 @@
       </p:sp>
       <p:sp>
         <p:nvSpPr>
-          <p:cNvPr id="282" name="Google Shape;282;p35"/>
+          <p:cNvPr id="285" name="Google Shape;285;p35"/>
           <p:cNvSpPr/>
           <p:nvPr/>
         </p:nvSpPr>
@@ -22133,7 +22133,7 @@
       </p:sp>
       <p:grpSp>
         <p:nvGrpSpPr>
-          <p:cNvPr id="283" name="Google Shape;283;p35"/>
+          <p:cNvPr id="286" name="Google Shape;286;p35"/>
           <p:cNvGrpSpPr/>
           <p:nvPr/>
         </p:nvGrpSpPr>
@@ -22147,7 +22147,7 @@
         </p:grpSpPr>
         <p:sp>
           <p:nvSpPr>
-            <p:cNvPr id="284" name="Google Shape;284;p35"/>
+            <p:cNvPr id="287" name="Google Shape;287;p35"/>
             <p:cNvSpPr/>
             <p:nvPr/>
           </p:nvSpPr>
@@ -22196,7 +22196,7 @@
         </p:sp>
         <p:sp>
           <p:nvSpPr>
-            <p:cNvPr id="285" name="Google Shape;285;p35"/>
+            <p:cNvPr id="288" name="Google Shape;288;p35"/>
             <p:cNvSpPr txBox="1"/>
             <p:nvPr/>
           </p:nvSpPr>
@@ -22248,7 +22248,7 @@
         </p:sp>
         <p:sp>
           <p:nvSpPr>
-            <p:cNvPr id="286" name="Google Shape;286;p35"/>
+            <p:cNvPr id="289" name="Google Shape;289;p35"/>
             <p:cNvSpPr/>
             <p:nvPr/>
           </p:nvSpPr>
@@ -22310,7 +22310,7 @@
         </p:sp>
         <p:sp>
           <p:nvSpPr>
-            <p:cNvPr id="287" name="Google Shape;287;p35"/>
+            <p:cNvPr id="290" name="Google Shape;290;p35"/>
             <p:cNvSpPr/>
             <p:nvPr/>
           </p:nvSpPr>
@@ -22373,7 +22373,7 @@
       </p:grpSp>
       <p:sp>
         <p:nvSpPr>
-          <p:cNvPr id="288" name="Google Shape;288;p35"/>
+          <p:cNvPr id="291" name="Google Shape;291;p35"/>
           <p:cNvSpPr/>
           <p:nvPr/>
         </p:nvSpPr>
@@ -22433,10 +22433,10 @@
       </p:sp>
       <p:cxnSp>
         <p:nvCxnSpPr>
-          <p:cNvPr id="289" name="Google Shape;289;p35"/>
+          <p:cNvPr id="292" name="Google Shape;292;p35"/>
           <p:cNvCxnSpPr>
-            <a:stCxn id="282" idx="2"/>
-            <a:endCxn id="280" idx="1"/>
+            <a:stCxn id="285" idx="2"/>
+            <a:endCxn id="283" idx="1"/>
           </p:cNvCxnSpPr>
           <p:nvPr/>
         </p:nvCxnSpPr>
@@ -22462,10 +22462,10 @@
       </p:cxnSp>
       <p:cxnSp>
         <p:nvCxnSpPr>
-          <p:cNvPr id="290" name="Google Shape;290;p35"/>
+          <p:cNvPr id="293" name="Google Shape;293;p35"/>
           <p:cNvCxnSpPr>
-            <a:stCxn id="280" idx="2"/>
-            <a:endCxn id="281" idx="1"/>
+            <a:stCxn id="283" idx="2"/>
+            <a:endCxn id="284" idx="1"/>
           </p:cNvCxnSpPr>
           <p:nvPr/>
         </p:nvCxnSpPr>
@@ -22491,10 +22491,10 @@
       </p:cxnSp>
       <p:cxnSp>
         <p:nvCxnSpPr>
-          <p:cNvPr id="291" name="Google Shape;291;p35"/>
+          <p:cNvPr id="294" name="Google Shape;294;p35"/>
           <p:cNvCxnSpPr>
-            <a:stCxn id="281" idx="2"/>
-            <a:endCxn id="284" idx="1"/>
+            <a:stCxn id="284" idx="2"/>
+            <a:endCxn id="287" idx="1"/>
           </p:cNvCxnSpPr>
           <p:nvPr/>
         </p:nvCxnSpPr>
@@ -22520,10 +22520,10 @@
       </p:cxnSp>
       <p:cxnSp>
         <p:nvCxnSpPr>
-          <p:cNvPr id="292" name="Google Shape;292;p35"/>
+          <p:cNvPr id="295" name="Google Shape;295;p35"/>
           <p:cNvCxnSpPr>
-            <a:stCxn id="284" idx="2"/>
-            <a:endCxn id="288" idx="1"/>
+            <a:stCxn id="287" idx="2"/>
+            <a:endCxn id="291" idx="1"/>
           </p:cNvCxnSpPr>
           <p:nvPr/>
         </p:nvCxnSpPr>
@@ -22560,7 +22560,7 @@
   <p:cSld>
     <p:spTree>
       <p:nvGrpSpPr>
-        <p:cNvPr id="296" name="Shape 296"/>
+        <p:cNvPr id="299" name="Shape 299"/>
         <p:cNvGrpSpPr/>
         <p:nvPr/>
       </p:nvGrpSpPr>
@@ -22574,7 +22574,7 @@
       </p:grpSpPr>
       <p:sp>
         <p:nvSpPr>
-          <p:cNvPr id="297" name="Google Shape;297;p36"/>
+          <p:cNvPr id="300" name="Google Shape;300;p36"/>
           <p:cNvSpPr txBox="1"/>
           <p:nvPr>
             <p:ph type="title"/>
@@ -22624,7 +22624,7 @@
       </p:sp>
       <p:sp>
         <p:nvSpPr>
-          <p:cNvPr id="298" name="Google Shape;298;p36"/>
+          <p:cNvPr id="301" name="Google Shape;301;p36"/>
           <p:cNvSpPr txBox="1"/>
           <p:nvPr>
             <p:ph idx="1" type="body"/>
@@ -23019,7 +23019,7 @@
       </p:sp>
       <p:pic>
         <p:nvPicPr>
-          <p:cNvPr id="299" name="Google Shape;299;p36"/>
+          <p:cNvPr id="302" name="Google Shape;302;p36"/>
           <p:cNvPicPr preferRelativeResize="0"/>
           <p:nvPr/>
         </p:nvPicPr>
@@ -23058,7 +23058,7 @@
   <p:cSld>
     <p:spTree>
       <p:nvGrpSpPr>
-        <p:cNvPr id="303" name="Shape 303"/>
+        <p:cNvPr id="306" name="Shape 306"/>
         <p:cNvGrpSpPr/>
         <p:nvPr/>
       </p:nvGrpSpPr>
@@ -23072,7 +23072,7 @@
       </p:grpSpPr>
       <p:sp>
         <p:nvSpPr>
-          <p:cNvPr id="304" name="Google Shape;304;p37"/>
+          <p:cNvPr id="307" name="Google Shape;307;p37"/>
           <p:cNvSpPr txBox="1"/>
           <p:nvPr>
             <p:ph type="title"/>
@@ -23127,7 +23127,7 @@
       </p:sp>
       <p:sp>
         <p:nvSpPr>
-          <p:cNvPr id="305" name="Google Shape;305;p37"/>
+          <p:cNvPr id="308" name="Google Shape;308;p37"/>
           <p:cNvSpPr txBox="1"/>
           <p:nvPr>
             <p:ph idx="1" type="body"/>
@@ -23372,7 +23372,7 @@
       </p:sp>
       <p:pic>
         <p:nvPicPr>
-          <p:cNvPr id="306" name="Google Shape;306;p37"/>
+          <p:cNvPr id="309" name="Google Shape;309;p37"/>
           <p:cNvPicPr preferRelativeResize="0"/>
           <p:nvPr/>
         </p:nvPicPr>
@@ -23411,7 +23411,7 @@
   <p:cSld>
     <p:spTree>
       <p:nvGrpSpPr>
-        <p:cNvPr id="310" name="Shape 310"/>
+        <p:cNvPr id="313" name="Shape 313"/>
         <p:cNvGrpSpPr/>
         <p:nvPr/>
       </p:nvGrpSpPr>
@@ -23425,7 +23425,7 @@
       </p:grpSpPr>
       <p:sp>
         <p:nvSpPr>
-          <p:cNvPr id="311" name="Google Shape;311;p38"/>
+          <p:cNvPr id="314" name="Google Shape;314;p38"/>
           <p:cNvSpPr txBox="1"/>
           <p:nvPr>
             <p:ph type="title"/>
@@ -23480,7 +23480,7 @@
       </p:sp>
       <p:pic>
         <p:nvPicPr>
-          <p:cNvPr id="312" name="Google Shape;312;p38"/>
+          <p:cNvPr id="315" name="Google Shape;315;p38"/>
           <p:cNvPicPr preferRelativeResize="0"/>
           <p:nvPr/>
         </p:nvPicPr>
@@ -23508,7 +23508,7 @@
       </p:pic>
       <p:pic>
         <p:nvPicPr>
-          <p:cNvPr id="313" name="Google Shape;313;p38" title="composer.mp4">
+          <p:cNvPr id="316" name="Google Shape;316;p38" title="composer.mp4">
             <a:hlinkClick r:id="rId4"/>
           </p:cNvPr>
           <p:cNvPicPr preferRelativeResize="0"/>
@@ -23549,7 +23549,7 @@
   <p:cSld>
     <p:spTree>
       <p:nvGrpSpPr>
-        <p:cNvPr id="317" name="Shape 317"/>
+        <p:cNvPr id="320" name="Shape 320"/>
         <p:cNvGrpSpPr/>
         <p:nvPr/>
       </p:nvGrpSpPr>
@@ -23563,7 +23563,7 @@
       </p:grpSpPr>
       <p:sp>
         <p:nvSpPr>
-          <p:cNvPr id="318" name="Google Shape;318;p39"/>
+          <p:cNvPr id="321" name="Google Shape;321;p39"/>
           <p:cNvSpPr txBox="1"/>
           <p:nvPr>
             <p:ph type="title"/>
@@ -23613,7 +23613,7 @@
       </p:sp>
       <p:sp>
         <p:nvSpPr>
-          <p:cNvPr id="319" name="Google Shape;319;p39"/>
+          <p:cNvPr id="322" name="Google Shape;322;p39"/>
           <p:cNvSpPr txBox="1"/>
           <p:nvPr>
             <p:ph idx="1" type="body"/>
@@ -23872,7 +23872,7 @@
       </p:sp>
       <p:pic>
         <p:nvPicPr>
-          <p:cNvPr id="320" name="Google Shape;320;p39"/>
+          <p:cNvPr id="323" name="Google Shape;323;p39"/>
           <p:cNvPicPr preferRelativeResize="0"/>
           <p:nvPr/>
         </p:nvPicPr>
@@ -23911,7 +23911,7 @@
   <p:cSld>
     <p:spTree>
       <p:nvGrpSpPr>
-        <p:cNvPr id="324" name="Shape 324"/>
+        <p:cNvPr id="327" name="Shape 327"/>
         <p:cNvGrpSpPr/>
         <p:nvPr/>
       </p:nvGrpSpPr>
@@ -23925,7 +23925,7 @@
       </p:grpSpPr>
       <p:sp>
         <p:nvSpPr>
-          <p:cNvPr id="325" name="Google Shape;325;p40"/>
+          <p:cNvPr id="328" name="Google Shape;328;p40"/>
           <p:cNvSpPr txBox="1"/>
           <p:nvPr>
             <p:ph type="title"/>
@@ -23975,7 +23975,7 @@
       </p:sp>
       <p:pic>
         <p:nvPicPr>
-          <p:cNvPr id="326" name="Google Shape;326;p40"/>
+          <p:cNvPr id="329" name="Google Shape;329;p40"/>
           <p:cNvPicPr preferRelativeResize="0"/>
           <p:nvPr/>
         </p:nvPicPr>
@@ -24003,7 +24003,7 @@
       </p:pic>
       <p:pic>
         <p:nvPicPr>
-          <p:cNvPr id="327" name="Google Shape;327;p40" title="create-project.mp4">
+          <p:cNvPr id="330" name="Google Shape;330;p40" title="create-project.mp4">
             <a:hlinkClick r:id="rId4"/>
           </p:cNvPr>
           <p:cNvPicPr preferRelativeResize="0"/>
@@ -24044,7 +24044,7 @@
   <p:cSld>
     <p:spTree>
       <p:nvGrpSpPr>
-        <p:cNvPr id="331" name="Shape 331"/>
+        <p:cNvPr id="334" name="Shape 334"/>
         <p:cNvGrpSpPr/>
         <p:nvPr/>
       </p:nvGrpSpPr>
@@ -24058,7 +24058,7 @@
       </p:grpSpPr>
       <p:sp>
         <p:nvSpPr>
-          <p:cNvPr id="332" name="Google Shape;332;p41"/>
+          <p:cNvPr id="335" name="Google Shape;335;p41"/>
           <p:cNvSpPr txBox="1"/>
           <p:nvPr>
             <p:ph type="title"/>
@@ -24117,7 +24117,7 @@
       </p:sp>
       <p:pic>
         <p:nvPicPr>
-          <p:cNvPr id="333" name="Google Shape;333;p41"/>
+          <p:cNvPr id="336" name="Google Shape;336;p41"/>
           <p:cNvPicPr preferRelativeResize="0"/>
           <p:nvPr/>
         </p:nvPicPr>
@@ -24145,9 +24145,9 @@
       </p:pic>
       <p:cxnSp>
         <p:nvCxnSpPr>
-          <p:cNvPr id="334" name="Google Shape;334;p41"/>
+          <p:cNvPr id="337" name="Google Shape;337;p41"/>
           <p:cNvCxnSpPr>
-            <a:endCxn id="335" idx="1"/>
+            <a:endCxn id="338" idx="1"/>
           </p:cNvCxnSpPr>
           <p:nvPr/>
         </p:nvCxnSpPr>
@@ -24173,9 +24173,9 @@
       </p:cxnSp>
       <p:cxnSp>
         <p:nvCxnSpPr>
-          <p:cNvPr id="336" name="Google Shape;336;p41"/>
+          <p:cNvPr id="339" name="Google Shape;339;p41"/>
           <p:cNvCxnSpPr>
-            <a:endCxn id="337" idx="1"/>
+            <a:endCxn id="340" idx="1"/>
           </p:cNvCxnSpPr>
           <p:nvPr/>
         </p:nvCxnSpPr>
@@ -24201,9 +24201,9 @@
       </p:cxnSp>
       <p:cxnSp>
         <p:nvCxnSpPr>
-          <p:cNvPr id="338" name="Google Shape;338;p41"/>
+          <p:cNvPr id="341" name="Google Shape;341;p41"/>
           <p:cNvCxnSpPr>
-            <a:endCxn id="339" idx="1"/>
+            <a:endCxn id="342" idx="1"/>
           </p:cNvCxnSpPr>
           <p:nvPr/>
         </p:nvCxnSpPr>
@@ -24229,9 +24229,9 @@
       </p:cxnSp>
       <p:cxnSp>
         <p:nvCxnSpPr>
-          <p:cNvPr id="340" name="Google Shape;340;p41"/>
+          <p:cNvPr id="343" name="Google Shape;343;p41"/>
           <p:cNvCxnSpPr>
-            <a:endCxn id="341" idx="1"/>
+            <a:endCxn id="344" idx="1"/>
           </p:cNvCxnSpPr>
           <p:nvPr/>
         </p:nvCxnSpPr>
@@ -24257,7 +24257,7 @@
       </p:cxnSp>
       <p:cxnSp>
         <p:nvCxnSpPr>
-          <p:cNvPr id="342" name="Google Shape;342;p41"/>
+          <p:cNvPr id="345" name="Google Shape;345;p41"/>
           <p:cNvCxnSpPr/>
           <p:nvPr/>
         </p:nvCxnSpPr>
@@ -24283,9 +24283,9 @@
       </p:cxnSp>
       <p:cxnSp>
         <p:nvCxnSpPr>
-          <p:cNvPr id="343" name="Google Shape;343;p41"/>
+          <p:cNvPr id="346" name="Google Shape;346;p41"/>
           <p:cNvCxnSpPr>
-            <a:endCxn id="344" idx="1"/>
+            <a:endCxn id="347" idx="1"/>
           </p:cNvCxnSpPr>
           <p:nvPr/>
         </p:nvCxnSpPr>
@@ -24311,7 +24311,7 @@
       </p:cxnSp>
       <p:sp>
         <p:nvSpPr>
-          <p:cNvPr id="335" name="Google Shape;335;p41"/>
+          <p:cNvPr id="338" name="Google Shape;338;p41"/>
           <p:cNvSpPr txBox="1"/>
           <p:nvPr/>
         </p:nvSpPr>
@@ -24372,7 +24372,7 @@
       </p:sp>
       <p:sp>
         <p:nvSpPr>
-          <p:cNvPr id="337" name="Google Shape;337;p41"/>
+          <p:cNvPr id="340" name="Google Shape;340;p41"/>
           <p:cNvSpPr txBox="1"/>
           <p:nvPr/>
         </p:nvSpPr>
@@ -24424,7 +24424,7 @@
       </p:sp>
       <p:sp>
         <p:nvSpPr>
-          <p:cNvPr id="339" name="Google Shape;339;p41"/>
+          <p:cNvPr id="342" name="Google Shape;342;p41"/>
           <p:cNvSpPr txBox="1"/>
           <p:nvPr/>
         </p:nvSpPr>
@@ -24466,110 +24466,6 @@
               <a:t>Default Model for Users</a:t>
             </a:r>
             <a:endParaRPr sz="1200">
-              <a:latin typeface="Ubuntu"/>
-              <a:ea typeface="Ubuntu"/>
-              <a:cs typeface="Ubuntu"/>
-              <a:sym typeface="Ubuntu"/>
-            </a:endParaRPr>
-          </a:p>
-        </p:txBody>
-      </p:sp>
-      <p:sp>
-        <p:nvSpPr>
-          <p:cNvPr id="341" name="Google Shape;341;p41"/>
-          <p:cNvSpPr txBox="1"/>
-          <p:nvPr/>
-        </p:nvSpPr>
-        <p:spPr>
-          <a:xfrm>
-            <a:off x="2690600" y="2696700"/>
-            <a:ext cx="5837700" cy="321600"/>
-          </a:xfrm>
-          <a:prstGeom prst="rect">
-            <a:avLst/>
-          </a:prstGeom>
-          <a:noFill/>
-          <a:ln>
-            <a:noFill/>
-          </a:ln>
-        </p:spPr>
-        <p:txBody>
-          <a:bodyPr anchorCtr="0" anchor="t" bIns="91425" lIns="91425" spcFirstLastPara="1" rIns="91425" wrap="square" tIns="91425">
-            <a:noAutofit/>
-          </a:bodyPr>
-          <a:lstStyle/>
-          <a:p>
-            <a:pPr indent="0" lvl="0" marL="0" rtl="0" algn="l">
-              <a:spcBef>
-                <a:spcPts val="0"/>
-              </a:spcBef>
-              <a:spcAft>
-                <a:spcPts val="0"/>
-              </a:spcAft>
-              <a:buNone/>
-            </a:pPr>
-            <a:r>
-              <a:rPr lang="en" sz="1200">
-                <a:latin typeface="Ubuntu"/>
-                <a:ea typeface="Ubuntu"/>
-                <a:cs typeface="Ubuntu"/>
-                <a:sym typeface="Ubuntu"/>
-              </a:rPr>
-              <a:t>Entry point of our application</a:t>
-            </a:r>
-            <a:endParaRPr sz="1200">
-              <a:latin typeface="Ubuntu"/>
-              <a:ea typeface="Ubuntu"/>
-              <a:cs typeface="Ubuntu"/>
-              <a:sym typeface="Ubuntu"/>
-            </a:endParaRPr>
-          </a:p>
-        </p:txBody>
-      </p:sp>
-      <p:sp>
-        <p:nvSpPr>
-          <p:cNvPr id="345" name="Google Shape;345;p41"/>
-          <p:cNvSpPr txBox="1"/>
-          <p:nvPr/>
-        </p:nvSpPr>
-        <p:spPr>
-          <a:xfrm>
-            <a:off x="2729450" y="3467275"/>
-            <a:ext cx="3234000" cy="321600"/>
-          </a:xfrm>
-          <a:prstGeom prst="rect">
-            <a:avLst/>
-          </a:prstGeom>
-          <a:noFill/>
-          <a:ln>
-            <a:noFill/>
-          </a:ln>
-        </p:spPr>
-        <p:txBody>
-          <a:bodyPr anchorCtr="0" anchor="t" bIns="91425" lIns="91425" spcFirstLastPara="1" rIns="91425" wrap="square" tIns="91425">
-            <a:noAutofit/>
-          </a:bodyPr>
-          <a:lstStyle/>
-          <a:p>
-            <a:pPr indent="0" lvl="0" marL="0" rtl="0" algn="l">
-              <a:spcBef>
-                <a:spcPts val="0"/>
-              </a:spcBef>
-              <a:spcAft>
-                <a:spcPts val="0"/>
-              </a:spcAft>
-              <a:buNone/>
-            </a:pPr>
-            <a:r>
-              <a:rPr b="1" lang="en" sz="1200">
-                <a:latin typeface="Ubuntu"/>
-                <a:ea typeface="Ubuntu"/>
-                <a:cs typeface="Ubuntu"/>
-                <a:sym typeface="Ubuntu"/>
-              </a:rPr>
-              <a:t>Views</a:t>
-            </a:r>
-            <a:endParaRPr b="1" sz="1200">
               <a:latin typeface="Ubuntu"/>
               <a:ea typeface="Ubuntu"/>
               <a:cs typeface="Ubuntu"/>
@@ -24586,8 +24482,8 @@
         </p:nvSpPr>
         <p:spPr>
           <a:xfrm>
-            <a:off x="2725175" y="4237850"/>
-            <a:ext cx="3234000" cy="321600"/>
+            <a:off x="2690600" y="2696700"/>
+            <a:ext cx="5837700" cy="321600"/>
           </a:xfrm>
           <a:prstGeom prst="rect">
             <a:avLst/>
@@ -24619,7 +24515,7 @@
                 <a:cs typeface="Ubuntu"/>
                 <a:sym typeface="Ubuntu"/>
               </a:rPr>
-              <a:t>Environment variables of our application</a:t>
+              <a:t>Entry point of our application</a:t>
             </a:r>
             <a:endParaRPr sz="1200">
               <a:latin typeface="Ubuntu"/>
@@ -24632,7 +24528,111 @@
       </p:sp>
       <p:sp>
         <p:nvSpPr>
-          <p:cNvPr id="346" name="Google Shape;346;p41"/>
+          <p:cNvPr id="348" name="Google Shape;348;p41"/>
+          <p:cNvSpPr txBox="1"/>
+          <p:nvPr/>
+        </p:nvSpPr>
+        <p:spPr>
+          <a:xfrm>
+            <a:off x="2729450" y="3467275"/>
+            <a:ext cx="3234000" cy="321600"/>
+          </a:xfrm>
+          <a:prstGeom prst="rect">
+            <a:avLst/>
+          </a:prstGeom>
+          <a:noFill/>
+          <a:ln>
+            <a:noFill/>
+          </a:ln>
+        </p:spPr>
+        <p:txBody>
+          <a:bodyPr anchorCtr="0" anchor="t" bIns="91425" lIns="91425" spcFirstLastPara="1" rIns="91425" wrap="square" tIns="91425">
+            <a:noAutofit/>
+          </a:bodyPr>
+          <a:lstStyle/>
+          <a:p>
+            <a:pPr indent="0" lvl="0" marL="0" rtl="0" algn="l">
+              <a:spcBef>
+                <a:spcPts val="0"/>
+              </a:spcBef>
+              <a:spcAft>
+                <a:spcPts val="0"/>
+              </a:spcAft>
+              <a:buNone/>
+            </a:pPr>
+            <a:r>
+              <a:rPr b="1" lang="en" sz="1200">
+                <a:latin typeface="Ubuntu"/>
+                <a:ea typeface="Ubuntu"/>
+                <a:cs typeface="Ubuntu"/>
+                <a:sym typeface="Ubuntu"/>
+              </a:rPr>
+              <a:t>Views</a:t>
+            </a:r>
+            <a:endParaRPr b="1" sz="1200">
+              <a:latin typeface="Ubuntu"/>
+              <a:ea typeface="Ubuntu"/>
+              <a:cs typeface="Ubuntu"/>
+              <a:sym typeface="Ubuntu"/>
+            </a:endParaRPr>
+          </a:p>
+        </p:txBody>
+      </p:sp>
+      <p:sp>
+        <p:nvSpPr>
+          <p:cNvPr id="347" name="Google Shape;347;p41"/>
+          <p:cNvSpPr txBox="1"/>
+          <p:nvPr/>
+        </p:nvSpPr>
+        <p:spPr>
+          <a:xfrm>
+            <a:off x="2725175" y="4237850"/>
+            <a:ext cx="3234000" cy="321600"/>
+          </a:xfrm>
+          <a:prstGeom prst="rect">
+            <a:avLst/>
+          </a:prstGeom>
+          <a:noFill/>
+          <a:ln>
+            <a:noFill/>
+          </a:ln>
+        </p:spPr>
+        <p:txBody>
+          <a:bodyPr anchorCtr="0" anchor="t" bIns="91425" lIns="91425" spcFirstLastPara="1" rIns="91425" wrap="square" tIns="91425">
+            <a:noAutofit/>
+          </a:bodyPr>
+          <a:lstStyle/>
+          <a:p>
+            <a:pPr indent="0" lvl="0" marL="0" rtl="0" algn="l">
+              <a:spcBef>
+                <a:spcPts val="0"/>
+              </a:spcBef>
+              <a:spcAft>
+                <a:spcPts val="0"/>
+              </a:spcAft>
+              <a:buNone/>
+            </a:pPr>
+            <a:r>
+              <a:rPr lang="en" sz="1200">
+                <a:latin typeface="Ubuntu"/>
+                <a:ea typeface="Ubuntu"/>
+                <a:cs typeface="Ubuntu"/>
+                <a:sym typeface="Ubuntu"/>
+              </a:rPr>
+              <a:t>Environment variables of our application</a:t>
+            </a:r>
+            <a:endParaRPr sz="1200">
+              <a:latin typeface="Ubuntu"/>
+              <a:ea typeface="Ubuntu"/>
+              <a:cs typeface="Ubuntu"/>
+              <a:sym typeface="Ubuntu"/>
+            </a:endParaRPr>
+          </a:p>
+        </p:txBody>
+      </p:sp>
+      <p:sp>
+        <p:nvSpPr>
+          <p:cNvPr id="349" name="Google Shape;349;p41"/>
           <p:cNvSpPr/>
           <p:nvPr/>
         </p:nvSpPr>
@@ -24679,7 +24679,7 @@
       </p:sp>
       <p:sp>
         <p:nvSpPr>
-          <p:cNvPr id="347" name="Google Shape;347;p41"/>
+          <p:cNvPr id="350" name="Google Shape;350;p41"/>
           <p:cNvSpPr/>
           <p:nvPr/>
         </p:nvSpPr>
@@ -24726,7 +24726,7 @@
       </p:sp>
       <p:sp>
         <p:nvSpPr>
-          <p:cNvPr id="348" name="Google Shape;348;p41"/>
+          <p:cNvPr id="351" name="Google Shape;351;p41"/>
           <p:cNvSpPr/>
           <p:nvPr/>
         </p:nvSpPr>
@@ -24773,7 +24773,7 @@
       </p:sp>
       <p:sp>
         <p:nvSpPr>
-          <p:cNvPr id="349" name="Google Shape;349;p41"/>
+          <p:cNvPr id="352" name="Google Shape;352;p41"/>
           <p:cNvSpPr/>
           <p:nvPr/>
         </p:nvSpPr>
@@ -24820,7 +24820,7 @@
       </p:sp>
       <p:sp>
         <p:nvSpPr>
-          <p:cNvPr id="350" name="Google Shape;350;p41"/>
+          <p:cNvPr id="353" name="Google Shape;353;p41"/>
           <p:cNvSpPr/>
           <p:nvPr/>
         </p:nvSpPr>
@@ -24867,7 +24867,7 @@
       </p:sp>
       <p:sp>
         <p:nvSpPr>
-          <p:cNvPr id="351" name="Google Shape;351;p41"/>
+          <p:cNvPr id="354" name="Google Shape;354;p41"/>
           <p:cNvSpPr/>
           <p:nvPr/>
         </p:nvSpPr>
@@ -24914,7 +24914,7 @@
       </p:sp>
       <p:cxnSp>
         <p:nvCxnSpPr>
-          <p:cNvPr id="352" name="Google Shape;352;p41"/>
+          <p:cNvPr id="355" name="Google Shape;355;p41"/>
           <p:cNvCxnSpPr/>
           <p:nvPr/>
         </p:nvCxnSpPr>
@@ -24940,7 +24940,7 @@
       </p:cxnSp>
       <p:sp>
         <p:nvSpPr>
-          <p:cNvPr id="353" name="Google Shape;353;p41"/>
+          <p:cNvPr id="356" name="Google Shape;356;p41"/>
           <p:cNvSpPr/>
           <p:nvPr/>
         </p:nvSpPr>
@@ -24987,7 +24987,7 @@
       </p:sp>
       <p:sp>
         <p:nvSpPr>
-          <p:cNvPr id="354" name="Google Shape;354;p41"/>
+          <p:cNvPr id="357" name="Google Shape;357;p41"/>
           <p:cNvSpPr txBox="1"/>
           <p:nvPr/>
         </p:nvSpPr>
@@ -25139,6 +25139,147 @@
           </a:p>
         </p:txBody>
       </p:sp>
+      <p:pic>
+        <p:nvPicPr>
+          <p:cNvPr id="70" name="Google Shape;70;p15"/>
+          <p:cNvPicPr preferRelativeResize="0"/>
+          <p:nvPr/>
+        </p:nvPicPr>
+        <p:blipFill>
+          <a:blip r:embed="rId3">
+            <a:alphaModFix/>
+          </a:blip>
+          <a:stretch>
+            <a:fillRect/>
+          </a:stretch>
+        </p:blipFill>
+        <p:spPr>
+          <a:xfrm>
+            <a:off x="1525825" y="4088125"/>
+            <a:ext cx="434975" cy="434975"/>
+          </a:xfrm>
+          <a:prstGeom prst="rect">
+            <a:avLst/>
+          </a:prstGeom>
+          <a:noFill/>
+          <a:ln>
+            <a:noFill/>
+          </a:ln>
+        </p:spPr>
+      </p:pic>
+      <p:sp>
+        <p:nvSpPr>
+          <p:cNvPr id="71" name="Google Shape;71;p15"/>
+          <p:cNvSpPr txBox="1"/>
+          <p:nvPr/>
+        </p:nvSpPr>
+        <p:spPr>
+          <a:xfrm>
+            <a:off x="2035700" y="4084215"/>
+            <a:ext cx="6549300" cy="480600"/>
+          </a:xfrm>
+          <a:prstGeom prst="rect">
+            <a:avLst/>
+          </a:prstGeom>
+          <a:noFill/>
+          <a:ln>
+            <a:noFill/>
+          </a:ln>
+        </p:spPr>
+        <p:txBody>
+          <a:bodyPr anchorCtr="0" anchor="t" bIns="91425" lIns="91425" spcFirstLastPara="1" rIns="91425" wrap="square" tIns="91425">
+            <a:noAutofit/>
+          </a:bodyPr>
+          <a:lstStyle/>
+          <a:p>
+            <a:pPr indent="0" lvl="0" marL="0" rtl="0" algn="l">
+              <a:spcBef>
+                <a:spcPts val="0"/>
+              </a:spcBef>
+              <a:spcAft>
+                <a:spcPts val="0"/>
+              </a:spcAft>
+              <a:buNone/>
+            </a:pPr>
+            <a:r>
+              <a:rPr lang="en" sz="1800">
+                <a:latin typeface="Ubuntu"/>
+                <a:ea typeface="Ubuntu"/>
+                <a:cs typeface="Ubuntu"/>
+                <a:sym typeface="Ubuntu"/>
+              </a:rPr>
+              <a:t>https://github.com/</a:t>
+            </a:r>
+            <a:r>
+              <a:rPr b="1" lang="en" sz="1800">
+                <a:latin typeface="Ubuntu"/>
+                <a:ea typeface="Ubuntu"/>
+                <a:cs typeface="Ubuntu"/>
+                <a:sym typeface="Ubuntu"/>
+              </a:rPr>
+              <a:t>juancarmo/laravel-workshop-blog</a:t>
+            </a:r>
+            <a:endParaRPr b="1" sz="1800">
+              <a:latin typeface="Ubuntu"/>
+              <a:ea typeface="Ubuntu"/>
+              <a:cs typeface="Ubuntu"/>
+              <a:sym typeface="Ubuntu"/>
+            </a:endParaRPr>
+          </a:p>
+        </p:txBody>
+      </p:sp>
+      <p:sp>
+        <p:nvSpPr>
+          <p:cNvPr id="72" name="Google Shape;72;p15"/>
+          <p:cNvSpPr txBox="1"/>
+          <p:nvPr/>
+        </p:nvSpPr>
+        <p:spPr>
+          <a:xfrm>
+            <a:off x="467200" y="3515775"/>
+            <a:ext cx="2035800" cy="400500"/>
+          </a:xfrm>
+          <a:prstGeom prst="rect">
+            <a:avLst/>
+          </a:prstGeom>
+          <a:noFill/>
+          <a:ln>
+            <a:noFill/>
+          </a:ln>
+        </p:spPr>
+        <p:txBody>
+          <a:bodyPr anchorCtr="0" anchor="t" bIns="91425" lIns="91425" spcFirstLastPara="1" rIns="91425" wrap="square" tIns="91425">
+            <a:noAutofit/>
+          </a:bodyPr>
+          <a:lstStyle/>
+          <a:p>
+            <a:pPr indent="0" lvl="0" marL="0" rtl="0" algn="l">
+              <a:spcBef>
+                <a:spcPts val="0"/>
+              </a:spcBef>
+              <a:spcAft>
+                <a:spcPts val="0"/>
+              </a:spcAft>
+              <a:buNone/>
+            </a:pPr>
+            <a:r>
+              <a:rPr lang="en" sz="1800">
+                <a:latin typeface="Ubuntu"/>
+                <a:ea typeface="Ubuntu"/>
+                <a:cs typeface="Ubuntu"/>
+                <a:sym typeface="Ubuntu"/>
+              </a:rPr>
+              <a:t>By the way ...</a:t>
+            </a:r>
+            <a:endParaRPr sz="1800">
+              <a:latin typeface="Ubuntu"/>
+              <a:ea typeface="Ubuntu"/>
+              <a:cs typeface="Ubuntu"/>
+              <a:sym typeface="Ubuntu"/>
+            </a:endParaRPr>
+          </a:p>
+        </p:txBody>
+      </p:sp>
     </p:spTree>
   </p:cSld>
   <p:clrMapOvr>
@@ -25152,7 +25293,7 @@
   <p:cSld>
     <p:spTree>
       <p:nvGrpSpPr>
-        <p:cNvPr id="358" name="Shape 358"/>
+        <p:cNvPr id="361" name="Shape 361"/>
         <p:cNvGrpSpPr/>
         <p:nvPr/>
       </p:nvGrpSpPr>
@@ -25166,7 +25307,7 @@
       </p:grpSpPr>
       <p:sp>
         <p:nvSpPr>
-          <p:cNvPr id="359" name="Google Shape;359;p42"/>
+          <p:cNvPr id="362" name="Google Shape;362;p42"/>
           <p:cNvSpPr txBox="1"/>
           <p:nvPr>
             <p:ph type="title"/>
@@ -25225,7 +25366,7 @@
       </p:sp>
       <p:sp>
         <p:nvSpPr>
-          <p:cNvPr id="360" name="Google Shape;360;p42"/>
+          <p:cNvPr id="363" name="Google Shape;363;p42"/>
           <p:cNvSpPr txBox="1"/>
           <p:nvPr>
             <p:ph idx="1" type="body"/>
@@ -25731,7 +25872,7 @@
   <p:cSld>
     <p:spTree>
       <p:nvGrpSpPr>
-        <p:cNvPr id="364" name="Shape 364"/>
+        <p:cNvPr id="367" name="Shape 367"/>
         <p:cNvGrpSpPr/>
         <p:nvPr/>
       </p:nvGrpSpPr>
@@ -25745,7 +25886,7 @@
       </p:grpSpPr>
       <p:sp>
         <p:nvSpPr>
-          <p:cNvPr id="365" name="Google Shape;365;p43"/>
+          <p:cNvPr id="368" name="Google Shape;368;p43"/>
           <p:cNvSpPr txBox="1"/>
           <p:nvPr>
             <p:ph type="title"/>
@@ -25795,7 +25936,7 @@
       </p:sp>
       <p:sp>
         <p:nvSpPr>
-          <p:cNvPr id="366" name="Google Shape;366;p43"/>
+          <p:cNvPr id="369" name="Google Shape;369;p43"/>
           <p:cNvSpPr txBox="1"/>
           <p:nvPr>
             <p:ph idx="1" type="body"/>
@@ -26142,7 +26283,7 @@
   <p:cSld>
     <p:spTree>
       <p:nvGrpSpPr>
-        <p:cNvPr id="370" name="Shape 370"/>
+        <p:cNvPr id="373" name="Shape 373"/>
         <p:cNvGrpSpPr/>
         <p:nvPr/>
       </p:nvGrpSpPr>
@@ -26156,7 +26297,7 @@
       </p:grpSpPr>
       <p:sp>
         <p:nvSpPr>
-          <p:cNvPr id="371" name="Google Shape;371;p44"/>
+          <p:cNvPr id="374" name="Google Shape;374;p44"/>
           <p:cNvSpPr txBox="1"/>
           <p:nvPr>
             <p:ph type="title"/>
@@ -26215,7 +26356,7 @@
       </p:sp>
       <p:sp>
         <p:nvSpPr>
-          <p:cNvPr id="372" name="Google Shape;372;p44"/>
+          <p:cNvPr id="375" name="Google Shape;375;p44"/>
           <p:cNvSpPr txBox="1"/>
           <p:nvPr/>
         </p:nvSpPr>
@@ -26452,7 +26593,7 @@
       </p:sp>
       <p:sp>
         <p:nvSpPr>
-          <p:cNvPr id="373" name="Google Shape;373;p44"/>
+          <p:cNvPr id="376" name="Google Shape;376;p44"/>
           <p:cNvSpPr txBox="1"/>
           <p:nvPr/>
         </p:nvSpPr>
@@ -26541,7 +26682,7 @@
                                           </p:stCondLst>
                                         </p:cTn>
                                         <p:tgtEl>
-                                          <p:spTgt spid="373"/>
+                                          <p:spTgt spid="376"/>
                                         </p:tgtEl>
                                         <p:attrNameLst>
                                           <p:attrName>style.visibility</p:attrName>
@@ -26555,7 +26696,7 @@
                                       <p:cBhvr>
                                         <p:cTn dur="1000"/>
                                         <p:tgtEl>
-                                          <p:spTgt spid="373"/>
+                                          <p:spTgt spid="376"/>
                                         </p:tgtEl>
                                       </p:cBhvr>
                                     </p:animEffect>
@@ -26598,7 +26739,7 @@
   <p:cSld>
     <p:spTree>
       <p:nvGrpSpPr>
-        <p:cNvPr id="377" name="Shape 377"/>
+        <p:cNvPr id="380" name="Shape 380"/>
         <p:cNvGrpSpPr/>
         <p:nvPr/>
       </p:nvGrpSpPr>
@@ -26612,7 +26753,7 @@
       </p:grpSpPr>
       <p:sp>
         <p:nvSpPr>
-          <p:cNvPr id="378" name="Google Shape;378;p45"/>
+          <p:cNvPr id="381" name="Google Shape;381;p45"/>
           <p:cNvSpPr txBox="1"/>
           <p:nvPr>
             <p:ph type="title"/>
@@ -26671,7 +26812,7 @@
       </p:sp>
       <p:sp>
         <p:nvSpPr>
-          <p:cNvPr id="379" name="Google Shape;379;p45"/>
+          <p:cNvPr id="382" name="Google Shape;382;p45"/>
           <p:cNvSpPr txBox="1"/>
           <p:nvPr>
             <p:ph idx="1" type="body"/>
@@ -27075,7 +27216,7 @@
   <p:cSld>
     <p:spTree>
       <p:nvGrpSpPr>
-        <p:cNvPr id="383" name="Shape 383"/>
+        <p:cNvPr id="386" name="Shape 386"/>
         <p:cNvGrpSpPr/>
         <p:nvPr/>
       </p:nvGrpSpPr>
@@ -27089,7 +27230,7 @@
       </p:grpSpPr>
       <p:sp>
         <p:nvSpPr>
-          <p:cNvPr id="384" name="Google Shape;384;p46"/>
+          <p:cNvPr id="387" name="Google Shape;387;p46"/>
           <p:cNvSpPr txBox="1"/>
           <p:nvPr>
             <p:ph type="title"/>
@@ -27136,613 +27277,6 @@
                 <a:sym typeface="Ubuntu"/>
               </a:rPr>
               <a:t>- Definicion de DB</a:t>
-            </a:r>
-            <a:endParaRPr>
-              <a:latin typeface="Ubuntu"/>
-              <a:ea typeface="Ubuntu"/>
-              <a:cs typeface="Ubuntu"/>
-              <a:sym typeface="Ubuntu"/>
-            </a:endParaRPr>
-          </a:p>
-        </p:txBody>
-      </p:sp>
-      <p:sp>
-        <p:nvSpPr>
-          <p:cNvPr id="385" name="Google Shape;385;p46"/>
-          <p:cNvSpPr txBox="1"/>
-          <p:nvPr>
-            <p:ph idx="1" type="body"/>
-          </p:nvPr>
-        </p:nvSpPr>
-        <p:spPr>
-          <a:xfrm>
-            <a:off x="311700" y="859500"/>
-            <a:ext cx="8520600" cy="687000"/>
-          </a:xfrm>
-          <a:prstGeom prst="rect">
-            <a:avLst/>
-          </a:prstGeom>
-        </p:spPr>
-        <p:txBody>
-          <a:bodyPr anchorCtr="0" anchor="t" bIns="91425" lIns="91425" spcFirstLastPara="1" rIns="91425" wrap="square" tIns="91425">
-            <a:noAutofit/>
-          </a:bodyPr>
-          <a:lstStyle/>
-          <a:p>
-            <a:pPr indent="0" lvl="0" marL="0" rtl="0" algn="l">
-              <a:lnSpc>
-                <a:spcPct val="100000"/>
-              </a:lnSpc>
-              <a:spcBef>
-                <a:spcPts val="1000"/>
-              </a:spcBef>
-              <a:spcAft>
-                <a:spcPts val="0"/>
-              </a:spcAft>
-              <a:buNone/>
-            </a:pPr>
-            <a:r>
-              <a:rPr b="1" lang="en">
-                <a:latin typeface="Ubuntu"/>
-                <a:ea typeface="Ubuntu"/>
-                <a:cs typeface="Ubuntu"/>
-                <a:sym typeface="Ubuntu"/>
-              </a:rPr>
-              <a:t>DB Tables for our application</a:t>
-            </a:r>
-            <a:endParaRPr b="1">
-              <a:latin typeface="Ubuntu"/>
-              <a:ea typeface="Ubuntu"/>
-              <a:cs typeface="Ubuntu"/>
-              <a:sym typeface="Ubuntu"/>
-            </a:endParaRPr>
-          </a:p>
-          <a:p>
-            <a:pPr indent="0" lvl="0" marL="0" rtl="0" algn="l">
-              <a:lnSpc>
-                <a:spcPct val="100000"/>
-              </a:lnSpc>
-              <a:spcBef>
-                <a:spcPts val="1000"/>
-              </a:spcBef>
-              <a:spcAft>
-                <a:spcPts val="0"/>
-              </a:spcAft>
-              <a:buNone/>
-            </a:pPr>
-            <a:r>
-              <a:t/>
-            </a:r>
-            <a:endParaRPr>
-              <a:latin typeface="Ubuntu"/>
-              <a:ea typeface="Ubuntu"/>
-              <a:cs typeface="Ubuntu"/>
-              <a:sym typeface="Ubuntu"/>
-            </a:endParaRPr>
-          </a:p>
-        </p:txBody>
-      </p:sp>
-      <p:sp>
-        <p:nvSpPr>
-          <p:cNvPr id="386" name="Google Shape;386;p46"/>
-          <p:cNvSpPr txBox="1"/>
-          <p:nvPr/>
-        </p:nvSpPr>
-        <p:spPr>
-          <a:xfrm>
-            <a:off x="441550" y="1501300"/>
-            <a:ext cx="3128700" cy="2094300"/>
-          </a:xfrm>
-          <a:prstGeom prst="rect">
-            <a:avLst/>
-          </a:prstGeom>
-          <a:noFill/>
-          <a:ln>
-            <a:noFill/>
-          </a:ln>
-        </p:spPr>
-        <p:txBody>
-          <a:bodyPr anchorCtr="0" anchor="t" bIns="91425" lIns="91425" spcFirstLastPara="1" rIns="91425" wrap="square" tIns="91425">
-            <a:noAutofit/>
-          </a:bodyPr>
-          <a:lstStyle/>
-          <a:p>
-            <a:pPr indent="0" lvl="0" marL="0" rtl="0" algn="l">
-              <a:spcBef>
-                <a:spcPts val="1000"/>
-              </a:spcBef>
-              <a:spcAft>
-                <a:spcPts val="0"/>
-              </a:spcAft>
-              <a:buClr>
-                <a:schemeClr val="dk1"/>
-              </a:buClr>
-              <a:buSzPts val="1100"/>
-              <a:buFont typeface="Arial"/>
-              <a:buNone/>
-            </a:pPr>
-            <a:r>
-              <a:rPr lang="en" sz="1800">
-                <a:solidFill>
-                  <a:schemeClr val="dk2"/>
-                </a:solidFill>
-                <a:latin typeface="Ubuntu"/>
-                <a:ea typeface="Ubuntu"/>
-                <a:cs typeface="Ubuntu"/>
-                <a:sym typeface="Ubuntu"/>
-              </a:rPr>
-              <a:t>Posts</a:t>
-            </a:r>
-            <a:endParaRPr sz="1800">
-              <a:solidFill>
-                <a:schemeClr val="dk2"/>
-              </a:solidFill>
-              <a:latin typeface="Ubuntu"/>
-              <a:ea typeface="Ubuntu"/>
-              <a:cs typeface="Ubuntu"/>
-              <a:sym typeface="Ubuntu"/>
-            </a:endParaRPr>
-          </a:p>
-          <a:p>
-            <a:pPr indent="-342900" lvl="0" marL="457200" rtl="0" algn="l">
-              <a:spcBef>
-                <a:spcPts val="1000"/>
-              </a:spcBef>
-              <a:spcAft>
-                <a:spcPts val="0"/>
-              </a:spcAft>
-              <a:buClr>
-                <a:schemeClr val="dk2"/>
-              </a:buClr>
-              <a:buSzPts val="1800"/>
-              <a:buFont typeface="Ubuntu"/>
-              <a:buChar char="-"/>
-            </a:pPr>
-            <a:r>
-              <a:rPr lang="en" sz="1800">
-                <a:solidFill>
-                  <a:schemeClr val="dk2"/>
-                </a:solidFill>
-                <a:latin typeface="Ubuntu"/>
-                <a:ea typeface="Ubuntu"/>
-                <a:cs typeface="Ubuntu"/>
-                <a:sym typeface="Ubuntu"/>
-              </a:rPr>
-              <a:t>id</a:t>
-            </a:r>
-            <a:endParaRPr sz="1800">
-              <a:solidFill>
-                <a:schemeClr val="dk2"/>
-              </a:solidFill>
-              <a:latin typeface="Ubuntu"/>
-              <a:ea typeface="Ubuntu"/>
-              <a:cs typeface="Ubuntu"/>
-              <a:sym typeface="Ubuntu"/>
-            </a:endParaRPr>
-          </a:p>
-          <a:p>
-            <a:pPr indent="-342900" lvl="0" marL="457200" rtl="0" algn="l">
-              <a:spcBef>
-                <a:spcPts val="0"/>
-              </a:spcBef>
-              <a:spcAft>
-                <a:spcPts val="0"/>
-              </a:spcAft>
-              <a:buClr>
-                <a:schemeClr val="dk2"/>
-              </a:buClr>
-              <a:buSzPts val="1800"/>
-              <a:buFont typeface="Ubuntu"/>
-              <a:buChar char="-"/>
-            </a:pPr>
-            <a:r>
-              <a:rPr lang="en" sz="1800">
-                <a:solidFill>
-                  <a:schemeClr val="dk2"/>
-                </a:solidFill>
-                <a:latin typeface="Ubuntu"/>
-                <a:ea typeface="Ubuntu"/>
-                <a:cs typeface="Ubuntu"/>
-                <a:sym typeface="Ubuntu"/>
-              </a:rPr>
-              <a:t>title</a:t>
-            </a:r>
-            <a:endParaRPr sz="1800">
-              <a:solidFill>
-                <a:schemeClr val="dk2"/>
-              </a:solidFill>
-              <a:latin typeface="Ubuntu"/>
-              <a:ea typeface="Ubuntu"/>
-              <a:cs typeface="Ubuntu"/>
-              <a:sym typeface="Ubuntu"/>
-            </a:endParaRPr>
-          </a:p>
-          <a:p>
-            <a:pPr indent="-342900" lvl="0" marL="457200" rtl="0" algn="l">
-              <a:spcBef>
-                <a:spcPts val="0"/>
-              </a:spcBef>
-              <a:spcAft>
-                <a:spcPts val="0"/>
-              </a:spcAft>
-              <a:buClr>
-                <a:schemeClr val="dk2"/>
-              </a:buClr>
-              <a:buSzPts val="1800"/>
-              <a:buFont typeface="Ubuntu"/>
-              <a:buChar char="-"/>
-            </a:pPr>
-            <a:r>
-              <a:rPr lang="en" sz="1800">
-                <a:solidFill>
-                  <a:schemeClr val="dk2"/>
-                </a:solidFill>
-                <a:latin typeface="Ubuntu"/>
-                <a:ea typeface="Ubuntu"/>
-                <a:cs typeface="Ubuntu"/>
-                <a:sym typeface="Ubuntu"/>
-              </a:rPr>
-              <a:t>body</a:t>
-            </a:r>
-            <a:endParaRPr sz="1800">
-              <a:solidFill>
-                <a:schemeClr val="dk2"/>
-              </a:solidFill>
-              <a:latin typeface="Ubuntu"/>
-              <a:ea typeface="Ubuntu"/>
-              <a:cs typeface="Ubuntu"/>
-              <a:sym typeface="Ubuntu"/>
-            </a:endParaRPr>
-          </a:p>
-          <a:p>
-            <a:pPr indent="-342900" lvl="0" marL="457200" rtl="0" algn="l">
-              <a:spcBef>
-                <a:spcPts val="0"/>
-              </a:spcBef>
-              <a:spcAft>
-                <a:spcPts val="0"/>
-              </a:spcAft>
-              <a:buClr>
-                <a:schemeClr val="dk2"/>
-              </a:buClr>
-              <a:buSzPts val="1800"/>
-              <a:buFont typeface="Ubuntu"/>
-              <a:buChar char="-"/>
-            </a:pPr>
-            <a:r>
-              <a:rPr lang="en" sz="1800">
-                <a:solidFill>
-                  <a:schemeClr val="dk2"/>
-                </a:solidFill>
-                <a:latin typeface="Ubuntu"/>
-                <a:ea typeface="Ubuntu"/>
-                <a:cs typeface="Ubuntu"/>
-                <a:sym typeface="Ubuntu"/>
-              </a:rPr>
-              <a:t>created_at</a:t>
-            </a:r>
-            <a:endParaRPr sz="1800">
-              <a:solidFill>
-                <a:schemeClr val="dk2"/>
-              </a:solidFill>
-              <a:latin typeface="Ubuntu"/>
-              <a:ea typeface="Ubuntu"/>
-              <a:cs typeface="Ubuntu"/>
-              <a:sym typeface="Ubuntu"/>
-            </a:endParaRPr>
-          </a:p>
-          <a:p>
-            <a:pPr indent="-342900" lvl="0" marL="457200" rtl="0" algn="l">
-              <a:spcBef>
-                <a:spcPts val="0"/>
-              </a:spcBef>
-              <a:spcAft>
-                <a:spcPts val="0"/>
-              </a:spcAft>
-              <a:buClr>
-                <a:schemeClr val="dk2"/>
-              </a:buClr>
-              <a:buSzPts val="1800"/>
-              <a:buFont typeface="Ubuntu"/>
-              <a:buChar char="-"/>
-            </a:pPr>
-            <a:r>
-              <a:rPr lang="en" sz="1800">
-                <a:solidFill>
-                  <a:schemeClr val="dk2"/>
-                </a:solidFill>
-                <a:latin typeface="Ubuntu"/>
-                <a:ea typeface="Ubuntu"/>
-                <a:cs typeface="Ubuntu"/>
-                <a:sym typeface="Ubuntu"/>
-              </a:rPr>
-              <a:t>updated_at</a:t>
-            </a:r>
-            <a:endParaRPr sz="1800">
-              <a:solidFill>
-                <a:schemeClr val="dk2"/>
-              </a:solidFill>
-              <a:latin typeface="Ubuntu"/>
-              <a:ea typeface="Ubuntu"/>
-              <a:cs typeface="Ubuntu"/>
-              <a:sym typeface="Ubuntu"/>
-            </a:endParaRPr>
-          </a:p>
-          <a:p>
-            <a:pPr indent="0" lvl="0" marL="0" rtl="0" algn="l">
-              <a:spcBef>
-                <a:spcPts val="0"/>
-              </a:spcBef>
-              <a:spcAft>
-                <a:spcPts val="0"/>
-              </a:spcAft>
-              <a:buNone/>
-            </a:pPr>
-            <a:r>
-              <a:t/>
-            </a:r>
-            <a:endParaRPr>
-              <a:latin typeface="Ubuntu"/>
-              <a:ea typeface="Ubuntu"/>
-              <a:cs typeface="Ubuntu"/>
-              <a:sym typeface="Ubuntu"/>
-            </a:endParaRPr>
-          </a:p>
-        </p:txBody>
-      </p:sp>
-      <p:sp>
-        <p:nvSpPr>
-          <p:cNvPr id="387" name="Google Shape;387;p46"/>
-          <p:cNvSpPr txBox="1"/>
-          <p:nvPr/>
-        </p:nvSpPr>
-        <p:spPr>
-          <a:xfrm>
-            <a:off x="5274425" y="1463450"/>
-            <a:ext cx="3128700" cy="2094300"/>
-          </a:xfrm>
-          <a:prstGeom prst="rect">
-            <a:avLst/>
-          </a:prstGeom>
-          <a:noFill/>
-          <a:ln>
-            <a:noFill/>
-          </a:ln>
-        </p:spPr>
-        <p:txBody>
-          <a:bodyPr anchorCtr="0" anchor="t" bIns="91425" lIns="91425" spcFirstLastPara="1" rIns="91425" wrap="square" tIns="91425">
-            <a:noAutofit/>
-          </a:bodyPr>
-          <a:lstStyle/>
-          <a:p>
-            <a:pPr indent="0" lvl="0" marL="0" rtl="0" algn="l">
-              <a:spcBef>
-                <a:spcPts val="1000"/>
-              </a:spcBef>
-              <a:spcAft>
-                <a:spcPts val="0"/>
-              </a:spcAft>
-              <a:buNone/>
-            </a:pPr>
-            <a:r>
-              <a:rPr lang="en" sz="1800">
-                <a:solidFill>
-                  <a:schemeClr val="dk2"/>
-                </a:solidFill>
-                <a:latin typeface="Ubuntu"/>
-                <a:ea typeface="Ubuntu"/>
-                <a:cs typeface="Ubuntu"/>
-                <a:sym typeface="Ubuntu"/>
-              </a:rPr>
-              <a:t>Comments</a:t>
-            </a:r>
-            <a:endParaRPr sz="1800">
-              <a:solidFill>
-                <a:schemeClr val="dk2"/>
-              </a:solidFill>
-              <a:latin typeface="Ubuntu"/>
-              <a:ea typeface="Ubuntu"/>
-              <a:cs typeface="Ubuntu"/>
-              <a:sym typeface="Ubuntu"/>
-            </a:endParaRPr>
-          </a:p>
-          <a:p>
-            <a:pPr indent="-342900" lvl="0" marL="457200" rtl="0" algn="l">
-              <a:spcBef>
-                <a:spcPts val="1000"/>
-              </a:spcBef>
-              <a:spcAft>
-                <a:spcPts val="0"/>
-              </a:spcAft>
-              <a:buClr>
-                <a:schemeClr val="dk2"/>
-              </a:buClr>
-              <a:buSzPts val="1800"/>
-              <a:buFont typeface="Ubuntu"/>
-              <a:buChar char="-"/>
-            </a:pPr>
-            <a:r>
-              <a:rPr lang="en" sz="1800">
-                <a:solidFill>
-                  <a:schemeClr val="dk2"/>
-                </a:solidFill>
-                <a:latin typeface="Ubuntu"/>
-                <a:ea typeface="Ubuntu"/>
-                <a:cs typeface="Ubuntu"/>
-                <a:sym typeface="Ubuntu"/>
-              </a:rPr>
-              <a:t>id</a:t>
-            </a:r>
-            <a:endParaRPr sz="1800">
-              <a:solidFill>
-                <a:schemeClr val="dk2"/>
-              </a:solidFill>
-              <a:latin typeface="Ubuntu"/>
-              <a:ea typeface="Ubuntu"/>
-              <a:cs typeface="Ubuntu"/>
-              <a:sym typeface="Ubuntu"/>
-            </a:endParaRPr>
-          </a:p>
-          <a:p>
-            <a:pPr indent="-342900" lvl="0" marL="457200" rtl="0" algn="l">
-              <a:spcBef>
-                <a:spcPts val="0"/>
-              </a:spcBef>
-              <a:spcAft>
-                <a:spcPts val="0"/>
-              </a:spcAft>
-              <a:buClr>
-                <a:schemeClr val="dk2"/>
-              </a:buClr>
-              <a:buSzPts val="1800"/>
-              <a:buFont typeface="Ubuntu"/>
-              <a:buChar char="-"/>
-            </a:pPr>
-            <a:r>
-              <a:rPr lang="en" sz="1800">
-                <a:solidFill>
-                  <a:schemeClr val="dk2"/>
-                </a:solidFill>
-                <a:latin typeface="Ubuntu"/>
-                <a:ea typeface="Ubuntu"/>
-                <a:cs typeface="Ubuntu"/>
-                <a:sym typeface="Ubuntu"/>
-              </a:rPr>
-              <a:t>message</a:t>
-            </a:r>
-            <a:endParaRPr sz="1800">
-              <a:solidFill>
-                <a:schemeClr val="dk2"/>
-              </a:solidFill>
-              <a:latin typeface="Ubuntu"/>
-              <a:ea typeface="Ubuntu"/>
-              <a:cs typeface="Ubuntu"/>
-              <a:sym typeface="Ubuntu"/>
-            </a:endParaRPr>
-          </a:p>
-          <a:p>
-            <a:pPr indent="-342900" lvl="0" marL="457200" rtl="0" algn="l">
-              <a:spcBef>
-                <a:spcPts val="0"/>
-              </a:spcBef>
-              <a:spcAft>
-                <a:spcPts val="0"/>
-              </a:spcAft>
-              <a:buClr>
-                <a:schemeClr val="dk2"/>
-              </a:buClr>
-              <a:buSzPts val="1800"/>
-              <a:buFont typeface="Ubuntu"/>
-              <a:buChar char="-"/>
-            </a:pPr>
-            <a:r>
-              <a:rPr b="1" lang="en" sz="1800">
-                <a:solidFill>
-                  <a:schemeClr val="dk2"/>
-                </a:solidFill>
-                <a:latin typeface="Ubuntu"/>
-                <a:ea typeface="Ubuntu"/>
-                <a:cs typeface="Ubuntu"/>
-                <a:sym typeface="Ubuntu"/>
-              </a:rPr>
-              <a:t>post_id *</a:t>
-            </a:r>
-            <a:endParaRPr b="1" sz="1800">
-              <a:solidFill>
-                <a:schemeClr val="dk2"/>
-              </a:solidFill>
-              <a:latin typeface="Ubuntu"/>
-              <a:ea typeface="Ubuntu"/>
-              <a:cs typeface="Ubuntu"/>
-              <a:sym typeface="Ubuntu"/>
-            </a:endParaRPr>
-          </a:p>
-          <a:p>
-            <a:pPr indent="-342900" lvl="0" marL="457200" rtl="0" algn="l">
-              <a:spcBef>
-                <a:spcPts val="0"/>
-              </a:spcBef>
-              <a:spcAft>
-                <a:spcPts val="0"/>
-              </a:spcAft>
-              <a:buClr>
-                <a:schemeClr val="dk2"/>
-              </a:buClr>
-              <a:buSzPts val="1800"/>
-              <a:buFont typeface="Ubuntu"/>
-              <a:buChar char="-"/>
-            </a:pPr>
-            <a:r>
-              <a:rPr lang="en" sz="1800">
-                <a:solidFill>
-                  <a:schemeClr val="dk2"/>
-                </a:solidFill>
-                <a:latin typeface="Ubuntu"/>
-                <a:ea typeface="Ubuntu"/>
-                <a:cs typeface="Ubuntu"/>
-                <a:sym typeface="Ubuntu"/>
-              </a:rPr>
-              <a:t>created_at</a:t>
-            </a:r>
-            <a:endParaRPr sz="1800">
-              <a:solidFill>
-                <a:schemeClr val="dk2"/>
-              </a:solidFill>
-              <a:latin typeface="Ubuntu"/>
-              <a:ea typeface="Ubuntu"/>
-              <a:cs typeface="Ubuntu"/>
-              <a:sym typeface="Ubuntu"/>
-            </a:endParaRPr>
-          </a:p>
-          <a:p>
-            <a:pPr indent="-342900" lvl="0" marL="457200" rtl="0" algn="l">
-              <a:spcBef>
-                <a:spcPts val="0"/>
-              </a:spcBef>
-              <a:spcAft>
-                <a:spcPts val="0"/>
-              </a:spcAft>
-              <a:buClr>
-                <a:schemeClr val="dk2"/>
-              </a:buClr>
-              <a:buSzPts val="1800"/>
-              <a:buFont typeface="Ubuntu"/>
-              <a:buChar char="-"/>
-            </a:pPr>
-            <a:r>
-              <a:rPr lang="en" sz="1800">
-                <a:solidFill>
-                  <a:schemeClr val="dk2"/>
-                </a:solidFill>
-                <a:latin typeface="Ubuntu"/>
-                <a:ea typeface="Ubuntu"/>
-                <a:cs typeface="Ubuntu"/>
-                <a:sym typeface="Ubuntu"/>
-              </a:rPr>
-              <a:t>updated_at</a:t>
-            </a:r>
-            <a:endParaRPr sz="1800">
-              <a:solidFill>
-                <a:schemeClr val="dk2"/>
-              </a:solidFill>
-              <a:latin typeface="Ubuntu"/>
-              <a:ea typeface="Ubuntu"/>
-              <a:cs typeface="Ubuntu"/>
-              <a:sym typeface="Ubuntu"/>
-            </a:endParaRPr>
-          </a:p>
-          <a:p>
-            <a:pPr indent="0" lvl="0" marL="0" rtl="0" algn="l">
-              <a:spcBef>
-                <a:spcPts val="0"/>
-              </a:spcBef>
-              <a:spcAft>
-                <a:spcPts val="0"/>
-              </a:spcAft>
-              <a:buNone/>
-            </a:pPr>
-            <a:r>
-              <a:t/>
             </a:r>
             <a:endParaRPr>
               <a:latin typeface="Ubuntu"/>
@@ -27763,8 +27297,8 @@
         </p:nvSpPr>
         <p:spPr>
           <a:xfrm>
-            <a:off x="311700" y="3594625"/>
-            <a:ext cx="8520600" cy="1422900"/>
+            <a:off x="311700" y="859500"/>
+            <a:ext cx="8520600" cy="687000"/>
           </a:xfrm>
           <a:prstGeom prst="rect">
             <a:avLst/>
@@ -27776,6 +27310,613 @@
           </a:bodyPr>
           <a:lstStyle/>
           <a:p>
+            <a:pPr indent="0" lvl="0" marL="0" rtl="0" algn="l">
+              <a:lnSpc>
+                <a:spcPct val="100000"/>
+              </a:lnSpc>
+              <a:spcBef>
+                <a:spcPts val="1000"/>
+              </a:spcBef>
+              <a:spcAft>
+                <a:spcPts val="0"/>
+              </a:spcAft>
+              <a:buNone/>
+            </a:pPr>
+            <a:r>
+              <a:rPr b="1" lang="en">
+                <a:latin typeface="Ubuntu"/>
+                <a:ea typeface="Ubuntu"/>
+                <a:cs typeface="Ubuntu"/>
+                <a:sym typeface="Ubuntu"/>
+              </a:rPr>
+              <a:t>DB Tables for our application</a:t>
+            </a:r>
+            <a:endParaRPr b="1">
+              <a:latin typeface="Ubuntu"/>
+              <a:ea typeface="Ubuntu"/>
+              <a:cs typeface="Ubuntu"/>
+              <a:sym typeface="Ubuntu"/>
+            </a:endParaRPr>
+          </a:p>
+          <a:p>
+            <a:pPr indent="0" lvl="0" marL="0" rtl="0" algn="l">
+              <a:lnSpc>
+                <a:spcPct val="100000"/>
+              </a:lnSpc>
+              <a:spcBef>
+                <a:spcPts val="1000"/>
+              </a:spcBef>
+              <a:spcAft>
+                <a:spcPts val="0"/>
+              </a:spcAft>
+              <a:buNone/>
+            </a:pPr>
+            <a:r>
+              <a:t/>
+            </a:r>
+            <a:endParaRPr>
+              <a:latin typeface="Ubuntu"/>
+              <a:ea typeface="Ubuntu"/>
+              <a:cs typeface="Ubuntu"/>
+              <a:sym typeface="Ubuntu"/>
+            </a:endParaRPr>
+          </a:p>
+        </p:txBody>
+      </p:sp>
+      <p:sp>
+        <p:nvSpPr>
+          <p:cNvPr id="389" name="Google Shape;389;p46"/>
+          <p:cNvSpPr txBox="1"/>
+          <p:nvPr/>
+        </p:nvSpPr>
+        <p:spPr>
+          <a:xfrm>
+            <a:off x="441550" y="1501300"/>
+            <a:ext cx="3128700" cy="2094300"/>
+          </a:xfrm>
+          <a:prstGeom prst="rect">
+            <a:avLst/>
+          </a:prstGeom>
+          <a:noFill/>
+          <a:ln>
+            <a:noFill/>
+          </a:ln>
+        </p:spPr>
+        <p:txBody>
+          <a:bodyPr anchorCtr="0" anchor="t" bIns="91425" lIns="91425" spcFirstLastPara="1" rIns="91425" wrap="square" tIns="91425">
+            <a:noAutofit/>
+          </a:bodyPr>
+          <a:lstStyle/>
+          <a:p>
+            <a:pPr indent="0" lvl="0" marL="0" rtl="0" algn="l">
+              <a:spcBef>
+                <a:spcPts val="1000"/>
+              </a:spcBef>
+              <a:spcAft>
+                <a:spcPts val="0"/>
+              </a:spcAft>
+              <a:buClr>
+                <a:schemeClr val="dk1"/>
+              </a:buClr>
+              <a:buSzPts val="1100"/>
+              <a:buFont typeface="Arial"/>
+              <a:buNone/>
+            </a:pPr>
+            <a:r>
+              <a:rPr lang="en" sz="1800">
+                <a:solidFill>
+                  <a:schemeClr val="dk2"/>
+                </a:solidFill>
+                <a:latin typeface="Ubuntu"/>
+                <a:ea typeface="Ubuntu"/>
+                <a:cs typeface="Ubuntu"/>
+                <a:sym typeface="Ubuntu"/>
+              </a:rPr>
+              <a:t>Posts</a:t>
+            </a:r>
+            <a:endParaRPr sz="1800">
+              <a:solidFill>
+                <a:schemeClr val="dk2"/>
+              </a:solidFill>
+              <a:latin typeface="Ubuntu"/>
+              <a:ea typeface="Ubuntu"/>
+              <a:cs typeface="Ubuntu"/>
+              <a:sym typeface="Ubuntu"/>
+            </a:endParaRPr>
+          </a:p>
+          <a:p>
+            <a:pPr indent="-342900" lvl="0" marL="457200" rtl="0" algn="l">
+              <a:spcBef>
+                <a:spcPts val="1000"/>
+              </a:spcBef>
+              <a:spcAft>
+                <a:spcPts val="0"/>
+              </a:spcAft>
+              <a:buClr>
+                <a:schemeClr val="dk2"/>
+              </a:buClr>
+              <a:buSzPts val="1800"/>
+              <a:buFont typeface="Ubuntu"/>
+              <a:buChar char="-"/>
+            </a:pPr>
+            <a:r>
+              <a:rPr lang="en" sz="1800">
+                <a:solidFill>
+                  <a:schemeClr val="dk2"/>
+                </a:solidFill>
+                <a:latin typeface="Ubuntu"/>
+                <a:ea typeface="Ubuntu"/>
+                <a:cs typeface="Ubuntu"/>
+                <a:sym typeface="Ubuntu"/>
+              </a:rPr>
+              <a:t>id</a:t>
+            </a:r>
+            <a:endParaRPr sz="1800">
+              <a:solidFill>
+                <a:schemeClr val="dk2"/>
+              </a:solidFill>
+              <a:latin typeface="Ubuntu"/>
+              <a:ea typeface="Ubuntu"/>
+              <a:cs typeface="Ubuntu"/>
+              <a:sym typeface="Ubuntu"/>
+            </a:endParaRPr>
+          </a:p>
+          <a:p>
+            <a:pPr indent="-342900" lvl="0" marL="457200" rtl="0" algn="l">
+              <a:spcBef>
+                <a:spcPts val="0"/>
+              </a:spcBef>
+              <a:spcAft>
+                <a:spcPts val="0"/>
+              </a:spcAft>
+              <a:buClr>
+                <a:schemeClr val="dk2"/>
+              </a:buClr>
+              <a:buSzPts val="1800"/>
+              <a:buFont typeface="Ubuntu"/>
+              <a:buChar char="-"/>
+            </a:pPr>
+            <a:r>
+              <a:rPr lang="en" sz="1800">
+                <a:solidFill>
+                  <a:schemeClr val="dk2"/>
+                </a:solidFill>
+                <a:latin typeface="Ubuntu"/>
+                <a:ea typeface="Ubuntu"/>
+                <a:cs typeface="Ubuntu"/>
+                <a:sym typeface="Ubuntu"/>
+              </a:rPr>
+              <a:t>title</a:t>
+            </a:r>
+            <a:endParaRPr sz="1800">
+              <a:solidFill>
+                <a:schemeClr val="dk2"/>
+              </a:solidFill>
+              <a:latin typeface="Ubuntu"/>
+              <a:ea typeface="Ubuntu"/>
+              <a:cs typeface="Ubuntu"/>
+              <a:sym typeface="Ubuntu"/>
+            </a:endParaRPr>
+          </a:p>
+          <a:p>
+            <a:pPr indent="-342900" lvl="0" marL="457200" rtl="0" algn="l">
+              <a:spcBef>
+                <a:spcPts val="0"/>
+              </a:spcBef>
+              <a:spcAft>
+                <a:spcPts val="0"/>
+              </a:spcAft>
+              <a:buClr>
+                <a:schemeClr val="dk2"/>
+              </a:buClr>
+              <a:buSzPts val="1800"/>
+              <a:buFont typeface="Ubuntu"/>
+              <a:buChar char="-"/>
+            </a:pPr>
+            <a:r>
+              <a:rPr lang="en" sz="1800">
+                <a:solidFill>
+                  <a:schemeClr val="dk2"/>
+                </a:solidFill>
+                <a:latin typeface="Ubuntu"/>
+                <a:ea typeface="Ubuntu"/>
+                <a:cs typeface="Ubuntu"/>
+                <a:sym typeface="Ubuntu"/>
+              </a:rPr>
+              <a:t>body</a:t>
+            </a:r>
+            <a:endParaRPr sz="1800">
+              <a:solidFill>
+                <a:schemeClr val="dk2"/>
+              </a:solidFill>
+              <a:latin typeface="Ubuntu"/>
+              <a:ea typeface="Ubuntu"/>
+              <a:cs typeface="Ubuntu"/>
+              <a:sym typeface="Ubuntu"/>
+            </a:endParaRPr>
+          </a:p>
+          <a:p>
+            <a:pPr indent="-342900" lvl="0" marL="457200" rtl="0" algn="l">
+              <a:spcBef>
+                <a:spcPts val="0"/>
+              </a:spcBef>
+              <a:spcAft>
+                <a:spcPts val="0"/>
+              </a:spcAft>
+              <a:buClr>
+                <a:schemeClr val="dk2"/>
+              </a:buClr>
+              <a:buSzPts val="1800"/>
+              <a:buFont typeface="Ubuntu"/>
+              <a:buChar char="-"/>
+            </a:pPr>
+            <a:r>
+              <a:rPr lang="en" sz="1800">
+                <a:solidFill>
+                  <a:schemeClr val="dk2"/>
+                </a:solidFill>
+                <a:latin typeface="Ubuntu"/>
+                <a:ea typeface="Ubuntu"/>
+                <a:cs typeface="Ubuntu"/>
+                <a:sym typeface="Ubuntu"/>
+              </a:rPr>
+              <a:t>created_at</a:t>
+            </a:r>
+            <a:endParaRPr sz="1800">
+              <a:solidFill>
+                <a:schemeClr val="dk2"/>
+              </a:solidFill>
+              <a:latin typeface="Ubuntu"/>
+              <a:ea typeface="Ubuntu"/>
+              <a:cs typeface="Ubuntu"/>
+              <a:sym typeface="Ubuntu"/>
+            </a:endParaRPr>
+          </a:p>
+          <a:p>
+            <a:pPr indent="-342900" lvl="0" marL="457200" rtl="0" algn="l">
+              <a:spcBef>
+                <a:spcPts val="0"/>
+              </a:spcBef>
+              <a:spcAft>
+                <a:spcPts val="0"/>
+              </a:spcAft>
+              <a:buClr>
+                <a:schemeClr val="dk2"/>
+              </a:buClr>
+              <a:buSzPts val="1800"/>
+              <a:buFont typeface="Ubuntu"/>
+              <a:buChar char="-"/>
+            </a:pPr>
+            <a:r>
+              <a:rPr lang="en" sz="1800">
+                <a:solidFill>
+                  <a:schemeClr val="dk2"/>
+                </a:solidFill>
+                <a:latin typeface="Ubuntu"/>
+                <a:ea typeface="Ubuntu"/>
+                <a:cs typeface="Ubuntu"/>
+                <a:sym typeface="Ubuntu"/>
+              </a:rPr>
+              <a:t>updated_at</a:t>
+            </a:r>
+            <a:endParaRPr sz="1800">
+              <a:solidFill>
+                <a:schemeClr val="dk2"/>
+              </a:solidFill>
+              <a:latin typeface="Ubuntu"/>
+              <a:ea typeface="Ubuntu"/>
+              <a:cs typeface="Ubuntu"/>
+              <a:sym typeface="Ubuntu"/>
+            </a:endParaRPr>
+          </a:p>
+          <a:p>
+            <a:pPr indent="0" lvl="0" marL="0" rtl="0" algn="l">
+              <a:spcBef>
+                <a:spcPts val="0"/>
+              </a:spcBef>
+              <a:spcAft>
+                <a:spcPts val="0"/>
+              </a:spcAft>
+              <a:buNone/>
+            </a:pPr>
+            <a:r>
+              <a:t/>
+            </a:r>
+            <a:endParaRPr>
+              <a:latin typeface="Ubuntu"/>
+              <a:ea typeface="Ubuntu"/>
+              <a:cs typeface="Ubuntu"/>
+              <a:sym typeface="Ubuntu"/>
+            </a:endParaRPr>
+          </a:p>
+        </p:txBody>
+      </p:sp>
+      <p:sp>
+        <p:nvSpPr>
+          <p:cNvPr id="390" name="Google Shape;390;p46"/>
+          <p:cNvSpPr txBox="1"/>
+          <p:nvPr/>
+        </p:nvSpPr>
+        <p:spPr>
+          <a:xfrm>
+            <a:off x="5274425" y="1463450"/>
+            <a:ext cx="3128700" cy="2094300"/>
+          </a:xfrm>
+          <a:prstGeom prst="rect">
+            <a:avLst/>
+          </a:prstGeom>
+          <a:noFill/>
+          <a:ln>
+            <a:noFill/>
+          </a:ln>
+        </p:spPr>
+        <p:txBody>
+          <a:bodyPr anchorCtr="0" anchor="t" bIns="91425" lIns="91425" spcFirstLastPara="1" rIns="91425" wrap="square" tIns="91425">
+            <a:noAutofit/>
+          </a:bodyPr>
+          <a:lstStyle/>
+          <a:p>
+            <a:pPr indent="0" lvl="0" marL="0" rtl="0" algn="l">
+              <a:spcBef>
+                <a:spcPts val="1000"/>
+              </a:spcBef>
+              <a:spcAft>
+                <a:spcPts val="0"/>
+              </a:spcAft>
+              <a:buNone/>
+            </a:pPr>
+            <a:r>
+              <a:rPr lang="en" sz="1800">
+                <a:solidFill>
+                  <a:schemeClr val="dk2"/>
+                </a:solidFill>
+                <a:latin typeface="Ubuntu"/>
+                <a:ea typeface="Ubuntu"/>
+                <a:cs typeface="Ubuntu"/>
+                <a:sym typeface="Ubuntu"/>
+              </a:rPr>
+              <a:t>Comments</a:t>
+            </a:r>
+            <a:endParaRPr sz="1800">
+              <a:solidFill>
+                <a:schemeClr val="dk2"/>
+              </a:solidFill>
+              <a:latin typeface="Ubuntu"/>
+              <a:ea typeface="Ubuntu"/>
+              <a:cs typeface="Ubuntu"/>
+              <a:sym typeface="Ubuntu"/>
+            </a:endParaRPr>
+          </a:p>
+          <a:p>
+            <a:pPr indent="-342900" lvl="0" marL="457200" rtl="0" algn="l">
+              <a:spcBef>
+                <a:spcPts val="1000"/>
+              </a:spcBef>
+              <a:spcAft>
+                <a:spcPts val="0"/>
+              </a:spcAft>
+              <a:buClr>
+                <a:schemeClr val="dk2"/>
+              </a:buClr>
+              <a:buSzPts val="1800"/>
+              <a:buFont typeface="Ubuntu"/>
+              <a:buChar char="-"/>
+            </a:pPr>
+            <a:r>
+              <a:rPr lang="en" sz="1800">
+                <a:solidFill>
+                  <a:schemeClr val="dk2"/>
+                </a:solidFill>
+                <a:latin typeface="Ubuntu"/>
+                <a:ea typeface="Ubuntu"/>
+                <a:cs typeface="Ubuntu"/>
+                <a:sym typeface="Ubuntu"/>
+              </a:rPr>
+              <a:t>id</a:t>
+            </a:r>
+            <a:endParaRPr sz="1800">
+              <a:solidFill>
+                <a:schemeClr val="dk2"/>
+              </a:solidFill>
+              <a:latin typeface="Ubuntu"/>
+              <a:ea typeface="Ubuntu"/>
+              <a:cs typeface="Ubuntu"/>
+              <a:sym typeface="Ubuntu"/>
+            </a:endParaRPr>
+          </a:p>
+          <a:p>
+            <a:pPr indent="-342900" lvl="0" marL="457200" rtl="0" algn="l">
+              <a:spcBef>
+                <a:spcPts val="0"/>
+              </a:spcBef>
+              <a:spcAft>
+                <a:spcPts val="0"/>
+              </a:spcAft>
+              <a:buClr>
+                <a:schemeClr val="dk2"/>
+              </a:buClr>
+              <a:buSzPts val="1800"/>
+              <a:buFont typeface="Ubuntu"/>
+              <a:buChar char="-"/>
+            </a:pPr>
+            <a:r>
+              <a:rPr lang="en" sz="1800">
+                <a:solidFill>
+                  <a:schemeClr val="dk2"/>
+                </a:solidFill>
+                <a:latin typeface="Ubuntu"/>
+                <a:ea typeface="Ubuntu"/>
+                <a:cs typeface="Ubuntu"/>
+                <a:sym typeface="Ubuntu"/>
+              </a:rPr>
+              <a:t>message</a:t>
+            </a:r>
+            <a:endParaRPr sz="1800">
+              <a:solidFill>
+                <a:schemeClr val="dk2"/>
+              </a:solidFill>
+              <a:latin typeface="Ubuntu"/>
+              <a:ea typeface="Ubuntu"/>
+              <a:cs typeface="Ubuntu"/>
+              <a:sym typeface="Ubuntu"/>
+            </a:endParaRPr>
+          </a:p>
+          <a:p>
+            <a:pPr indent="-342900" lvl="0" marL="457200" rtl="0" algn="l">
+              <a:spcBef>
+                <a:spcPts val="0"/>
+              </a:spcBef>
+              <a:spcAft>
+                <a:spcPts val="0"/>
+              </a:spcAft>
+              <a:buClr>
+                <a:schemeClr val="dk2"/>
+              </a:buClr>
+              <a:buSzPts val="1800"/>
+              <a:buFont typeface="Ubuntu"/>
+              <a:buChar char="-"/>
+            </a:pPr>
+            <a:r>
+              <a:rPr b="1" lang="en" sz="1800">
+                <a:solidFill>
+                  <a:schemeClr val="dk2"/>
+                </a:solidFill>
+                <a:latin typeface="Ubuntu"/>
+                <a:ea typeface="Ubuntu"/>
+                <a:cs typeface="Ubuntu"/>
+                <a:sym typeface="Ubuntu"/>
+              </a:rPr>
+              <a:t>post_id *</a:t>
+            </a:r>
+            <a:endParaRPr b="1" sz="1800">
+              <a:solidFill>
+                <a:schemeClr val="dk2"/>
+              </a:solidFill>
+              <a:latin typeface="Ubuntu"/>
+              <a:ea typeface="Ubuntu"/>
+              <a:cs typeface="Ubuntu"/>
+              <a:sym typeface="Ubuntu"/>
+            </a:endParaRPr>
+          </a:p>
+          <a:p>
+            <a:pPr indent="-342900" lvl="0" marL="457200" rtl="0" algn="l">
+              <a:spcBef>
+                <a:spcPts val="0"/>
+              </a:spcBef>
+              <a:spcAft>
+                <a:spcPts val="0"/>
+              </a:spcAft>
+              <a:buClr>
+                <a:schemeClr val="dk2"/>
+              </a:buClr>
+              <a:buSzPts val="1800"/>
+              <a:buFont typeface="Ubuntu"/>
+              <a:buChar char="-"/>
+            </a:pPr>
+            <a:r>
+              <a:rPr lang="en" sz="1800">
+                <a:solidFill>
+                  <a:schemeClr val="dk2"/>
+                </a:solidFill>
+                <a:latin typeface="Ubuntu"/>
+                <a:ea typeface="Ubuntu"/>
+                <a:cs typeface="Ubuntu"/>
+                <a:sym typeface="Ubuntu"/>
+              </a:rPr>
+              <a:t>created_at</a:t>
+            </a:r>
+            <a:endParaRPr sz="1800">
+              <a:solidFill>
+                <a:schemeClr val="dk2"/>
+              </a:solidFill>
+              <a:latin typeface="Ubuntu"/>
+              <a:ea typeface="Ubuntu"/>
+              <a:cs typeface="Ubuntu"/>
+              <a:sym typeface="Ubuntu"/>
+            </a:endParaRPr>
+          </a:p>
+          <a:p>
+            <a:pPr indent="-342900" lvl="0" marL="457200" rtl="0" algn="l">
+              <a:spcBef>
+                <a:spcPts val="0"/>
+              </a:spcBef>
+              <a:spcAft>
+                <a:spcPts val="0"/>
+              </a:spcAft>
+              <a:buClr>
+                <a:schemeClr val="dk2"/>
+              </a:buClr>
+              <a:buSzPts val="1800"/>
+              <a:buFont typeface="Ubuntu"/>
+              <a:buChar char="-"/>
+            </a:pPr>
+            <a:r>
+              <a:rPr lang="en" sz="1800">
+                <a:solidFill>
+                  <a:schemeClr val="dk2"/>
+                </a:solidFill>
+                <a:latin typeface="Ubuntu"/>
+                <a:ea typeface="Ubuntu"/>
+                <a:cs typeface="Ubuntu"/>
+                <a:sym typeface="Ubuntu"/>
+              </a:rPr>
+              <a:t>updated_at</a:t>
+            </a:r>
+            <a:endParaRPr sz="1800">
+              <a:solidFill>
+                <a:schemeClr val="dk2"/>
+              </a:solidFill>
+              <a:latin typeface="Ubuntu"/>
+              <a:ea typeface="Ubuntu"/>
+              <a:cs typeface="Ubuntu"/>
+              <a:sym typeface="Ubuntu"/>
+            </a:endParaRPr>
+          </a:p>
+          <a:p>
+            <a:pPr indent="0" lvl="0" marL="0" rtl="0" algn="l">
+              <a:spcBef>
+                <a:spcPts val="0"/>
+              </a:spcBef>
+              <a:spcAft>
+                <a:spcPts val="0"/>
+              </a:spcAft>
+              <a:buNone/>
+            </a:pPr>
+            <a:r>
+              <a:t/>
+            </a:r>
+            <a:endParaRPr>
+              <a:latin typeface="Ubuntu"/>
+              <a:ea typeface="Ubuntu"/>
+              <a:cs typeface="Ubuntu"/>
+              <a:sym typeface="Ubuntu"/>
+            </a:endParaRPr>
+          </a:p>
+        </p:txBody>
+      </p:sp>
+      <p:sp>
+        <p:nvSpPr>
+          <p:cNvPr id="391" name="Google Shape;391;p46"/>
+          <p:cNvSpPr txBox="1"/>
+          <p:nvPr>
+            <p:ph idx="1" type="body"/>
+          </p:nvPr>
+        </p:nvSpPr>
+        <p:spPr>
+          <a:xfrm>
+            <a:off x="311700" y="3594625"/>
+            <a:ext cx="8520600" cy="1422900"/>
+          </a:xfrm>
+          <a:prstGeom prst="rect">
+            <a:avLst/>
+          </a:prstGeom>
+        </p:spPr>
+        <p:txBody>
+          <a:bodyPr anchorCtr="0" anchor="t" bIns="91425" lIns="91425" spcFirstLastPara="1" rIns="91425" wrap="square" tIns="91425">
+            <a:noAutofit/>
+          </a:bodyPr>
+          <a:lstStyle/>
+          <a:p>
             <a:pPr indent="0" lvl="0" marL="0" rtl="0" algn="ctr">
               <a:lnSpc>
                 <a:spcPct val="100000"/>
@@ -27883,7 +28024,7 @@
       </p:sp>
       <p:cxnSp>
         <p:nvCxnSpPr>
-          <p:cNvPr id="389" name="Google Shape;389;p46"/>
+          <p:cNvPr id="392" name="Google Shape;392;p46"/>
           <p:cNvCxnSpPr/>
           <p:nvPr/>
         </p:nvCxnSpPr>
@@ -27911,7 +28052,7 @@
       </p:cxnSp>
       <p:sp>
         <p:nvSpPr>
-          <p:cNvPr id="390" name="Google Shape;390;p46"/>
+          <p:cNvPr id="393" name="Google Shape;393;p46"/>
           <p:cNvSpPr txBox="1"/>
           <p:nvPr/>
         </p:nvSpPr>
@@ -27953,7 +28094,7 @@
       </p:sp>
       <p:sp>
         <p:nvSpPr>
-          <p:cNvPr id="391" name="Google Shape;391;p46"/>
+          <p:cNvPr id="394" name="Google Shape;394;p46"/>
           <p:cNvSpPr txBox="1"/>
           <p:nvPr/>
         </p:nvSpPr>
@@ -28006,7 +28147,7 @@
   <p:cSld>
     <p:spTree>
       <p:nvGrpSpPr>
-        <p:cNvPr id="395" name="Shape 395"/>
+        <p:cNvPr id="398" name="Shape 398"/>
         <p:cNvGrpSpPr/>
         <p:nvPr/>
       </p:nvGrpSpPr>
@@ -28020,7 +28161,7 @@
       </p:grpSpPr>
       <p:sp>
         <p:nvSpPr>
-          <p:cNvPr id="396" name="Google Shape;396;p47"/>
+          <p:cNvPr id="399" name="Google Shape;399;p47"/>
           <p:cNvSpPr txBox="1"/>
           <p:nvPr>
             <p:ph type="title"/>
@@ -28079,7 +28220,7 @@
       </p:sp>
       <p:sp>
         <p:nvSpPr>
-          <p:cNvPr id="397" name="Google Shape;397;p47"/>
+          <p:cNvPr id="400" name="Google Shape;400;p47"/>
           <p:cNvSpPr txBox="1"/>
           <p:nvPr/>
         </p:nvSpPr>
@@ -28250,7 +28391,7 @@
       </p:sp>
       <p:sp>
         <p:nvSpPr>
-          <p:cNvPr id="398" name="Google Shape;398;p47"/>
+          <p:cNvPr id="401" name="Google Shape;401;p47"/>
           <p:cNvSpPr txBox="1"/>
           <p:nvPr/>
         </p:nvSpPr>
@@ -28339,7 +28480,7 @@
                                           </p:stCondLst>
                                         </p:cTn>
                                         <p:tgtEl>
-                                          <p:spTgt spid="398"/>
+                                          <p:spTgt spid="401"/>
                                         </p:tgtEl>
                                         <p:attrNameLst>
                                           <p:attrName>style.visibility</p:attrName>
@@ -28353,7 +28494,7 @@
                                       <p:cBhvr>
                                         <p:cTn dur="1000"/>
                                         <p:tgtEl>
-                                          <p:spTgt spid="398"/>
+                                          <p:spTgt spid="401"/>
                                         </p:tgtEl>
                                       </p:cBhvr>
                                     </p:animEffect>
@@ -28396,7 +28537,7 @@
   <p:cSld>
     <p:spTree>
       <p:nvGrpSpPr>
-        <p:cNvPr id="402" name="Shape 402"/>
+        <p:cNvPr id="405" name="Shape 405"/>
         <p:cNvGrpSpPr/>
         <p:nvPr/>
       </p:nvGrpSpPr>
@@ -28410,7 +28551,7 @@
       </p:grpSpPr>
       <p:sp>
         <p:nvSpPr>
-          <p:cNvPr id="403" name="Google Shape;403;p48"/>
+          <p:cNvPr id="406" name="Google Shape;406;p48"/>
           <p:cNvSpPr txBox="1"/>
           <p:nvPr>
             <p:ph type="title"/>
@@ -28469,7 +28610,7 @@
       </p:sp>
       <p:sp>
         <p:nvSpPr>
-          <p:cNvPr id="404" name="Google Shape;404;p48"/>
+          <p:cNvPr id="407" name="Google Shape;407;p48"/>
           <p:cNvSpPr txBox="1"/>
           <p:nvPr>
             <p:ph idx="1" type="body"/>
@@ -28545,7 +28686,7 @@
       </p:sp>
       <p:sp>
         <p:nvSpPr>
-          <p:cNvPr id="405" name="Google Shape;405;p48"/>
+          <p:cNvPr id="408" name="Google Shape;408;p48"/>
           <p:cNvSpPr txBox="1"/>
           <p:nvPr/>
         </p:nvSpPr>
@@ -28719,7 +28860,7 @@
       </p:sp>
       <p:sp>
         <p:nvSpPr>
-          <p:cNvPr id="406" name="Google Shape;406;p48"/>
+          <p:cNvPr id="409" name="Google Shape;409;p48"/>
           <p:cNvSpPr txBox="1"/>
           <p:nvPr>
             <p:ph idx="1" type="body"/>
@@ -28811,7 +28952,7 @@
   <p:cSld>
     <p:spTree>
       <p:nvGrpSpPr>
-        <p:cNvPr id="410" name="Shape 410"/>
+        <p:cNvPr id="413" name="Shape 413"/>
         <p:cNvGrpSpPr/>
         <p:nvPr/>
       </p:nvGrpSpPr>
@@ -28825,7 +28966,7 @@
       </p:grpSpPr>
       <p:sp>
         <p:nvSpPr>
-          <p:cNvPr id="411" name="Google Shape;411;p49"/>
+          <p:cNvPr id="414" name="Google Shape;414;p49"/>
           <p:cNvSpPr txBox="1"/>
           <p:nvPr>
             <p:ph type="title"/>
@@ -28884,7 +29025,7 @@
       </p:sp>
       <p:sp>
         <p:nvSpPr>
-          <p:cNvPr id="412" name="Google Shape;412;p49"/>
+          <p:cNvPr id="415" name="Google Shape;415;p49"/>
           <p:cNvSpPr txBox="1"/>
           <p:nvPr/>
         </p:nvSpPr>
@@ -29060,7 +29201,7 @@
       </p:sp>
       <p:sp>
         <p:nvSpPr>
-          <p:cNvPr id="413" name="Google Shape;413;p49"/>
+          <p:cNvPr id="416" name="Google Shape;416;p49"/>
           <p:cNvSpPr txBox="1"/>
           <p:nvPr/>
         </p:nvSpPr>
@@ -29149,7 +29290,7 @@
                                           </p:stCondLst>
                                         </p:cTn>
                                         <p:tgtEl>
-                                          <p:spTgt spid="413"/>
+                                          <p:spTgt spid="416"/>
                                         </p:tgtEl>
                                         <p:attrNameLst>
                                           <p:attrName>style.visibility</p:attrName>
@@ -29163,7 +29304,7 @@
                                       <p:cBhvr>
                                         <p:cTn dur="1000"/>
                                         <p:tgtEl>
-                                          <p:spTgt spid="413"/>
+                                          <p:spTgt spid="416"/>
                                         </p:tgtEl>
                                       </p:cBhvr>
                                     </p:animEffect>
@@ -29206,7 +29347,7 @@
   <p:cSld>
     <p:spTree>
       <p:nvGrpSpPr>
-        <p:cNvPr id="417" name="Shape 417"/>
+        <p:cNvPr id="420" name="Shape 420"/>
         <p:cNvGrpSpPr/>
         <p:nvPr/>
       </p:nvGrpSpPr>
@@ -29220,7 +29361,7 @@
       </p:grpSpPr>
       <p:sp>
         <p:nvSpPr>
-          <p:cNvPr id="418" name="Google Shape;418;p50"/>
+          <p:cNvPr id="421" name="Google Shape;421;p50"/>
           <p:cNvSpPr txBox="1"/>
           <p:nvPr>
             <p:ph type="title"/>
@@ -29279,7 +29420,7 @@
       </p:sp>
       <p:sp>
         <p:nvSpPr>
-          <p:cNvPr id="419" name="Google Shape;419;p50"/>
+          <p:cNvPr id="422" name="Google Shape;422;p50"/>
           <p:cNvSpPr txBox="1"/>
           <p:nvPr/>
         </p:nvSpPr>
@@ -29544,7 +29685,7 @@
       </p:sp>
       <p:sp>
         <p:nvSpPr>
-          <p:cNvPr id="420" name="Google Shape;420;p50"/>
+          <p:cNvPr id="423" name="Google Shape;423;p50"/>
           <p:cNvSpPr txBox="1"/>
           <p:nvPr/>
         </p:nvSpPr>
@@ -29642,7 +29783,7 @@
                                           </p:stCondLst>
                                         </p:cTn>
                                         <p:tgtEl>
-                                          <p:spTgt spid="420"/>
+                                          <p:spTgt spid="423"/>
                                         </p:tgtEl>
                                         <p:attrNameLst>
                                           <p:attrName>style.visibility</p:attrName>
@@ -29656,7 +29797,7 @@
                                       <p:cBhvr>
                                         <p:cTn dur="1000"/>
                                         <p:tgtEl>
-                                          <p:spTgt spid="420"/>
+                                          <p:spTgt spid="423"/>
                                         </p:tgtEl>
                                       </p:cBhvr>
                                     </p:animEffect>
@@ -29699,7 +29840,7 @@
   <p:cSld>
     <p:spTree>
       <p:nvGrpSpPr>
-        <p:cNvPr id="424" name="Shape 424"/>
+        <p:cNvPr id="427" name="Shape 427"/>
         <p:cNvGrpSpPr/>
         <p:nvPr/>
       </p:nvGrpSpPr>
@@ -29713,7 +29854,7 @@
       </p:grpSpPr>
       <p:sp>
         <p:nvSpPr>
-          <p:cNvPr id="425" name="Google Shape;425;p51"/>
+          <p:cNvPr id="428" name="Google Shape;428;p51"/>
           <p:cNvSpPr txBox="1"/>
           <p:nvPr>
             <p:ph type="title"/>
@@ -29781,7 +29922,7 @@
       </p:sp>
       <p:sp>
         <p:nvSpPr>
-          <p:cNvPr id="426" name="Google Shape;426;p51"/>
+          <p:cNvPr id="429" name="Google Shape;429;p51"/>
           <p:cNvSpPr txBox="1"/>
           <p:nvPr/>
         </p:nvSpPr>
@@ -29836,7 +29977,7 @@
       </p:sp>
       <p:sp>
         <p:nvSpPr>
-          <p:cNvPr id="427" name="Google Shape;427;p51"/>
+          <p:cNvPr id="430" name="Google Shape;430;p51"/>
           <p:cNvSpPr txBox="1"/>
           <p:nvPr/>
         </p:nvSpPr>
@@ -29925,7 +30066,7 @@
                                           </p:stCondLst>
                                         </p:cTn>
                                         <p:tgtEl>
-                                          <p:spTgt spid="427"/>
+                                          <p:spTgt spid="430"/>
                                         </p:tgtEl>
                                         <p:attrNameLst>
                                           <p:attrName>style.visibility</p:attrName>
@@ -29939,7 +30080,7 @@
                                       <p:cBhvr>
                                         <p:cTn dur="1000"/>
                                         <p:tgtEl>
-                                          <p:spTgt spid="427"/>
+                                          <p:spTgt spid="430"/>
                                         </p:tgtEl>
                                       </p:cBhvr>
                                     </p:animEffect>
@@ -29982,7 +30123,7 @@
   <p:cSld>
     <p:spTree>
       <p:nvGrpSpPr>
-        <p:cNvPr id="73" name="Shape 73"/>
+        <p:cNvPr id="76" name="Shape 76"/>
         <p:cNvGrpSpPr/>
         <p:nvPr/>
       </p:nvGrpSpPr>
@@ -29996,7 +30137,7 @@
       </p:grpSpPr>
       <p:sp>
         <p:nvSpPr>
-          <p:cNvPr id="74" name="Google Shape;74;p16"/>
+          <p:cNvPr id="77" name="Google Shape;77;p16"/>
           <p:cNvSpPr txBox="1"/>
           <p:nvPr>
             <p:ph type="title"/>
@@ -30035,7 +30176,7 @@
       </p:sp>
       <p:sp>
         <p:nvSpPr>
-          <p:cNvPr id="75" name="Google Shape;75;p16"/>
+          <p:cNvPr id="78" name="Google Shape;78;p16"/>
           <p:cNvSpPr txBox="1"/>
           <p:nvPr>
             <p:ph idx="1" type="body"/>
@@ -30074,7 +30215,7 @@
       </p:sp>
       <p:pic>
         <p:nvPicPr>
-          <p:cNvPr id="76" name="Google Shape;76;p16"/>
+          <p:cNvPr id="79" name="Google Shape;79;p16"/>
           <p:cNvPicPr preferRelativeResize="0"/>
           <p:nvPr/>
         </p:nvPicPr>
@@ -30113,7 +30254,7 @@
   <p:cSld>
     <p:spTree>
       <p:nvGrpSpPr>
-        <p:cNvPr id="431" name="Shape 431"/>
+        <p:cNvPr id="434" name="Shape 434"/>
         <p:cNvGrpSpPr/>
         <p:nvPr/>
       </p:nvGrpSpPr>
@@ -30127,7 +30268,7 @@
       </p:grpSpPr>
       <p:sp>
         <p:nvSpPr>
-          <p:cNvPr id="432" name="Google Shape;432;p52"/>
+          <p:cNvPr id="435" name="Google Shape;435;p52"/>
           <p:cNvSpPr txBox="1"/>
           <p:nvPr/>
         </p:nvSpPr>
@@ -30182,7 +30323,7 @@
       </p:sp>
       <p:sp>
         <p:nvSpPr>
-          <p:cNvPr id="433" name="Google Shape;433;p52"/>
+          <p:cNvPr id="436" name="Google Shape;436;p52"/>
           <p:cNvSpPr txBox="1"/>
           <p:nvPr>
             <p:ph type="title"/>
@@ -30232,7 +30373,7 @@
       </p:sp>
       <p:sp>
         <p:nvSpPr>
-          <p:cNvPr id="434" name="Google Shape;434;p52"/>
+          <p:cNvPr id="437" name="Google Shape;437;p52"/>
           <p:cNvSpPr txBox="1"/>
           <p:nvPr/>
         </p:nvSpPr>
@@ -30321,7 +30462,7 @@
                                           </p:stCondLst>
                                         </p:cTn>
                                         <p:tgtEl>
-                                          <p:spTgt spid="434"/>
+                                          <p:spTgt spid="437"/>
                                         </p:tgtEl>
                                         <p:attrNameLst>
                                           <p:attrName>style.visibility</p:attrName>
@@ -30335,7 +30476,7 @@
                                       <p:cBhvr>
                                         <p:cTn dur="1000"/>
                                         <p:tgtEl>
-                                          <p:spTgt spid="434"/>
+                                          <p:spTgt spid="437"/>
                                         </p:tgtEl>
                                       </p:cBhvr>
                                     </p:animEffect>
@@ -30378,7 +30519,7 @@
   <p:cSld>
     <p:spTree>
       <p:nvGrpSpPr>
-        <p:cNvPr id="438" name="Shape 438"/>
+        <p:cNvPr id="441" name="Shape 441"/>
         <p:cNvGrpSpPr/>
         <p:nvPr/>
       </p:nvGrpSpPr>
@@ -30392,7 +30533,7 @@
       </p:grpSpPr>
       <p:sp>
         <p:nvSpPr>
-          <p:cNvPr id="439" name="Google Shape;439;p53"/>
+          <p:cNvPr id="442" name="Google Shape;442;p53"/>
           <p:cNvSpPr txBox="1"/>
           <p:nvPr>
             <p:ph type="title"/>
@@ -30455,7 +30596,7 @@
       </p:sp>
       <p:pic>
         <p:nvPicPr>
-          <p:cNvPr id="440" name="Google Shape;440;p53"/>
+          <p:cNvPr id="443" name="Google Shape;443;p53"/>
           <p:cNvPicPr preferRelativeResize="0"/>
           <p:nvPr/>
         </p:nvPicPr>
@@ -30483,7 +30624,7 @@
       </p:pic>
       <p:sp>
         <p:nvSpPr>
-          <p:cNvPr id="441" name="Google Shape;441;p53"/>
+          <p:cNvPr id="444" name="Google Shape;444;p53"/>
           <p:cNvSpPr/>
           <p:nvPr/>
         </p:nvSpPr>
@@ -30530,7 +30671,7 @@
       </p:sp>
       <p:sp>
         <p:nvSpPr>
-          <p:cNvPr id="442" name="Google Shape;442;p53"/>
+          <p:cNvPr id="445" name="Google Shape;445;p53"/>
           <p:cNvSpPr txBox="1"/>
           <p:nvPr/>
         </p:nvSpPr>
@@ -30580,7 +30721,7 @@
       </p:sp>
       <p:sp>
         <p:nvSpPr>
-          <p:cNvPr id="443" name="Google Shape;443;p53"/>
+          <p:cNvPr id="446" name="Google Shape;446;p53"/>
           <p:cNvSpPr/>
           <p:nvPr/>
         </p:nvSpPr>
@@ -30632,7 +30773,7 @@
       </p:sp>
       <p:sp>
         <p:nvSpPr>
-          <p:cNvPr id="444" name="Google Shape;444;p53"/>
+          <p:cNvPr id="447" name="Google Shape;447;p53"/>
           <p:cNvSpPr/>
           <p:nvPr/>
         </p:nvSpPr>
@@ -30721,7 +30862,7 @@
                                           </p:stCondLst>
                                         </p:cTn>
                                         <p:tgtEl>
-                                          <p:spTgt spid="441"/>
+                                          <p:spTgt spid="444"/>
                                         </p:tgtEl>
                                         <p:attrNameLst>
                                           <p:attrName>style.visibility</p:attrName>
@@ -30735,7 +30876,7 @@
                                       <p:cBhvr>
                                         <p:cTn dur="1000"/>
                                         <p:tgtEl>
-                                          <p:spTgt spid="441"/>
+                                          <p:spTgt spid="444"/>
                                         </p:tgtEl>
                                       </p:cBhvr>
                                     </p:animEffect>
@@ -30756,7 +30897,7 @@
                                           </p:stCondLst>
                                         </p:cTn>
                                         <p:tgtEl>
-                                          <p:spTgt spid="442"/>
+                                          <p:spTgt spid="445"/>
                                         </p:tgtEl>
                                         <p:attrNameLst>
                                           <p:attrName>style.visibility</p:attrName>
@@ -30770,7 +30911,7 @@
                                       <p:cBhvr>
                                         <p:cTn dur="1000"/>
                                         <p:tgtEl>
-                                          <p:spTgt spid="442"/>
+                                          <p:spTgt spid="445"/>
                                         </p:tgtEl>
                                       </p:cBhvr>
                                     </p:animEffect>
@@ -30791,7 +30932,7 @@
                                           </p:stCondLst>
                                         </p:cTn>
                                         <p:tgtEl>
-                                          <p:spTgt spid="443"/>
+                                          <p:spTgt spid="446"/>
                                         </p:tgtEl>
                                         <p:attrNameLst>
                                           <p:attrName>style.visibility</p:attrName>
@@ -30805,7 +30946,7 @@
                                       <p:cBhvr>
                                         <p:cTn dur="1000"/>
                                         <p:tgtEl>
-                                          <p:spTgt spid="443"/>
+                                          <p:spTgt spid="446"/>
                                         </p:tgtEl>
                                       </p:cBhvr>
                                     </p:animEffect>
@@ -30826,7 +30967,7 @@
                                           </p:stCondLst>
                                         </p:cTn>
                                         <p:tgtEl>
-                                          <p:spTgt spid="444"/>
+                                          <p:spTgt spid="447"/>
                                         </p:tgtEl>
                                         <p:attrNameLst>
                                           <p:attrName>style.visibility</p:attrName>
@@ -30840,7 +30981,7 @@
                                       <p:cBhvr>
                                         <p:cTn dur="1000"/>
                                         <p:tgtEl>
-                                          <p:spTgt spid="444"/>
+                                          <p:spTgt spid="447"/>
                                         </p:tgtEl>
                                       </p:cBhvr>
                                     </p:animEffect>
@@ -30883,7 +31024,7 @@
   <p:cSld>
     <p:spTree>
       <p:nvGrpSpPr>
-        <p:cNvPr id="448" name="Shape 448"/>
+        <p:cNvPr id="451" name="Shape 451"/>
         <p:cNvGrpSpPr/>
         <p:nvPr/>
       </p:nvGrpSpPr>
@@ -30897,7 +31038,7 @@
       </p:grpSpPr>
       <p:sp>
         <p:nvSpPr>
-          <p:cNvPr id="449" name="Google Shape;449;p54"/>
+          <p:cNvPr id="452" name="Google Shape;452;p54"/>
           <p:cNvSpPr txBox="1"/>
           <p:nvPr>
             <p:ph type="title"/>
@@ -30942,7 +31083,7 @@
       </p:sp>
       <p:pic>
         <p:nvPicPr>
-          <p:cNvPr id="450" name="Google Shape;450;p54"/>
+          <p:cNvPr id="453" name="Google Shape;453;p54"/>
           <p:cNvPicPr preferRelativeResize="0"/>
           <p:nvPr/>
         </p:nvPicPr>
@@ -30970,7 +31111,7 @@
       </p:pic>
       <p:pic>
         <p:nvPicPr>
-          <p:cNvPr id="451" name="Google Shape;451;p54"/>
+          <p:cNvPr id="454" name="Google Shape;454;p54"/>
           <p:cNvPicPr preferRelativeResize="0"/>
           <p:nvPr/>
         </p:nvPicPr>
@@ -30998,7 +31139,7 @@
       </p:pic>
       <p:pic>
         <p:nvPicPr>
-          <p:cNvPr id="452" name="Google Shape;452;p54"/>
+          <p:cNvPr id="455" name="Google Shape;455;p54"/>
           <p:cNvPicPr preferRelativeResize="0"/>
           <p:nvPr/>
         </p:nvPicPr>
@@ -31026,7 +31167,7 @@
       </p:pic>
       <p:sp>
         <p:nvSpPr>
-          <p:cNvPr id="453" name="Google Shape;453;p54"/>
+          <p:cNvPr id="456" name="Google Shape;456;p54"/>
           <p:cNvSpPr txBox="1"/>
           <p:nvPr/>
         </p:nvSpPr>
@@ -31078,7 +31219,7 @@
       </p:sp>
       <p:sp>
         <p:nvSpPr>
-          <p:cNvPr id="454" name="Google Shape;454;p54"/>
+          <p:cNvPr id="457" name="Google Shape;457;p54"/>
           <p:cNvSpPr txBox="1"/>
           <p:nvPr/>
         </p:nvSpPr>
@@ -31167,7 +31308,7 @@
                                           </p:stCondLst>
                                         </p:cTn>
                                         <p:tgtEl>
-                                          <p:spTgt spid="453"/>
+                                          <p:spTgt spid="456"/>
                                         </p:tgtEl>
                                         <p:attrNameLst>
                                           <p:attrName>style.visibility</p:attrName>
@@ -31181,7 +31322,7 @@
                                       <p:cBhvr>
                                         <p:cTn dur="500"/>
                                         <p:tgtEl>
-                                          <p:spTgt spid="453"/>
+                                          <p:spTgt spid="456"/>
                                         </p:tgtEl>
                                       </p:cBhvr>
                                     </p:animEffect>
@@ -31211,7 +31352,7 @@
                                           </p:stCondLst>
                                         </p:cTn>
                                         <p:tgtEl>
-                                          <p:spTgt spid="454"/>
+                                          <p:spTgt spid="457"/>
                                         </p:tgtEl>
                                         <p:attrNameLst>
                                           <p:attrName>style.visibility</p:attrName>
@@ -31225,7 +31366,7 @@
                                       <p:cBhvr>
                                         <p:cTn dur="1000"/>
                                         <p:tgtEl>
-                                          <p:spTgt spid="454"/>
+                                          <p:spTgt spid="457"/>
                                         </p:tgtEl>
                                       </p:cBhvr>
                                     </p:animEffect>
@@ -31268,7 +31409,7 @@
   <p:cSld>
     <p:spTree>
       <p:nvGrpSpPr>
-        <p:cNvPr id="458" name="Shape 458"/>
+        <p:cNvPr id="461" name="Shape 461"/>
         <p:cNvGrpSpPr/>
         <p:nvPr/>
       </p:nvGrpSpPr>
@@ -31282,7 +31423,7 @@
       </p:grpSpPr>
       <p:sp>
         <p:nvSpPr>
-          <p:cNvPr id="459" name="Google Shape;459;p55"/>
+          <p:cNvPr id="462" name="Google Shape;462;p55"/>
           <p:cNvSpPr txBox="1"/>
           <p:nvPr>
             <p:ph type="title"/>
@@ -31327,7 +31468,7 @@
       </p:sp>
       <p:grpSp>
         <p:nvGrpSpPr>
-          <p:cNvPr id="460" name="Google Shape;460;p55"/>
+          <p:cNvPr id="463" name="Google Shape;463;p55"/>
           <p:cNvGrpSpPr/>
           <p:nvPr/>
         </p:nvGrpSpPr>
@@ -31341,7 +31482,7 @@
         </p:grpSpPr>
         <p:sp>
           <p:nvSpPr>
-            <p:cNvPr id="461" name="Google Shape;461;p55"/>
+            <p:cNvPr id="464" name="Google Shape;464;p55"/>
             <p:cNvSpPr/>
             <p:nvPr/>
           </p:nvSpPr>
@@ -31390,7 +31531,7 @@
         </p:sp>
         <p:sp>
           <p:nvSpPr>
-            <p:cNvPr id="462" name="Google Shape;462;p55"/>
+            <p:cNvPr id="465" name="Google Shape;465;p55"/>
             <p:cNvSpPr/>
             <p:nvPr/>
           </p:nvSpPr>
@@ -31450,7 +31591,7 @@
         </p:sp>
         <p:sp>
           <p:nvSpPr>
-            <p:cNvPr id="463" name="Google Shape;463;p55"/>
+            <p:cNvPr id="466" name="Google Shape;466;p55"/>
             <p:cNvSpPr/>
             <p:nvPr/>
           </p:nvSpPr>
@@ -31510,7 +31651,7 @@
         </p:sp>
         <p:sp>
           <p:nvSpPr>
-            <p:cNvPr id="464" name="Google Shape;464;p55"/>
+            <p:cNvPr id="467" name="Google Shape;467;p55"/>
             <p:cNvSpPr/>
             <p:nvPr/>
           </p:nvSpPr>
@@ -31570,7 +31711,7 @@
         </p:sp>
         <p:sp>
           <p:nvSpPr>
-            <p:cNvPr id="465" name="Google Shape;465;p55"/>
+            <p:cNvPr id="468" name="Google Shape;468;p55"/>
             <p:cNvSpPr/>
             <p:nvPr/>
           </p:nvSpPr>
@@ -31630,7 +31771,7 @@
         </p:sp>
         <p:sp>
           <p:nvSpPr>
-            <p:cNvPr id="466" name="Google Shape;466;p55"/>
+            <p:cNvPr id="469" name="Google Shape;469;p55"/>
             <p:cNvSpPr txBox="1"/>
             <p:nvPr/>
           </p:nvSpPr>
@@ -31683,7 +31824,7 @@
       </p:grpSp>
       <p:grpSp>
         <p:nvGrpSpPr>
-          <p:cNvPr id="467" name="Google Shape;467;p55"/>
+          <p:cNvPr id="470" name="Google Shape;470;p55"/>
           <p:cNvGrpSpPr/>
           <p:nvPr/>
         </p:nvGrpSpPr>
@@ -31697,7 +31838,7 @@
         </p:grpSpPr>
         <p:sp>
           <p:nvSpPr>
-            <p:cNvPr id="468" name="Google Shape;468;p55"/>
+            <p:cNvPr id="471" name="Google Shape;471;p55"/>
             <p:cNvSpPr/>
             <p:nvPr/>
           </p:nvSpPr>
@@ -31746,7 +31887,7 @@
         </p:sp>
         <p:sp>
           <p:nvSpPr>
-            <p:cNvPr id="469" name="Google Shape;469;p55"/>
+            <p:cNvPr id="472" name="Google Shape;472;p55"/>
             <p:cNvSpPr/>
             <p:nvPr/>
           </p:nvSpPr>
@@ -31806,7 +31947,7 @@
         </p:sp>
         <p:sp>
           <p:nvSpPr>
-            <p:cNvPr id="470" name="Google Shape;470;p55"/>
+            <p:cNvPr id="473" name="Google Shape;473;p55"/>
             <p:cNvSpPr/>
             <p:nvPr/>
           </p:nvSpPr>
@@ -31874,7 +32015,7 @@
         </p:sp>
         <p:sp>
           <p:nvSpPr>
-            <p:cNvPr id="471" name="Google Shape;471;p55"/>
+            <p:cNvPr id="474" name="Google Shape;474;p55"/>
             <p:cNvSpPr/>
             <p:nvPr/>
           </p:nvSpPr>
@@ -31934,7 +32075,7 @@
         </p:sp>
         <p:sp>
           <p:nvSpPr>
-            <p:cNvPr id="472" name="Google Shape;472;p55"/>
+            <p:cNvPr id="475" name="Google Shape;475;p55"/>
             <p:cNvSpPr/>
             <p:nvPr/>
           </p:nvSpPr>
@@ -31994,7 +32135,7 @@
         </p:sp>
         <p:sp>
           <p:nvSpPr>
-            <p:cNvPr id="473" name="Google Shape;473;p55"/>
+            <p:cNvPr id="476" name="Google Shape;476;p55"/>
             <p:cNvSpPr txBox="1"/>
             <p:nvPr/>
           </p:nvSpPr>
@@ -32047,7 +32188,7 @@
       </p:grpSp>
       <p:grpSp>
         <p:nvGrpSpPr>
-          <p:cNvPr id="474" name="Google Shape;474;p55"/>
+          <p:cNvPr id="477" name="Google Shape;477;p55"/>
           <p:cNvGrpSpPr/>
           <p:nvPr/>
         </p:nvGrpSpPr>
@@ -32061,7 +32202,7 @@
         </p:grpSpPr>
         <p:sp>
           <p:nvSpPr>
-            <p:cNvPr id="475" name="Google Shape;475;p55"/>
+            <p:cNvPr id="478" name="Google Shape;478;p55"/>
             <p:cNvSpPr/>
             <p:nvPr/>
           </p:nvSpPr>
@@ -32110,7 +32251,7 @@
         </p:sp>
         <p:sp>
           <p:nvSpPr>
-            <p:cNvPr id="476" name="Google Shape;476;p55"/>
+            <p:cNvPr id="479" name="Google Shape;479;p55"/>
             <p:cNvSpPr/>
             <p:nvPr/>
           </p:nvSpPr>
@@ -32178,7 +32319,7 @@
         </p:sp>
         <p:sp>
           <p:nvSpPr>
-            <p:cNvPr id="477" name="Google Shape;477;p55"/>
+            <p:cNvPr id="480" name="Google Shape;480;p55"/>
             <p:cNvSpPr/>
             <p:nvPr/>
           </p:nvSpPr>
@@ -32246,7 +32387,7 @@
         </p:sp>
         <p:sp>
           <p:nvSpPr>
-            <p:cNvPr id="478" name="Google Shape;478;p55"/>
+            <p:cNvPr id="481" name="Google Shape;481;p55"/>
             <p:cNvSpPr/>
             <p:nvPr/>
           </p:nvSpPr>
@@ -32306,7 +32447,7 @@
         </p:sp>
         <p:sp>
           <p:nvSpPr>
-            <p:cNvPr id="479" name="Google Shape;479;p55"/>
+            <p:cNvPr id="482" name="Google Shape;482;p55"/>
             <p:cNvSpPr/>
             <p:nvPr/>
           </p:nvSpPr>
@@ -32366,7 +32507,7 @@
         </p:sp>
         <p:sp>
           <p:nvSpPr>
-            <p:cNvPr id="480" name="Google Shape;480;p55"/>
+            <p:cNvPr id="483" name="Google Shape;483;p55"/>
             <p:cNvSpPr txBox="1"/>
             <p:nvPr/>
           </p:nvSpPr>
@@ -32419,7 +32560,7 @@
       </p:grpSp>
       <p:grpSp>
         <p:nvGrpSpPr>
-          <p:cNvPr id="481" name="Google Shape;481;p55"/>
+          <p:cNvPr id="484" name="Google Shape;484;p55"/>
           <p:cNvGrpSpPr/>
           <p:nvPr/>
         </p:nvGrpSpPr>
@@ -32433,7 +32574,7 @@
         </p:grpSpPr>
         <p:sp>
           <p:nvSpPr>
-            <p:cNvPr id="482" name="Google Shape;482;p55"/>
+            <p:cNvPr id="485" name="Google Shape;485;p55"/>
             <p:cNvSpPr/>
             <p:nvPr/>
           </p:nvSpPr>
@@ -32482,7 +32623,7 @@
         </p:sp>
         <p:sp>
           <p:nvSpPr>
-            <p:cNvPr id="483" name="Google Shape;483;p55"/>
+            <p:cNvPr id="486" name="Google Shape;486;p55"/>
             <p:cNvSpPr/>
             <p:nvPr/>
           </p:nvSpPr>
@@ -32550,7 +32691,7 @@
         </p:sp>
         <p:sp>
           <p:nvSpPr>
-            <p:cNvPr id="484" name="Google Shape;484;p55"/>
+            <p:cNvPr id="487" name="Google Shape;487;p55"/>
             <p:cNvSpPr/>
             <p:nvPr/>
           </p:nvSpPr>
@@ -32618,7 +32759,7 @@
         </p:sp>
         <p:sp>
           <p:nvSpPr>
-            <p:cNvPr id="485" name="Google Shape;485;p55"/>
+            <p:cNvPr id="488" name="Google Shape;488;p55"/>
             <p:cNvSpPr/>
             <p:nvPr/>
           </p:nvSpPr>
@@ -32678,7 +32819,7 @@
         </p:sp>
         <p:sp>
           <p:nvSpPr>
-            <p:cNvPr id="486" name="Google Shape;486;p55"/>
+            <p:cNvPr id="489" name="Google Shape;489;p55"/>
             <p:cNvSpPr/>
             <p:nvPr/>
           </p:nvSpPr>
@@ -32738,7 +32879,7 @@
         </p:sp>
         <p:sp>
           <p:nvSpPr>
-            <p:cNvPr id="487" name="Google Shape;487;p55"/>
+            <p:cNvPr id="490" name="Google Shape;490;p55"/>
             <p:cNvSpPr txBox="1"/>
             <p:nvPr/>
           </p:nvSpPr>
@@ -32791,10 +32932,10 @@
       </p:grpSp>
       <p:cxnSp>
         <p:nvCxnSpPr>
-          <p:cNvPr id="488" name="Google Shape;488;p55"/>
+          <p:cNvPr id="491" name="Google Shape;491;p55"/>
           <p:cNvCxnSpPr>
-            <a:stCxn id="475" idx="3"/>
-            <a:endCxn id="482" idx="1"/>
+            <a:stCxn id="478" idx="3"/>
+            <a:endCxn id="485" idx="1"/>
           </p:cNvCxnSpPr>
           <p:nvPr/>
         </p:nvCxnSpPr>
@@ -32831,7 +32972,7 @@
   <p:cSld>
     <p:spTree>
       <p:nvGrpSpPr>
-        <p:cNvPr id="492" name="Shape 492"/>
+        <p:cNvPr id="495" name="Shape 495"/>
         <p:cNvGrpSpPr/>
         <p:nvPr/>
       </p:nvGrpSpPr>
@@ -32845,7 +32986,7 @@
       </p:grpSpPr>
       <p:sp>
         <p:nvSpPr>
-          <p:cNvPr id="493" name="Google Shape;493;p56"/>
+          <p:cNvPr id="496" name="Google Shape;496;p56"/>
           <p:cNvSpPr txBox="1"/>
           <p:nvPr>
             <p:ph type="title"/>
@@ -32890,7 +33031,7 @@
       </p:sp>
       <p:sp>
         <p:nvSpPr>
-          <p:cNvPr id="494" name="Google Shape;494;p56"/>
+          <p:cNvPr id="497" name="Google Shape;497;p56"/>
           <p:cNvSpPr txBox="1"/>
           <p:nvPr/>
         </p:nvSpPr>
@@ -32988,7 +33129,7 @@
       </p:sp>
       <p:sp>
         <p:nvSpPr>
-          <p:cNvPr id="495" name="Google Shape;495;p56"/>
+          <p:cNvPr id="498" name="Google Shape;498;p56"/>
           <p:cNvSpPr txBox="1"/>
           <p:nvPr/>
         </p:nvSpPr>
@@ -33106,7 +33247,7 @@
   <p:cSld>
     <p:spTree>
       <p:nvGrpSpPr>
-        <p:cNvPr id="499" name="Shape 499"/>
+        <p:cNvPr id="502" name="Shape 502"/>
         <p:cNvGrpSpPr/>
         <p:nvPr/>
       </p:nvGrpSpPr>
@@ -33120,7 +33261,7 @@
       </p:grpSpPr>
       <p:sp>
         <p:nvSpPr>
-          <p:cNvPr id="500" name="Google Shape;500;p57"/>
+          <p:cNvPr id="503" name="Google Shape;503;p57"/>
           <p:cNvSpPr txBox="1"/>
           <p:nvPr>
             <p:ph idx="1" type="body"/>
@@ -33196,7 +33337,7 @@
       </p:sp>
       <p:sp>
         <p:nvSpPr>
-          <p:cNvPr id="501" name="Google Shape;501;p57"/>
+          <p:cNvPr id="504" name="Google Shape;504;p57"/>
           <p:cNvSpPr/>
           <p:nvPr/>
         </p:nvSpPr>
@@ -33245,7 +33386,7 @@
       </p:sp>
       <p:sp>
         <p:nvSpPr>
-          <p:cNvPr id="502" name="Google Shape;502;p57"/>
+          <p:cNvPr id="505" name="Google Shape;505;p57"/>
           <p:cNvSpPr/>
           <p:nvPr/>
         </p:nvSpPr>
@@ -33311,7 +33452,7 @@
       </p:sp>
       <p:sp>
         <p:nvSpPr>
-          <p:cNvPr id="503" name="Google Shape;503;p57"/>
+          <p:cNvPr id="506" name="Google Shape;506;p57"/>
           <p:cNvSpPr/>
           <p:nvPr/>
         </p:nvSpPr>
@@ -33377,7 +33518,7 @@
       </p:sp>
       <p:sp>
         <p:nvSpPr>
-          <p:cNvPr id="504" name="Google Shape;504;p57"/>
+          <p:cNvPr id="507" name="Google Shape;507;p57"/>
           <p:cNvSpPr/>
           <p:nvPr/>
         </p:nvSpPr>
@@ -33437,10 +33578,10 @@
       </p:sp>
       <p:cxnSp>
         <p:nvCxnSpPr>
-          <p:cNvPr id="505" name="Google Shape;505;p57"/>
+          <p:cNvPr id="508" name="Google Shape;508;p57"/>
           <p:cNvCxnSpPr>
-            <a:stCxn id="504" idx="3"/>
-            <a:endCxn id="502" idx="1"/>
+            <a:stCxn id="507" idx="3"/>
+            <a:endCxn id="505" idx="1"/>
           </p:cNvCxnSpPr>
           <p:nvPr/>
         </p:nvCxnSpPr>
@@ -33466,7 +33607,7 @@
       </p:cxnSp>
       <p:sp>
         <p:nvSpPr>
-          <p:cNvPr id="506" name="Google Shape;506;p57"/>
+          <p:cNvPr id="509" name="Google Shape;509;p57"/>
           <p:cNvSpPr/>
           <p:nvPr/>
         </p:nvSpPr>
@@ -33526,7 +33667,7 @@
       </p:sp>
       <p:sp>
         <p:nvSpPr>
-          <p:cNvPr id="507" name="Google Shape;507;p57"/>
+          <p:cNvPr id="510" name="Google Shape;510;p57"/>
           <p:cNvSpPr/>
           <p:nvPr/>
         </p:nvSpPr>
@@ -33586,7 +33727,7 @@
       </p:sp>
       <p:sp>
         <p:nvSpPr>
-          <p:cNvPr id="508" name="Google Shape;508;p57"/>
+          <p:cNvPr id="511" name="Google Shape;511;p57"/>
           <p:cNvSpPr/>
           <p:nvPr/>
         </p:nvSpPr>
@@ -33646,7 +33787,7 @@
       </p:sp>
       <p:sp>
         <p:nvSpPr>
-          <p:cNvPr id="509" name="Google Shape;509;p57"/>
+          <p:cNvPr id="512" name="Google Shape;512;p57"/>
           <p:cNvSpPr/>
           <p:nvPr/>
         </p:nvSpPr>
@@ -33706,7 +33847,7 @@
       </p:sp>
       <p:sp>
         <p:nvSpPr>
-          <p:cNvPr id="510" name="Google Shape;510;p57"/>
+          <p:cNvPr id="513" name="Google Shape;513;p57"/>
           <p:cNvSpPr/>
           <p:nvPr/>
         </p:nvSpPr>
@@ -33766,7 +33907,7 @@
       </p:sp>
       <p:sp>
         <p:nvSpPr>
-          <p:cNvPr id="511" name="Google Shape;511;p57"/>
+          <p:cNvPr id="514" name="Google Shape;514;p57"/>
           <p:cNvSpPr/>
           <p:nvPr/>
         </p:nvSpPr>
@@ -33826,10 +33967,10 @@
       </p:sp>
       <p:cxnSp>
         <p:nvCxnSpPr>
-          <p:cNvPr id="512" name="Google Shape;512;p57"/>
+          <p:cNvPr id="515" name="Google Shape;515;p57"/>
           <p:cNvCxnSpPr>
-            <a:stCxn id="510" idx="2"/>
-            <a:endCxn id="511" idx="0"/>
+            <a:stCxn id="513" idx="2"/>
+            <a:endCxn id="514" idx="0"/>
           </p:cNvCxnSpPr>
           <p:nvPr/>
         </p:nvCxnSpPr>
@@ -33855,10 +33996,10 @@
       </p:cxnSp>
       <p:cxnSp>
         <p:nvCxnSpPr>
-          <p:cNvPr id="513" name="Google Shape;513;p57"/>
+          <p:cNvPr id="516" name="Google Shape;516;p57"/>
           <p:cNvCxnSpPr>
-            <a:stCxn id="506" idx="1"/>
-            <a:endCxn id="511" idx="1"/>
+            <a:stCxn id="509" idx="1"/>
+            <a:endCxn id="514" idx="1"/>
           </p:cNvCxnSpPr>
           <p:nvPr/>
         </p:nvCxnSpPr>
@@ -33886,9 +34027,9 @@
       </p:cxnSp>
       <p:cxnSp>
         <p:nvCxnSpPr>
-          <p:cNvPr id="514" name="Google Shape;514;p57"/>
+          <p:cNvPr id="517" name="Google Shape;517;p57"/>
           <p:cNvCxnSpPr>
-            <a:endCxn id="503" idx="3"/>
+            <a:endCxn id="506" idx="3"/>
           </p:cNvCxnSpPr>
           <p:nvPr/>
         </p:nvCxnSpPr>
@@ -33914,7 +34055,7 @@
       </p:cxnSp>
       <p:sp>
         <p:nvSpPr>
-          <p:cNvPr id="515" name="Google Shape;515;p57"/>
+          <p:cNvPr id="518" name="Google Shape;518;p57"/>
           <p:cNvSpPr/>
           <p:nvPr/>
         </p:nvSpPr>
@@ -33980,7 +34121,7 @@
       </p:sp>
       <p:sp>
         <p:nvSpPr>
-          <p:cNvPr id="516" name="Google Shape;516;p57"/>
+          <p:cNvPr id="519" name="Google Shape;519;p57"/>
           <p:cNvSpPr/>
           <p:nvPr/>
         </p:nvSpPr>
@@ -34046,7 +34187,7 @@
       </p:sp>
       <p:sp>
         <p:nvSpPr>
-          <p:cNvPr id="517" name="Google Shape;517;p57"/>
+          <p:cNvPr id="520" name="Google Shape;520;p57"/>
           <p:cNvSpPr/>
           <p:nvPr/>
         </p:nvSpPr>
@@ -34106,7 +34247,7 @@
       </p:sp>
       <p:sp>
         <p:nvSpPr>
-          <p:cNvPr id="518" name="Google Shape;518;p57"/>
+          <p:cNvPr id="521" name="Google Shape;521;p57"/>
           <p:cNvSpPr/>
           <p:nvPr/>
         </p:nvSpPr>
@@ -34166,10 +34307,10 @@
       </p:sp>
       <p:cxnSp>
         <p:nvCxnSpPr>
-          <p:cNvPr id="519" name="Google Shape;519;p57"/>
+          <p:cNvPr id="522" name="Google Shape;522;p57"/>
           <p:cNvCxnSpPr>
-            <a:stCxn id="517" idx="2"/>
-            <a:endCxn id="515" idx="1"/>
+            <a:stCxn id="520" idx="2"/>
+            <a:endCxn id="518" idx="1"/>
           </p:cNvCxnSpPr>
           <p:nvPr/>
         </p:nvCxnSpPr>
@@ -34195,10 +34336,10 @@
       </p:cxnSp>
       <p:cxnSp>
         <p:nvCxnSpPr>
-          <p:cNvPr id="520" name="Google Shape;520;p57"/>
+          <p:cNvPr id="523" name="Google Shape;523;p57"/>
           <p:cNvCxnSpPr>
-            <a:stCxn id="518" idx="2"/>
-            <a:endCxn id="516" idx="1"/>
+            <a:stCxn id="521" idx="2"/>
+            <a:endCxn id="519" idx="1"/>
           </p:cNvCxnSpPr>
           <p:nvPr/>
         </p:nvCxnSpPr>
@@ -34224,7 +34365,7 @@
       </p:cxnSp>
       <p:sp>
         <p:nvSpPr>
-          <p:cNvPr id="521" name="Google Shape;521;p57"/>
+          <p:cNvPr id="524" name="Google Shape;524;p57"/>
           <p:cNvSpPr txBox="1"/>
           <p:nvPr/>
         </p:nvSpPr>
@@ -34276,7 +34417,7 @@
       </p:sp>
       <p:sp>
         <p:nvSpPr>
-          <p:cNvPr id="522" name="Google Shape;522;p57"/>
+          <p:cNvPr id="525" name="Google Shape;525;p57"/>
           <p:cNvSpPr txBox="1"/>
           <p:nvPr/>
         </p:nvSpPr>
@@ -34318,7 +34459,7 @@
       </p:sp>
       <p:sp>
         <p:nvSpPr>
-          <p:cNvPr id="523" name="Google Shape;523;p57"/>
+          <p:cNvPr id="526" name="Google Shape;526;p57"/>
           <p:cNvSpPr/>
           <p:nvPr/>
         </p:nvSpPr>
@@ -34370,7 +34511,7 @@
       </p:sp>
       <p:sp>
         <p:nvSpPr>
-          <p:cNvPr id="524" name="Google Shape;524;p57"/>
+          <p:cNvPr id="527" name="Google Shape;527;p57"/>
           <p:cNvSpPr txBox="1"/>
           <p:nvPr/>
         </p:nvSpPr>
@@ -34412,7 +34553,7 @@
       </p:sp>
       <p:sp>
         <p:nvSpPr>
-          <p:cNvPr id="525" name="Google Shape;525;p57"/>
+          <p:cNvPr id="528" name="Google Shape;528;p57"/>
           <p:cNvSpPr txBox="1"/>
           <p:nvPr>
             <p:ph type="title"/>
@@ -34473,7 +34614,7 @@
   <p:cSld>
     <p:spTree>
       <p:nvGrpSpPr>
-        <p:cNvPr id="529" name="Shape 529"/>
+        <p:cNvPr id="532" name="Shape 532"/>
         <p:cNvGrpSpPr/>
         <p:nvPr/>
       </p:nvGrpSpPr>
@@ -34487,7 +34628,7 @@
       </p:grpSpPr>
       <p:sp>
         <p:nvSpPr>
-          <p:cNvPr id="530" name="Google Shape;530;p58"/>
+          <p:cNvPr id="533" name="Google Shape;533;p58"/>
           <p:cNvSpPr txBox="1"/>
           <p:nvPr/>
         </p:nvSpPr>
@@ -34609,7 +34750,7 @@
       </p:sp>
       <p:sp>
         <p:nvSpPr>
-          <p:cNvPr id="531" name="Google Shape;531;p58"/>
+          <p:cNvPr id="534" name="Google Shape;534;p58"/>
           <p:cNvSpPr txBox="1"/>
           <p:nvPr>
             <p:ph type="title"/>
@@ -34659,7 +34800,7 @@
       </p:sp>
       <p:sp>
         <p:nvSpPr>
-          <p:cNvPr id="532" name="Google Shape;532;p58"/>
+          <p:cNvPr id="535" name="Google Shape;535;p58"/>
           <p:cNvSpPr txBox="1"/>
           <p:nvPr/>
         </p:nvSpPr>
@@ -34748,7 +34889,7 @@
                                           </p:stCondLst>
                                         </p:cTn>
                                         <p:tgtEl>
-                                          <p:spTgt spid="532"/>
+                                          <p:spTgt spid="535"/>
                                         </p:tgtEl>
                                         <p:attrNameLst>
                                           <p:attrName>style.visibility</p:attrName>
@@ -34762,7 +34903,7 @@
                                       <p:cBhvr>
                                         <p:cTn dur="1000"/>
                                         <p:tgtEl>
-                                          <p:spTgt spid="532"/>
+                                          <p:spTgt spid="535"/>
                                         </p:tgtEl>
                                       </p:cBhvr>
                                     </p:animEffect>
@@ -34805,7 +34946,7 @@
   <p:cSld>
     <p:spTree>
       <p:nvGrpSpPr>
-        <p:cNvPr id="536" name="Shape 536"/>
+        <p:cNvPr id="539" name="Shape 539"/>
         <p:cNvGrpSpPr/>
         <p:nvPr/>
       </p:nvGrpSpPr>
@@ -34819,7 +34960,7 @@
       </p:grpSpPr>
       <p:sp>
         <p:nvSpPr>
-          <p:cNvPr id="537" name="Google Shape;537;p59"/>
+          <p:cNvPr id="540" name="Google Shape;540;p59"/>
           <p:cNvSpPr txBox="1"/>
           <p:nvPr/>
         </p:nvSpPr>
@@ -34877,7 +35018,7 @@
       </p:sp>
       <p:sp>
         <p:nvSpPr>
-          <p:cNvPr id="538" name="Google Shape;538;p59"/>
+          <p:cNvPr id="541" name="Google Shape;541;p59"/>
           <p:cNvSpPr txBox="1"/>
           <p:nvPr>
             <p:ph type="title"/>
@@ -34938,7 +35079,7 @@
   <p:cSld>
     <p:spTree>
       <p:nvGrpSpPr>
-        <p:cNvPr id="542" name="Shape 542"/>
+        <p:cNvPr id="545" name="Shape 545"/>
         <p:cNvGrpSpPr/>
         <p:nvPr/>
       </p:nvGrpSpPr>
@@ -34952,7 +35093,7 @@
       </p:grpSpPr>
       <p:sp>
         <p:nvSpPr>
-          <p:cNvPr id="543" name="Google Shape;543;p60"/>
+          <p:cNvPr id="546" name="Google Shape;546;p60"/>
           <p:cNvSpPr txBox="1"/>
           <p:nvPr/>
         </p:nvSpPr>
@@ -35165,7 +35306,7 @@
       </p:sp>
       <p:sp>
         <p:nvSpPr>
-          <p:cNvPr id="544" name="Google Shape;544;p60"/>
+          <p:cNvPr id="547" name="Google Shape;547;p60"/>
           <p:cNvSpPr txBox="1"/>
           <p:nvPr>
             <p:ph type="title"/>
@@ -35215,7 +35356,7 @@
       </p:sp>
       <p:sp>
         <p:nvSpPr>
-          <p:cNvPr id="545" name="Google Shape;545;p60"/>
+          <p:cNvPr id="548" name="Google Shape;548;p60"/>
           <p:cNvSpPr txBox="1"/>
           <p:nvPr/>
         </p:nvSpPr>
@@ -35304,7 +35445,7 @@
                                           </p:stCondLst>
                                         </p:cTn>
                                         <p:tgtEl>
-                                          <p:spTgt spid="545"/>
+                                          <p:spTgt spid="548"/>
                                         </p:tgtEl>
                                         <p:attrNameLst>
                                           <p:attrName>style.visibility</p:attrName>
@@ -35318,7 +35459,7 @@
                                       <p:cBhvr>
                                         <p:cTn dur="1000"/>
                                         <p:tgtEl>
-                                          <p:spTgt spid="545"/>
+                                          <p:spTgt spid="548"/>
                                         </p:tgtEl>
                                       </p:cBhvr>
                                     </p:animEffect>
@@ -35361,7 +35502,7 @@
   <p:cSld>
     <p:spTree>
       <p:nvGrpSpPr>
-        <p:cNvPr id="549" name="Shape 549"/>
+        <p:cNvPr id="552" name="Shape 552"/>
         <p:cNvGrpSpPr/>
         <p:nvPr/>
       </p:nvGrpSpPr>
@@ -35375,7 +35516,7 @@
       </p:grpSpPr>
       <p:sp>
         <p:nvSpPr>
-          <p:cNvPr id="550" name="Google Shape;550;p61"/>
+          <p:cNvPr id="553" name="Google Shape;553;p61"/>
           <p:cNvSpPr txBox="1"/>
           <p:nvPr>
             <p:ph type="title"/>
@@ -35434,7 +35575,7 @@
       </p:sp>
       <p:sp>
         <p:nvSpPr>
-          <p:cNvPr id="551" name="Google Shape;551;p61"/>
+          <p:cNvPr id="554" name="Google Shape;554;p61"/>
           <p:cNvSpPr txBox="1"/>
           <p:nvPr/>
         </p:nvSpPr>
@@ -35489,7 +35630,7 @@
       </p:sp>
       <p:sp>
         <p:nvSpPr>
-          <p:cNvPr id="552" name="Google Shape;552;p61"/>
+          <p:cNvPr id="555" name="Google Shape;555;p61"/>
           <p:cNvSpPr txBox="1"/>
           <p:nvPr/>
         </p:nvSpPr>
@@ -35578,7 +35719,7 @@
                                           </p:stCondLst>
                                         </p:cTn>
                                         <p:tgtEl>
-                                          <p:spTgt spid="552"/>
+                                          <p:spTgt spid="555"/>
                                         </p:tgtEl>
                                         <p:attrNameLst>
                                           <p:attrName>style.visibility</p:attrName>
@@ -35592,7 +35733,7 @@
                                       <p:cBhvr>
                                         <p:cTn dur="1000"/>
                                         <p:tgtEl>
-                                          <p:spTgt spid="552"/>
+                                          <p:spTgt spid="555"/>
                                         </p:tgtEl>
                                       </p:cBhvr>
                                     </p:animEffect>
@@ -35635,7 +35776,7 @@
   <p:cSld>
     <p:spTree>
       <p:nvGrpSpPr>
-        <p:cNvPr id="80" name="Shape 80"/>
+        <p:cNvPr id="83" name="Shape 83"/>
         <p:cNvGrpSpPr/>
         <p:nvPr/>
       </p:nvGrpSpPr>
@@ -35649,7 +35790,7 @@
       </p:grpSpPr>
       <p:sp>
         <p:nvSpPr>
-          <p:cNvPr id="81" name="Google Shape;81;p17"/>
+          <p:cNvPr id="84" name="Google Shape;84;p17"/>
           <p:cNvSpPr txBox="1"/>
           <p:nvPr>
             <p:ph idx="1" type="body"/>
@@ -35757,7 +35898,7 @@
       </p:sp>
       <p:pic>
         <p:nvPicPr>
-          <p:cNvPr id="82" name="Google Shape;82;p17"/>
+          <p:cNvPr id="85" name="Google Shape;85;p17"/>
           <p:cNvPicPr preferRelativeResize="0"/>
           <p:nvPr/>
         </p:nvPicPr>
@@ -35796,7 +35937,7 @@
   <p:cSld>
     <p:spTree>
       <p:nvGrpSpPr>
-        <p:cNvPr id="556" name="Shape 556"/>
+        <p:cNvPr id="559" name="Shape 559"/>
         <p:cNvGrpSpPr/>
         <p:nvPr/>
       </p:nvGrpSpPr>
@@ -35810,7 +35951,7 @@
       </p:grpSpPr>
       <p:sp>
         <p:nvSpPr>
-          <p:cNvPr id="557" name="Google Shape;557;p62"/>
+          <p:cNvPr id="560" name="Google Shape;560;p62"/>
           <p:cNvSpPr txBox="1"/>
           <p:nvPr>
             <p:ph type="title"/>
@@ -35869,7 +36010,7 @@
       </p:sp>
       <p:sp>
         <p:nvSpPr>
-          <p:cNvPr id="558" name="Google Shape;558;p62"/>
+          <p:cNvPr id="561" name="Google Shape;561;p62"/>
           <p:cNvSpPr txBox="1"/>
           <p:nvPr/>
         </p:nvSpPr>
@@ -36067,7 +36208,7 @@
       </p:sp>
       <p:sp>
         <p:nvSpPr>
-          <p:cNvPr id="559" name="Google Shape;559;p62"/>
+          <p:cNvPr id="562" name="Google Shape;562;p62"/>
           <p:cNvSpPr txBox="1"/>
           <p:nvPr/>
         </p:nvSpPr>
@@ -36122,7 +36263,7 @@
       </p:sp>
       <p:sp>
         <p:nvSpPr>
-          <p:cNvPr id="560" name="Google Shape;560;p62"/>
+          <p:cNvPr id="563" name="Google Shape;563;p62"/>
           <p:cNvSpPr txBox="1"/>
           <p:nvPr/>
         </p:nvSpPr>
@@ -36211,7 +36352,7 @@
                                           </p:stCondLst>
                                         </p:cTn>
                                         <p:tgtEl>
-                                          <p:spTgt spid="559"/>
+                                          <p:spTgt spid="562"/>
                                         </p:tgtEl>
                                         <p:attrNameLst>
                                           <p:attrName>style.visibility</p:attrName>
@@ -36225,7 +36366,7 @@
                                       <p:cBhvr>
                                         <p:cTn dur="1000"/>
                                         <p:tgtEl>
-                                          <p:spTgt spid="559"/>
+                                          <p:spTgt spid="562"/>
                                         </p:tgtEl>
                                       </p:cBhvr>
                                     </p:animEffect>
@@ -36264,7 +36405,7 @@
                                           </p:stCondLst>
                                         </p:cTn>
                                         <p:tgtEl>
-                                          <p:spTgt spid="560"/>
+                                          <p:spTgt spid="563"/>
                                         </p:tgtEl>
                                         <p:attrNameLst>
                                           <p:attrName>style.visibility</p:attrName>
@@ -36278,7 +36419,7 @@
                                       <p:cBhvr>
                                         <p:cTn dur="1000"/>
                                         <p:tgtEl>
-                                          <p:spTgt spid="560"/>
+                                          <p:spTgt spid="563"/>
                                         </p:tgtEl>
                                       </p:cBhvr>
                                     </p:animEffect>
@@ -36321,7 +36462,7 @@
   <p:cSld>
     <p:spTree>
       <p:nvGrpSpPr>
-        <p:cNvPr id="564" name="Shape 564"/>
+        <p:cNvPr id="567" name="Shape 567"/>
         <p:cNvGrpSpPr/>
         <p:nvPr/>
       </p:nvGrpSpPr>
@@ -36335,7 +36476,7 @@
       </p:grpSpPr>
       <p:sp>
         <p:nvSpPr>
-          <p:cNvPr id="565" name="Google Shape;565;p63"/>
+          <p:cNvPr id="568" name="Google Shape;568;p63"/>
           <p:cNvSpPr txBox="1"/>
           <p:nvPr>
             <p:ph type="title"/>
@@ -36385,7 +36526,7 @@
       </p:sp>
       <p:pic>
         <p:nvPicPr>
-          <p:cNvPr id="566" name="Google Shape;566;p63"/>
+          <p:cNvPr id="569" name="Google Shape;569;p63"/>
           <p:cNvPicPr preferRelativeResize="0"/>
           <p:nvPr/>
         </p:nvPicPr>
@@ -36413,7 +36554,7 @@
       </p:pic>
       <p:sp>
         <p:nvSpPr>
-          <p:cNvPr id="567" name="Google Shape;567;p63"/>
+          <p:cNvPr id="570" name="Google Shape;570;p63"/>
           <p:cNvSpPr txBox="1"/>
           <p:nvPr/>
         </p:nvSpPr>
@@ -36505,7 +36646,7 @@
                                           </p:stCondLst>
                                         </p:cTn>
                                         <p:tgtEl>
-                                          <p:spTgt spid="565"/>
+                                          <p:spTgt spid="568"/>
                                         </p:tgtEl>
                                         <p:attrNameLst>
                                           <p:attrName>style.visibility</p:attrName>
@@ -36519,7 +36660,7 @@
                                       <p:cBhvr additive="base">
                                         <p:cTn dur="1000"/>
                                         <p:tgtEl>
-                                          <p:spTgt spid="565"/>
+                                          <p:spTgt spid="568"/>
                                         </p:tgtEl>
                                         <p:attrNameLst>
                                           <p:attrName>ppt_x</p:attrName>
@@ -36555,7 +36696,7 @@
                                           </p:stCondLst>
                                         </p:cTn>
                                         <p:tgtEl>
-                                          <p:spTgt spid="566"/>
+                                          <p:spTgt spid="569"/>
                                         </p:tgtEl>
                                         <p:attrNameLst>
                                           <p:attrName>style.visibility</p:attrName>
@@ -36569,7 +36710,7 @@
                                       <p:cBhvr additive="base">
                                         <p:cTn dur="1000"/>
                                         <p:tgtEl>
-                                          <p:spTgt spid="566"/>
+                                          <p:spTgt spid="569"/>
                                         </p:tgtEl>
                                         <p:attrNameLst>
                                           <p:attrName>ppt_x</p:attrName>
@@ -36605,7 +36746,7 @@
                                           </p:stCondLst>
                                         </p:cTn>
                                         <p:tgtEl>
-                                          <p:spTgt spid="567"/>
+                                          <p:spTgt spid="570"/>
                                         </p:tgtEl>
                                         <p:attrNameLst>
                                           <p:attrName>style.visibility</p:attrName>
@@ -36619,7 +36760,7 @@
                                       <p:cBhvr additive="base">
                                         <p:cTn dur="1000"/>
                                         <p:tgtEl>
-                                          <p:spTgt spid="567"/>
+                                          <p:spTgt spid="570"/>
                                         </p:tgtEl>
                                         <p:attrNameLst>
                                           <p:attrName>ppt_y</p:attrName>
@@ -36677,7 +36818,7 @@
   <p:cSld>
     <p:spTree>
       <p:nvGrpSpPr>
-        <p:cNvPr id="571" name="Shape 571"/>
+        <p:cNvPr id="574" name="Shape 574"/>
         <p:cNvGrpSpPr/>
         <p:nvPr/>
       </p:nvGrpSpPr>
@@ -36691,7 +36832,7 @@
       </p:grpSpPr>
       <p:sp>
         <p:nvSpPr>
-          <p:cNvPr id="572" name="Google Shape;572;p64"/>
+          <p:cNvPr id="575" name="Google Shape;575;p64"/>
           <p:cNvSpPr txBox="1"/>
           <p:nvPr>
             <p:ph type="title"/>
@@ -36741,7 +36882,7 @@
       </p:sp>
       <p:pic>
         <p:nvPicPr>
-          <p:cNvPr id="573" name="Google Shape;573;p64"/>
+          <p:cNvPr id="576" name="Google Shape;576;p64"/>
           <p:cNvPicPr preferRelativeResize="0"/>
           <p:nvPr/>
         </p:nvPicPr>
@@ -36769,7 +36910,7 @@
       </p:pic>
       <p:sp>
         <p:nvSpPr>
-          <p:cNvPr id="574" name="Google Shape;574;p64"/>
+          <p:cNvPr id="577" name="Google Shape;577;p64"/>
           <p:cNvSpPr txBox="1"/>
           <p:nvPr/>
         </p:nvSpPr>
@@ -36861,7 +37002,7 @@
                                           </p:stCondLst>
                                         </p:cTn>
                                         <p:tgtEl>
-                                          <p:spTgt spid="574"/>
+                                          <p:spTgt spid="577"/>
                                         </p:tgtEl>
                                         <p:attrNameLst>
                                           <p:attrName>style.visibility</p:attrName>
@@ -36875,7 +37016,7 @@
                                       <p:cBhvr>
                                         <p:cTn dur="1000"/>
                                         <p:tgtEl>
-                                          <p:spTgt spid="574"/>
+                                          <p:spTgt spid="577"/>
                                         </p:tgtEl>
                                       </p:cBhvr>
                                     </p:animEffect>
@@ -36896,7 +37037,7 @@
                                           </p:stCondLst>
                                         </p:cTn>
                                         <p:tgtEl>
-                                          <p:spTgt spid="574"/>
+                                          <p:spTgt spid="577"/>
                                         </p:tgtEl>
                                         <p:attrNameLst>
                                           <p:attrName>style.visibility</p:attrName>
@@ -36910,7 +37051,7 @@
                                       <p:cBhvr additive="base">
                                         <p:cTn dur="1000"/>
                                         <p:tgtEl>
-                                          <p:spTgt spid="574"/>
+                                          <p:spTgt spid="577"/>
                                         </p:tgtEl>
                                         <p:attrNameLst>
                                           <p:attrName>ppt_w</p:attrName>
@@ -36933,7 +37074,7 @@
                                       <p:cBhvr additive="base">
                                         <p:cTn dur="1000"/>
                                         <p:tgtEl>
-                                          <p:spTgt spid="574"/>
+                                          <p:spTgt spid="577"/>
                                         </p:tgtEl>
                                         <p:attrNameLst>
                                           <p:attrName>ppt_h</p:attrName>
@@ -36965,7 +37106,7 @@
                                       <p:cBhvr>
                                         <p:cTn dur="1000" fill="hold"/>
                                         <p:tgtEl>
-                                          <p:spTgt spid="574"/>
+                                          <p:spTgt spid="577"/>
                                         </p:tgtEl>
                                         <p:attrNameLst>
                                           <p:attrName>r</p:attrName>
@@ -36989,7 +37130,7 @@
                                           </p:stCondLst>
                                         </p:cTn>
                                         <p:tgtEl>
-                                          <p:spTgt spid="572"/>
+                                          <p:spTgt spid="575"/>
                                         </p:tgtEl>
                                         <p:attrNameLst>
                                           <p:attrName>style.visibility</p:attrName>
@@ -37003,7 +37144,7 @@
                                       <p:cBhvr additive="base">
                                         <p:cTn dur="1000"/>
                                         <p:tgtEl>
-                                          <p:spTgt spid="572"/>
+                                          <p:spTgt spid="575"/>
                                         </p:tgtEl>
                                         <p:attrNameLst>
                                           <p:attrName>ppt_y</p:attrName>
@@ -37039,7 +37180,7 @@
                                           </p:stCondLst>
                                         </p:cTn>
                                         <p:tgtEl>
-                                          <p:spTgt spid="573"/>
+                                          <p:spTgt spid="576"/>
                                         </p:tgtEl>
                                         <p:attrNameLst>
                                           <p:attrName>style.visibility</p:attrName>
@@ -37053,7 +37194,7 @@
                                       <p:cBhvr>
                                         <p:cTn dur="1000"/>
                                         <p:tgtEl>
-                                          <p:spTgt spid="573"/>
+                                          <p:spTgt spid="576"/>
                                         </p:tgtEl>
                                       </p:cBhvr>
                                     </p:animEffect>
@@ -37096,7 +37237,7 @@
   <p:cSld>
     <p:spTree>
       <p:nvGrpSpPr>
-        <p:cNvPr id="86" name="Shape 86"/>
+        <p:cNvPr id="89" name="Shape 89"/>
         <p:cNvGrpSpPr/>
         <p:nvPr/>
       </p:nvGrpSpPr>
@@ -37110,7 +37251,7 @@
       </p:grpSpPr>
       <p:sp>
         <p:nvSpPr>
-          <p:cNvPr id="87" name="Google Shape;87;p18"/>
+          <p:cNvPr id="90" name="Google Shape;90;p18"/>
           <p:cNvSpPr txBox="1"/>
           <p:nvPr>
             <p:ph idx="1" type="body"/>
@@ -37286,7 +37427,7 @@
       </p:sp>
       <p:pic>
         <p:nvPicPr>
-          <p:cNvPr id="88" name="Google Shape;88;p18"/>
+          <p:cNvPr id="91" name="Google Shape;91;p18"/>
           <p:cNvPicPr preferRelativeResize="0"/>
           <p:nvPr/>
         </p:nvPicPr>
@@ -37325,7 +37466,7 @@
   <p:cSld>
     <p:spTree>
       <p:nvGrpSpPr>
-        <p:cNvPr id="92" name="Shape 92"/>
+        <p:cNvPr id="95" name="Shape 95"/>
         <p:cNvGrpSpPr/>
         <p:nvPr/>
       </p:nvGrpSpPr>
@@ -37339,7 +37480,7 @@
       </p:grpSpPr>
       <p:sp>
         <p:nvSpPr>
-          <p:cNvPr id="93" name="Google Shape;93;p19"/>
+          <p:cNvPr id="96" name="Google Shape;96;p19"/>
           <p:cNvSpPr txBox="1"/>
           <p:nvPr>
             <p:ph type="title"/>
@@ -37383,7 +37524,7 @@
       </p:sp>
       <p:sp>
         <p:nvSpPr>
-          <p:cNvPr id="94" name="Google Shape;94;p19"/>
+          <p:cNvPr id="97" name="Google Shape;97;p19"/>
           <p:cNvSpPr txBox="1"/>
           <p:nvPr>
             <p:ph idx="1" type="body"/>
@@ -38095,7 +38236,7 @@
       </p:sp>
       <p:sp>
         <p:nvSpPr>
-          <p:cNvPr id="95" name="Google Shape;95;p19"/>
+          <p:cNvPr id="98" name="Google Shape;98;p19"/>
           <p:cNvSpPr/>
           <p:nvPr/>
         </p:nvSpPr>
@@ -38142,7 +38283,7 @@
       </p:sp>
       <p:sp>
         <p:nvSpPr>
-          <p:cNvPr id="96" name="Google Shape;96;p19"/>
+          <p:cNvPr id="99" name="Google Shape;99;p19"/>
           <p:cNvSpPr/>
           <p:nvPr/>
         </p:nvSpPr>
@@ -38189,7 +38330,7 @@
       </p:sp>
       <p:sp>
         <p:nvSpPr>
-          <p:cNvPr id="97" name="Google Shape;97;p19"/>
+          <p:cNvPr id="100" name="Google Shape;100;p19"/>
           <p:cNvSpPr/>
           <p:nvPr/>
         </p:nvSpPr>
@@ -38236,7 +38377,7 @@
       </p:sp>
       <p:sp>
         <p:nvSpPr>
-          <p:cNvPr id="98" name="Google Shape;98;p19"/>
+          <p:cNvPr id="101" name="Google Shape;101;p19"/>
           <p:cNvSpPr txBox="1"/>
           <p:nvPr>
             <p:ph idx="1" type="body"/>
@@ -38409,7 +38550,7 @@
       </p:sp>
       <p:sp>
         <p:nvSpPr>
-          <p:cNvPr id="99" name="Google Shape;99;p19"/>
+          <p:cNvPr id="102" name="Google Shape;102;p19"/>
           <p:cNvSpPr txBox="1"/>
           <p:nvPr/>
         </p:nvSpPr>
@@ -38459,7 +38600,7 @@
       </p:sp>
       <p:sp>
         <p:nvSpPr>
-          <p:cNvPr id="100" name="Google Shape;100;p19"/>
+          <p:cNvPr id="103" name="Google Shape;103;p19"/>
           <p:cNvSpPr txBox="1"/>
           <p:nvPr/>
         </p:nvSpPr>
@@ -38546,7 +38687,7 @@
                                           </p:stCondLst>
                                         </p:cTn>
                                         <p:tgtEl>
-                                          <p:spTgt spid="95"/>
+                                          <p:spTgt spid="98"/>
                                         </p:tgtEl>
                                         <p:attrNameLst>
                                           <p:attrName>style.visibility</p:attrName>
@@ -38560,42 +38701,7 @@
                                       <p:cBhvr>
                                         <p:cTn dur="1"/>
                                         <p:tgtEl>
-                                          <p:spTgt spid="95"/>
-                                        </p:tgtEl>
-                                      </p:cBhvr>
-                                    </p:animEffect>
-                                  </p:childTnLst>
-                                </p:cTn>
-                              </p:par>
-                              <p:par>
-                                <p:cTn fill="hold" nodeType="withEffect" presetClass="entr" presetID="10" presetSubtype="0">
-                                  <p:stCondLst>
-                                    <p:cond delay="0"/>
-                                  </p:stCondLst>
-                                  <p:childTnLst>
-                                    <p:set>
-                                      <p:cBhvr>
-                                        <p:cTn dur="1" fill="hold">
-                                          <p:stCondLst>
-                                            <p:cond delay="0"/>
-                                          </p:stCondLst>
-                                        </p:cTn>
-                                        <p:tgtEl>
-                                          <p:spTgt spid="96"/>
-                                        </p:tgtEl>
-                                        <p:attrNameLst>
-                                          <p:attrName>style.visibility</p:attrName>
-                                        </p:attrNameLst>
-                                      </p:cBhvr>
-                                      <p:to>
-                                        <p:strVal val="visible"/>
-                                      </p:to>
-                                    </p:set>
-                                    <p:animEffect filter="fade" transition="in">
-                                      <p:cBhvr>
-                                        <p:cTn dur="1"/>
-                                        <p:tgtEl>
-                                          <p:spTgt spid="96"/>
+                                          <p:spTgt spid="98"/>
                                         </p:tgtEl>
                                       </p:cBhvr>
                                     </p:animEffect>
@@ -38637,6 +38743,41 @@
                                   </p:childTnLst>
                                 </p:cTn>
                               </p:par>
+                              <p:par>
+                                <p:cTn fill="hold" nodeType="withEffect" presetClass="entr" presetID="10" presetSubtype="0">
+                                  <p:stCondLst>
+                                    <p:cond delay="0"/>
+                                  </p:stCondLst>
+                                  <p:childTnLst>
+                                    <p:set>
+                                      <p:cBhvr>
+                                        <p:cTn dur="1" fill="hold">
+                                          <p:stCondLst>
+                                            <p:cond delay="0"/>
+                                          </p:stCondLst>
+                                        </p:cTn>
+                                        <p:tgtEl>
+                                          <p:spTgt spid="102"/>
+                                        </p:tgtEl>
+                                        <p:attrNameLst>
+                                          <p:attrName>style.visibility</p:attrName>
+                                        </p:attrNameLst>
+                                      </p:cBhvr>
+                                      <p:to>
+                                        <p:strVal val="visible"/>
+                                      </p:to>
+                                    </p:set>
+                                    <p:animEffect filter="fade" transition="in">
+                                      <p:cBhvr>
+                                        <p:cTn dur="1"/>
+                                        <p:tgtEl>
+                                          <p:spTgt spid="102"/>
+                                        </p:tgtEl>
+                                      </p:cBhvr>
+                                    </p:animEffect>
+                                  </p:childTnLst>
+                                </p:cTn>
+                              </p:par>
                             </p:childTnLst>
                           </p:cTn>
                         </p:par>
@@ -38665,7 +38806,7 @@
                                       <p:cBhvr>
                                         <p:cTn dur="1"/>
                                         <p:tgtEl>
-                                          <p:spTgt spid="95"/>
+                                          <p:spTgt spid="98"/>
                                         </p:tgtEl>
                                       </p:cBhvr>
                                     </p:animEffect>
@@ -38677,42 +38818,7 @@
                                           </p:stCondLst>
                                         </p:cTn>
                                         <p:tgtEl>
-                                          <p:spTgt spid="95"/>
-                                        </p:tgtEl>
-                                        <p:attrNameLst>
-                                          <p:attrName>style.visibility</p:attrName>
-                                        </p:attrNameLst>
-                                      </p:cBhvr>
-                                      <p:to>
-                                        <p:strVal val="hidden"/>
-                                      </p:to>
-                                    </p:set>
-                                  </p:childTnLst>
-                                </p:cTn>
-                              </p:par>
-                              <p:par>
-                                <p:cTn fill="hold" nodeType="withEffect" presetClass="exit" presetID="10" presetSubtype="0">
-                                  <p:stCondLst>
-                                    <p:cond delay="0"/>
-                                  </p:stCondLst>
-                                  <p:childTnLst>
-                                    <p:animEffect filter="fade" transition="out">
-                                      <p:cBhvr>
-                                        <p:cTn dur="1"/>
-                                        <p:tgtEl>
-                                          <p:spTgt spid="96"/>
-                                        </p:tgtEl>
-                                      </p:cBhvr>
-                                    </p:animEffect>
-                                    <p:set>
-                                      <p:cBhvr>
-                                        <p:cTn dur="1" fill="hold">
-                                          <p:stCondLst>
-                                            <p:cond delay="0"/>
-                                          </p:stCondLst>
-                                        </p:cTn>
-                                        <p:tgtEl>
-                                          <p:spTgt spid="96"/>
+                                          <p:spTgt spid="98"/>
                                         </p:tgtEl>
                                         <p:attrNameLst>
                                           <p:attrName>style.visibility</p:attrName>
@@ -38760,6 +38866,41 @@
                                   </p:childTnLst>
                                 </p:cTn>
                               </p:par>
+                              <p:par>
+                                <p:cTn fill="hold" nodeType="withEffect" presetClass="exit" presetID="10" presetSubtype="0">
+                                  <p:stCondLst>
+                                    <p:cond delay="0"/>
+                                  </p:stCondLst>
+                                  <p:childTnLst>
+                                    <p:animEffect filter="fade" transition="out">
+                                      <p:cBhvr>
+                                        <p:cTn dur="1"/>
+                                        <p:tgtEl>
+                                          <p:spTgt spid="102"/>
+                                        </p:tgtEl>
+                                      </p:cBhvr>
+                                    </p:animEffect>
+                                    <p:set>
+                                      <p:cBhvr>
+                                        <p:cTn dur="1" fill="hold">
+                                          <p:stCondLst>
+                                            <p:cond delay="0"/>
+                                          </p:stCondLst>
+                                        </p:cTn>
+                                        <p:tgtEl>
+                                          <p:spTgt spid="102"/>
+                                        </p:tgtEl>
+                                        <p:attrNameLst>
+                                          <p:attrName>style.visibility</p:attrName>
+                                        </p:attrNameLst>
+                                      </p:cBhvr>
+                                      <p:to>
+                                        <p:strVal val="hidden"/>
+                                      </p:to>
+                                    </p:set>
+                                  </p:childTnLst>
+                                </p:cTn>
+                              </p:par>
                             </p:childTnLst>
                           </p:cTn>
                         </p:par>
@@ -38780,41 +38921,6 @@
                             <p:childTnLst>
                               <p:par>
                                 <p:cTn fill="hold" nodeType="clickEffect" presetClass="entr" presetID="10" presetSubtype="0">
-                                  <p:stCondLst>
-                                    <p:cond delay="0"/>
-                                  </p:stCondLst>
-                                  <p:childTnLst>
-                                    <p:set>
-                                      <p:cBhvr>
-                                        <p:cTn dur="1" fill="hold">
-                                          <p:stCondLst>
-                                            <p:cond delay="0"/>
-                                          </p:stCondLst>
-                                        </p:cTn>
-                                        <p:tgtEl>
-                                          <p:spTgt spid="97"/>
-                                        </p:tgtEl>
-                                        <p:attrNameLst>
-                                          <p:attrName>style.visibility</p:attrName>
-                                        </p:attrNameLst>
-                                      </p:cBhvr>
-                                      <p:to>
-                                        <p:strVal val="visible"/>
-                                      </p:to>
-                                    </p:set>
-                                    <p:animEffect filter="fade" transition="in">
-                                      <p:cBhvr>
-                                        <p:cTn dur="1"/>
-                                        <p:tgtEl>
-                                          <p:spTgt spid="97"/>
-                                        </p:tgtEl>
-                                      </p:cBhvr>
-                                    </p:animEffect>
-                                  </p:childTnLst>
-                                </p:cTn>
-                              </p:par>
-                              <p:par>
-                                <p:cTn fill="hold" nodeType="withEffect" presetClass="entr" presetID="10" presetSubtype="0">
                                   <p:stCondLst>
                                     <p:cond delay="0"/>
                                   </p:stCondLst>
@@ -38862,7 +38968,42 @@
                                           </p:stCondLst>
                                         </p:cTn>
                                         <p:tgtEl>
-                                          <p:spTgt spid="100"/>
+                                          <p:spTgt spid="103"/>
+                                        </p:tgtEl>
+                                        <p:attrNameLst>
+                                          <p:attrName>style.visibility</p:attrName>
+                                        </p:attrNameLst>
+                                      </p:cBhvr>
+                                      <p:to>
+                                        <p:strVal val="visible"/>
+                                      </p:to>
+                                    </p:set>
+                                    <p:animEffect filter="fade" transition="in">
+                                      <p:cBhvr>
+                                        <p:cTn dur="1"/>
+                                        <p:tgtEl>
+                                          <p:spTgt spid="103"/>
+                                        </p:tgtEl>
+                                      </p:cBhvr>
+                                    </p:animEffect>
+                                  </p:childTnLst>
+                                </p:cTn>
+                              </p:par>
+                              <p:par>
+                                <p:cTn fill="hold" nodeType="withEffect" presetClass="entr" presetID="10" presetSubtype="0">
+                                  <p:stCondLst>
+                                    <p:cond delay="0"/>
+                                  </p:stCondLst>
+                                  <p:childTnLst>
+                                    <p:set>
+                                      <p:cBhvr>
+                                        <p:cTn dur="1" fill="hold">
+                                          <p:stCondLst>
+                                            <p:cond delay="0"/>
+                                          </p:stCondLst>
+                                        </p:cTn>
+                                        <p:tgtEl>
+                                          <p:spTgt spid="103"/>
                                         </p:tgtEl>
                                         <p:attrNameLst>
                                           <p:attrName>style.visibility</p:attrName>
@@ -38876,7 +39017,7 @@
                                       <p:cBhvr>
                                         <p:cTn dur="1000"/>
                                         <p:tgtEl>
-                                          <p:spTgt spid="100"/>
+                                          <p:spTgt spid="103"/>
                                         </p:tgtEl>
                                       </p:cBhvr>
                                     </p:animEffect>
@@ -38919,7 +39060,7 @@
   <p:cSld>
     <p:spTree>
       <p:nvGrpSpPr>
-        <p:cNvPr id="104" name="Shape 104"/>
+        <p:cNvPr id="107" name="Shape 107"/>
         <p:cNvGrpSpPr/>
         <p:nvPr/>
       </p:nvGrpSpPr>
@@ -38933,7 +39074,7 @@
       </p:grpSpPr>
       <p:sp>
         <p:nvSpPr>
-          <p:cNvPr id="105" name="Google Shape;105;p20"/>
+          <p:cNvPr id="108" name="Google Shape;108;p20"/>
           <p:cNvSpPr txBox="1"/>
           <p:nvPr>
             <p:ph type="title"/>
@@ -38977,7 +39118,7 @@
       </p:sp>
       <p:sp>
         <p:nvSpPr>
-          <p:cNvPr id="106" name="Google Shape;106;p20"/>
+          <p:cNvPr id="109" name="Google Shape;109;p20"/>
           <p:cNvSpPr txBox="1"/>
           <p:nvPr>
             <p:ph idx="1" type="body"/>
@@ -39562,7 +39703,7 @@
       </p:sp>
       <p:sp>
         <p:nvSpPr>
-          <p:cNvPr id="107" name="Google Shape;107;p20"/>
+          <p:cNvPr id="110" name="Google Shape;110;p20"/>
           <p:cNvSpPr txBox="1"/>
           <p:nvPr/>
         </p:nvSpPr>
@@ -39780,7 +39921,7 @@
       </p:sp>
       <p:sp>
         <p:nvSpPr>
-          <p:cNvPr id="108" name="Google Shape;108;p20"/>
+          <p:cNvPr id="111" name="Google Shape;111;p20"/>
           <p:cNvSpPr txBox="1"/>
           <p:nvPr/>
         </p:nvSpPr>
@@ -39869,7 +40010,7 @@
                                           </p:stCondLst>
                                         </p:cTn>
                                         <p:tgtEl>
-                                          <p:spTgt spid="108"/>
+                                          <p:spTgt spid="111"/>
                                         </p:tgtEl>
                                         <p:attrNameLst>
                                           <p:attrName>style.visibility</p:attrName>
@@ -39883,7 +40024,7 @@
                                       <p:cBhvr>
                                         <p:cTn dur="1000"/>
                                         <p:tgtEl>
-                                          <p:spTgt spid="108"/>
+                                          <p:spTgt spid="111"/>
                                         </p:tgtEl>
                                       </p:cBhvr>
                                     </p:animEffect>
@@ -39926,7 +40067,7 @@
   <p:cSld>
     <p:spTree>
       <p:nvGrpSpPr>
-        <p:cNvPr id="112" name="Shape 112"/>
+        <p:cNvPr id="115" name="Shape 115"/>
         <p:cNvGrpSpPr/>
         <p:nvPr/>
       </p:nvGrpSpPr>
@@ -39940,7 +40081,7 @@
       </p:grpSpPr>
       <p:sp>
         <p:nvSpPr>
-          <p:cNvPr id="113" name="Google Shape;113;p21"/>
+          <p:cNvPr id="116" name="Google Shape;116;p21"/>
           <p:cNvSpPr txBox="1"/>
           <p:nvPr>
             <p:ph type="title"/>
@@ -39990,7 +40131,7 @@
       </p:sp>
       <p:pic>
         <p:nvPicPr>
-          <p:cNvPr id="114" name="Google Shape;114;p21"/>
+          <p:cNvPr id="117" name="Google Shape;117;p21"/>
           <p:cNvPicPr preferRelativeResize="0"/>
           <p:nvPr/>
         </p:nvPicPr>
@@ -40018,7 +40159,7 @@
       </p:pic>
       <p:sp>
         <p:nvSpPr>
-          <p:cNvPr id="115" name="Google Shape;115;p21"/>
+          <p:cNvPr id="118" name="Google Shape;118;p21"/>
           <p:cNvSpPr txBox="1"/>
           <p:nvPr>
             <p:ph idx="1" type="body"/>
